--- a/Presentations/ProjectPresentation_03-10-CB.pptx
+++ b/Presentations/ProjectPresentation_03-10-CB.pptx
@@ -8,27 +8,34 @@
     <p:sldId id="260" r:id="rId2"/>
     <p:sldId id="333" r:id="rId3"/>
     <p:sldId id="257" r:id="rId4"/>
-    <p:sldId id="335" r:id="rId5"/>
-    <p:sldId id="309" r:id="rId6"/>
-    <p:sldId id="262" r:id="rId7"/>
-    <p:sldId id="310" r:id="rId8"/>
-    <p:sldId id="314" r:id="rId9"/>
-    <p:sldId id="320" r:id="rId10"/>
-    <p:sldId id="311" r:id="rId11"/>
-    <p:sldId id="298" r:id="rId12"/>
-    <p:sldId id="313" r:id="rId13"/>
-    <p:sldId id="334" r:id="rId14"/>
-    <p:sldId id="337" r:id="rId15"/>
-    <p:sldId id="336" r:id="rId16"/>
-    <p:sldId id="338" r:id="rId17"/>
-    <p:sldId id="342" r:id="rId18"/>
-    <p:sldId id="340" r:id="rId19"/>
-    <p:sldId id="343" r:id="rId20"/>
-    <p:sldId id="344" r:id="rId21"/>
-    <p:sldId id="345" r:id="rId22"/>
-    <p:sldId id="346" r:id="rId23"/>
-    <p:sldId id="347" r:id="rId24"/>
-    <p:sldId id="348" r:id="rId25"/>
+    <p:sldId id="278" r:id="rId5"/>
+    <p:sldId id="280" r:id="rId6"/>
+    <p:sldId id="279" r:id="rId7"/>
+    <p:sldId id="284" r:id="rId8"/>
+    <p:sldId id="281" r:id="rId9"/>
+    <p:sldId id="335" r:id="rId10"/>
+    <p:sldId id="309" r:id="rId11"/>
+    <p:sldId id="262" r:id="rId12"/>
+    <p:sldId id="310" r:id="rId13"/>
+    <p:sldId id="314" r:id="rId14"/>
+    <p:sldId id="349" r:id="rId15"/>
+    <p:sldId id="320" r:id="rId16"/>
+    <p:sldId id="311" r:id="rId17"/>
+    <p:sldId id="298" r:id="rId18"/>
+    <p:sldId id="313" r:id="rId19"/>
+    <p:sldId id="334" r:id="rId20"/>
+    <p:sldId id="337" r:id="rId21"/>
+    <p:sldId id="336" r:id="rId22"/>
+    <p:sldId id="338" r:id="rId23"/>
+    <p:sldId id="342" r:id="rId24"/>
+    <p:sldId id="340" r:id="rId25"/>
+    <p:sldId id="343" r:id="rId26"/>
+    <p:sldId id="344" r:id="rId27"/>
+    <p:sldId id="345" r:id="rId28"/>
+    <p:sldId id="346" r:id="rId29"/>
+    <p:sldId id="347" r:id="rId30"/>
+    <p:sldId id="350" r:id="rId31"/>
+    <p:sldId id="348" r:id="rId32"/>
   </p:sldIdLst>
   <p:sldSz cx="12192000" cy="6858000"/>
   <p:notesSz cx="6858000" cy="9144000"/>
@@ -5417,6 +5424,1391 @@
           <a:chExt cx="0" cy="0"/>
         </a:xfrm>
       </p:grpSpPr>
+      <p:sp>
+        <p:nvSpPr>
+          <p:cNvPr id="2" name="Title 1">
+            <a:extLst>
+              <a:ext uri="{FF2B5EF4-FFF2-40B4-BE49-F238E27FC236}">
+                <a16:creationId xmlns:a16="http://schemas.microsoft.com/office/drawing/2014/main" id="{19622923-9F18-4F45-AB0E-B39ED3685EB9}"/>
+              </a:ext>
+            </a:extLst>
+          </p:cNvPr>
+          <p:cNvSpPr>
+            <a:spLocks noGrp="1"/>
+          </p:cNvSpPr>
+          <p:nvPr>
+            <p:ph type="title"/>
+          </p:nvPr>
+        </p:nvSpPr>
+        <p:spPr/>
+        <p:txBody>
+          <a:bodyPr/>
+          <a:lstStyle/>
+          <a:p>
+            <a:r>
+              <a:rPr lang="en-US" dirty="0"/>
+              <a:t>What A DDC Does </a:t>
+            </a:r>
+          </a:p>
+        </p:txBody>
+      </p:sp>
+      <p:sp>
+        <p:nvSpPr>
+          <p:cNvPr id="3" name="Content Placeholder 2">
+            <a:extLst>
+              <a:ext uri="{FF2B5EF4-FFF2-40B4-BE49-F238E27FC236}">
+                <a16:creationId xmlns:a16="http://schemas.microsoft.com/office/drawing/2014/main" id="{339CDF55-4FE9-0647-8A4A-4928EE684850}"/>
+              </a:ext>
+            </a:extLst>
+          </p:cNvPr>
+          <p:cNvSpPr>
+            <a:spLocks noGrp="1"/>
+          </p:cNvSpPr>
+          <p:nvPr>
+            <p:ph idx="1"/>
+          </p:nvPr>
+        </p:nvSpPr>
+        <p:spPr/>
+        <p:txBody>
+          <a:bodyPr>
+            <a:normAutofit/>
+          </a:bodyPr>
+          <a:lstStyle/>
+          <a:p>
+            <a:r>
+              <a:rPr lang="en-US" dirty="0"/>
+              <a:t>ADCs typically sample at a very high frequency</a:t>
+            </a:r>
+          </a:p>
+          <a:p>
+            <a:pPr lvl="1"/>
+            <a:r>
+              <a:rPr lang="en-US" dirty="0"/>
+              <a:t>Requires an unnecessarily fast DSP since the data we are concerned about is usually much lower frequency</a:t>
+            </a:r>
+          </a:p>
+          <a:p>
+            <a:r>
+              <a:rPr lang="en-US" dirty="0"/>
+              <a:t>DDC lowers the frequency the digitized signal</a:t>
+            </a:r>
+          </a:p>
+          <a:p>
+            <a:pPr lvl="1"/>
+            <a:r>
+              <a:rPr lang="en-US" dirty="0"/>
+              <a:t>Still preserves the original signal </a:t>
+            </a:r>
+          </a:p>
+          <a:p>
+            <a:pPr lvl="1"/>
+            <a:r>
+              <a:rPr lang="en-US" dirty="0"/>
+              <a:t>Reduces DSP speed requirements</a:t>
+            </a:r>
+          </a:p>
+          <a:p>
+            <a:r>
+              <a:rPr lang="en-US" dirty="0"/>
+              <a:t>Down conversion is used to demodulate AM signals</a:t>
+            </a:r>
+          </a:p>
+          <a:p>
+            <a:endParaRPr lang="en-US" dirty="0"/>
+          </a:p>
+        </p:txBody>
+      </p:sp>
+    </p:spTree>
+    <p:extLst>
+      <p:ext uri="{BB962C8B-B14F-4D97-AF65-F5344CB8AC3E}">
+        <p14:creationId xmlns:p14="http://schemas.microsoft.com/office/powerpoint/2010/main" val="960408316"/>
+      </p:ext>
+    </p:extLst>
+  </p:cSld>
+  <p:clrMapOvr>
+    <a:masterClrMapping/>
+  </p:clrMapOvr>
+</p:sld>
+</file>
+
+<file path=ppt/slides/slide11.xml><?xml version="1.0" encoding="utf-8"?>
+<p:sld xmlns:a="http://schemas.openxmlformats.org/drawingml/2006/main" xmlns:r="http://schemas.openxmlformats.org/officeDocument/2006/relationships" xmlns:p="http://schemas.openxmlformats.org/presentationml/2006/main">
+  <p:cSld>
+    <p:spTree>
+      <p:nvGrpSpPr>
+        <p:cNvPr id="1" name=""/>
+        <p:cNvGrpSpPr/>
+        <p:nvPr/>
+      </p:nvGrpSpPr>
+      <p:grpSpPr>
+        <a:xfrm>
+          <a:off x="0" y="0"/>
+          <a:ext cx="0" cy="0"/>
+          <a:chOff x="0" y="0"/>
+          <a:chExt cx="0" cy="0"/>
+        </a:xfrm>
+      </p:grpSpPr>
+      <p:sp>
+        <p:nvSpPr>
+          <p:cNvPr id="2" name="Title 1">
+            <a:extLst>
+              <a:ext uri="{FF2B5EF4-FFF2-40B4-BE49-F238E27FC236}">
+                <a16:creationId xmlns:a16="http://schemas.microsoft.com/office/drawing/2014/main" id="{B6C8D47A-7331-BC4A-9689-F321D5C53C4B}"/>
+              </a:ext>
+            </a:extLst>
+          </p:cNvPr>
+          <p:cNvSpPr>
+            <a:spLocks noGrp="1"/>
+          </p:cNvSpPr>
+          <p:nvPr>
+            <p:ph type="title"/>
+          </p:nvPr>
+        </p:nvSpPr>
+        <p:spPr/>
+        <p:txBody>
+          <a:bodyPr/>
+          <a:lstStyle/>
+          <a:p>
+            <a:r>
+              <a:rPr lang="en-US" dirty="0"/>
+              <a:t>On Off Keying (OOK)</a:t>
+            </a:r>
+          </a:p>
+        </p:txBody>
+      </p:sp>
+      <p:sp>
+        <p:nvSpPr>
+          <p:cNvPr id="6" name="Content Placeholder 2">
+            <a:extLst>
+              <a:ext uri="{FF2B5EF4-FFF2-40B4-BE49-F238E27FC236}">
+                <a16:creationId xmlns:a16="http://schemas.microsoft.com/office/drawing/2014/main" id="{F9A0112C-C2E2-EB46-8E3C-A1139A0308BF}"/>
+              </a:ext>
+            </a:extLst>
+          </p:cNvPr>
+          <p:cNvSpPr>
+            <a:spLocks noGrp="1"/>
+          </p:cNvSpPr>
+          <p:nvPr>
+            <p:ph idx="1"/>
+          </p:nvPr>
+        </p:nvSpPr>
+        <p:spPr>
+          <a:xfrm>
+            <a:off x="2904563" y="1825625"/>
+            <a:ext cx="8449055" cy="4351338"/>
+          </a:xfrm>
+        </p:spPr>
+        <p:txBody>
+          <a:bodyPr/>
+          <a:lstStyle/>
+          <a:p>
+            <a:r>
+              <a:rPr lang="en-US" dirty="0"/>
+              <a:t>A type of Amplitude Modulation</a:t>
+            </a:r>
+          </a:p>
+          <a:p>
+            <a:r>
+              <a:rPr lang="en-US" dirty="0"/>
+              <a:t>Presence of the carrier wave denotes a ’1’</a:t>
+            </a:r>
+            <a:endParaRPr lang="en-US" baseline="-25000" dirty="0"/>
+          </a:p>
+          <a:p>
+            <a:r>
+              <a:rPr lang="en-US" dirty="0"/>
+              <a:t>Absence of the carrier wave denotes a ‘0’</a:t>
+            </a:r>
+          </a:p>
+        </p:txBody>
+      </p:sp>
+      <p:pic>
+        <p:nvPicPr>
+          <p:cNvPr id="5" name="Picture 2" descr="On-Off Keying receiver/demodulator | All About Circuits">
+            <a:extLst>
+              <a:ext uri="{FF2B5EF4-FFF2-40B4-BE49-F238E27FC236}">
+                <a16:creationId xmlns:a16="http://schemas.microsoft.com/office/drawing/2014/main" id="{4865621E-0422-AC45-A629-8681F9842E39}"/>
+              </a:ext>
+            </a:extLst>
+          </p:cNvPr>
+          <p:cNvPicPr>
+            <a:picLocks noChangeAspect="1" noChangeArrowheads="1"/>
+          </p:cNvPicPr>
+          <p:nvPr/>
+        </p:nvPicPr>
+        <p:blipFill>
+          <a:blip r:embed="rId2">
+            <a:extLst>
+              <a:ext uri="{28A0092B-C50C-407E-A947-70E740481C1C}">
+                <a14:useLocalDpi xmlns:a14="http://schemas.microsoft.com/office/drawing/2010/main" val="0"/>
+              </a:ext>
+            </a:extLst>
+          </a:blip>
+          <a:srcRect/>
+          <a:stretch>
+            <a:fillRect/>
+          </a:stretch>
+        </p:blipFill>
+        <p:spPr bwMode="auto">
+          <a:xfrm>
+            <a:off x="5291478" y="4001294"/>
+            <a:ext cx="3476624" cy="1738312"/>
+          </a:xfrm>
+          <a:prstGeom prst="rect">
+            <a:avLst/>
+          </a:prstGeom>
+          <a:noFill/>
+          <a:extLst>
+            <a:ext uri="{909E8E84-426E-40DD-AFC4-6F175D3DCCD1}">
+              <a14:hiddenFill xmlns:a14="http://schemas.microsoft.com/office/drawing/2010/main">
+                <a:solidFill>
+                  <a:srgbClr val="FFFFFF"/>
+                </a:solidFill>
+              </a14:hiddenFill>
+            </a:ext>
+          </a:extLst>
+        </p:spPr>
+      </p:pic>
+    </p:spTree>
+    <p:extLst>
+      <p:ext uri="{BB962C8B-B14F-4D97-AF65-F5344CB8AC3E}">
+        <p14:creationId xmlns:p14="http://schemas.microsoft.com/office/powerpoint/2010/main" val="4271375685"/>
+      </p:ext>
+    </p:extLst>
+  </p:cSld>
+  <p:clrMapOvr>
+    <a:masterClrMapping/>
+  </p:clrMapOvr>
+</p:sld>
+</file>
+
+<file path=ppt/slides/slide12.xml><?xml version="1.0" encoding="utf-8"?>
+<p:sld xmlns:a="http://schemas.openxmlformats.org/drawingml/2006/main" xmlns:r="http://schemas.openxmlformats.org/officeDocument/2006/relationships" xmlns:p="http://schemas.openxmlformats.org/presentationml/2006/main">
+  <p:cSld>
+    <p:spTree>
+      <p:nvGrpSpPr>
+        <p:cNvPr id="1" name=""/>
+        <p:cNvGrpSpPr/>
+        <p:nvPr/>
+      </p:nvGrpSpPr>
+      <p:grpSpPr>
+        <a:xfrm>
+          <a:off x="0" y="0"/>
+          <a:ext cx="0" cy="0"/>
+          <a:chOff x="0" y="0"/>
+          <a:chExt cx="0" cy="0"/>
+        </a:xfrm>
+      </p:grpSpPr>
+      <p:grpSp>
+        <p:nvGrpSpPr>
+          <p:cNvPr id="22" name="Group 21">
+            <a:extLst>
+              <a:ext uri="{FF2B5EF4-FFF2-40B4-BE49-F238E27FC236}">
+                <a16:creationId xmlns:a16="http://schemas.microsoft.com/office/drawing/2014/main" id="{8144A70E-158A-524F-AE22-6BF08B62DAA3}"/>
+              </a:ext>
+            </a:extLst>
+          </p:cNvPr>
+          <p:cNvGrpSpPr/>
+          <p:nvPr/>
+        </p:nvGrpSpPr>
+        <p:grpSpPr>
+          <a:xfrm>
+            <a:off x="2731008" y="2155269"/>
+            <a:ext cx="8729472" cy="4196953"/>
+            <a:chOff x="3285644" y="3427236"/>
+            <a:chExt cx="7098192" cy="3412667"/>
+          </a:xfrm>
+        </p:grpSpPr>
+        <p:pic>
+          <p:nvPicPr>
+            <p:cNvPr id="4" name="Picture 3" descr="Chart&#10;&#10;Description automatically generated">
+              <a:extLst>
+                <a:ext uri="{FF2B5EF4-FFF2-40B4-BE49-F238E27FC236}">
+                  <a16:creationId xmlns:a16="http://schemas.microsoft.com/office/drawing/2014/main" id="{64F5A7A9-EE67-0C45-98D4-8075B270173E}"/>
+                </a:ext>
+              </a:extLst>
+            </p:cNvPr>
+            <p:cNvPicPr>
+              <a:picLocks noChangeAspect="1"/>
+            </p:cNvPicPr>
+            <p:nvPr/>
+          </p:nvPicPr>
+          <p:blipFill>
+            <a:blip r:embed="rId2"/>
+            <a:stretch>
+              <a:fillRect/>
+            </a:stretch>
+          </p:blipFill>
+          <p:spPr>
+            <a:xfrm>
+              <a:off x="3285644" y="3427236"/>
+              <a:ext cx="1767840" cy="1325880"/>
+            </a:xfrm>
+            <a:prstGeom prst="rect">
+              <a:avLst/>
+            </a:prstGeom>
+          </p:spPr>
+        </p:pic>
+        <p:pic>
+          <p:nvPicPr>
+            <p:cNvPr id="5" name="Picture 4" descr="Chart, histogram&#10;&#10;Description automatically generated">
+              <a:extLst>
+                <a:ext uri="{FF2B5EF4-FFF2-40B4-BE49-F238E27FC236}">
+                  <a16:creationId xmlns:a16="http://schemas.microsoft.com/office/drawing/2014/main" id="{B7A49348-983D-0B42-8740-6C08C8479BE9}"/>
+                </a:ext>
+              </a:extLst>
+            </p:cNvPr>
+            <p:cNvPicPr>
+              <a:picLocks noChangeAspect="1"/>
+            </p:cNvPicPr>
+            <p:nvPr/>
+          </p:nvPicPr>
+          <p:blipFill>
+            <a:blip r:embed="rId3"/>
+            <a:stretch>
+              <a:fillRect/>
+            </a:stretch>
+          </p:blipFill>
+          <p:spPr>
+            <a:xfrm>
+              <a:off x="8615996" y="3427236"/>
+              <a:ext cx="1767840" cy="1325880"/>
+            </a:xfrm>
+            <a:prstGeom prst="rect">
+              <a:avLst/>
+            </a:prstGeom>
+          </p:spPr>
+        </p:pic>
+        <p:pic>
+          <p:nvPicPr>
+            <p:cNvPr id="6" name="Picture 5" descr="Chart, histogram&#10;&#10;Description automatically generated">
+              <a:extLst>
+                <a:ext uri="{FF2B5EF4-FFF2-40B4-BE49-F238E27FC236}">
+                  <a16:creationId xmlns:a16="http://schemas.microsoft.com/office/drawing/2014/main" id="{96B33482-14AA-234B-95CD-EEB13E6A5B41}"/>
+                </a:ext>
+              </a:extLst>
+            </p:cNvPr>
+            <p:cNvPicPr>
+              <a:picLocks noChangeAspect="1"/>
+            </p:cNvPicPr>
+            <p:nvPr/>
+          </p:nvPicPr>
+          <p:blipFill>
+            <a:blip r:embed="rId4"/>
+            <a:stretch>
+              <a:fillRect/>
+            </a:stretch>
+          </p:blipFill>
+          <p:spPr>
+            <a:xfrm>
+              <a:off x="5808616" y="3428999"/>
+              <a:ext cx="1767840" cy="1325880"/>
+            </a:xfrm>
+            <a:prstGeom prst="rect">
+              <a:avLst/>
+            </a:prstGeom>
+          </p:spPr>
+        </p:pic>
+        <p:grpSp>
+          <p:nvGrpSpPr>
+            <p:cNvPr id="9" name="Group 8">
+              <a:extLst>
+                <a:ext uri="{FF2B5EF4-FFF2-40B4-BE49-F238E27FC236}">
+                  <a16:creationId xmlns:a16="http://schemas.microsoft.com/office/drawing/2014/main" id="{493CC175-7C08-D740-9ACB-C874E2DE28EC}"/>
+                </a:ext>
+              </a:extLst>
+            </p:cNvPr>
+            <p:cNvGrpSpPr/>
+            <p:nvPr/>
+          </p:nvGrpSpPr>
+          <p:grpSpPr>
+            <a:xfrm>
+              <a:off x="4823448" y="4753116"/>
+              <a:ext cx="4463987" cy="1926357"/>
+              <a:chOff x="4823448" y="4753116"/>
+              <a:chExt cx="4463987" cy="1926357"/>
+            </a:xfrm>
+          </p:grpSpPr>
+          <p:pic>
+            <p:nvPicPr>
+              <p:cNvPr id="10" name="Picture 9" descr="Diagram&#10;&#10;Description automatically generated">
+                <a:extLst>
+                  <a:ext uri="{FF2B5EF4-FFF2-40B4-BE49-F238E27FC236}">
+                    <a16:creationId xmlns:a16="http://schemas.microsoft.com/office/drawing/2014/main" id="{B08E84FC-E1BD-D646-8309-A88AA6357784}"/>
+                  </a:ext>
+                </a:extLst>
+              </p:cNvPr>
+              <p:cNvPicPr>
+                <a:picLocks noChangeAspect="1"/>
+              </p:cNvPicPr>
+              <p:nvPr/>
+            </p:nvPicPr>
+            <p:blipFill>
+              <a:blip r:embed="rId5"/>
+              <a:stretch>
+                <a:fillRect/>
+              </a:stretch>
+            </p:blipFill>
+            <p:spPr>
+              <a:xfrm>
+                <a:off x="4823448" y="5048793"/>
+                <a:ext cx="4463987" cy="1630680"/>
+              </a:xfrm>
+              <a:prstGeom prst="rect">
+                <a:avLst/>
+              </a:prstGeom>
+            </p:spPr>
+          </p:pic>
+          <p:sp>
+            <p:nvSpPr>
+              <p:cNvPr id="11" name="TextBox 10">
+                <a:extLst>
+                  <a:ext uri="{FF2B5EF4-FFF2-40B4-BE49-F238E27FC236}">
+                    <a16:creationId xmlns:a16="http://schemas.microsoft.com/office/drawing/2014/main" id="{654B108B-BE1E-284E-AB62-D12D846021D0}"/>
+                  </a:ext>
+                </a:extLst>
+              </p:cNvPr>
+              <p:cNvSpPr txBox="1"/>
+              <p:nvPr/>
+            </p:nvSpPr>
+            <p:spPr>
+              <a:xfrm>
+                <a:off x="5808617" y="4753116"/>
+                <a:ext cx="723596" cy="369332"/>
+              </a:xfrm>
+              <a:prstGeom prst="rect">
+                <a:avLst/>
+              </a:prstGeom>
+              <a:noFill/>
+            </p:spPr>
+            <p:txBody>
+              <a:bodyPr wrap="none" rtlCol="0">
+                <a:spAutoFit/>
+              </a:bodyPr>
+              <a:lstStyle/>
+              <a:p>
+                <a:r>
+                  <a:rPr lang="en-US" dirty="0"/>
+                  <a:t>Mixer</a:t>
+                </a:r>
+              </a:p>
+            </p:txBody>
+          </p:sp>
+          <p:sp>
+            <p:nvSpPr>
+              <p:cNvPr id="12" name="TextBox 11">
+                <a:extLst>
+                  <a:ext uri="{FF2B5EF4-FFF2-40B4-BE49-F238E27FC236}">
+                    <a16:creationId xmlns:a16="http://schemas.microsoft.com/office/drawing/2014/main" id="{01E34906-3C62-D641-BA85-6C4627388CD5}"/>
+                  </a:ext>
+                </a:extLst>
+              </p:cNvPr>
+              <p:cNvSpPr txBox="1"/>
+              <p:nvPr/>
+            </p:nvSpPr>
+            <p:spPr>
+              <a:xfrm>
+                <a:off x="6816621" y="4753116"/>
+                <a:ext cx="1514967" cy="369332"/>
+              </a:xfrm>
+              <a:prstGeom prst="rect">
+                <a:avLst/>
+              </a:prstGeom>
+              <a:noFill/>
+            </p:spPr>
+            <p:txBody>
+              <a:bodyPr wrap="none" rtlCol="0">
+                <a:spAutoFit/>
+              </a:bodyPr>
+              <a:lstStyle/>
+              <a:p>
+                <a:r>
+                  <a:rPr lang="en-US" dirty="0"/>
+                  <a:t>Lowpass Filter</a:t>
+                </a:r>
+              </a:p>
+            </p:txBody>
+          </p:sp>
+        </p:grpSp>
+        <p:pic>
+          <p:nvPicPr>
+            <p:cNvPr id="13" name="Picture 12" descr="Chart&#10;&#10;Description automatically generated">
+              <a:extLst>
+                <a:ext uri="{FF2B5EF4-FFF2-40B4-BE49-F238E27FC236}">
+                  <a16:creationId xmlns:a16="http://schemas.microsoft.com/office/drawing/2014/main" id="{A67CAA2E-A3D4-0C48-8222-DA2C1BF56950}"/>
+                </a:ext>
+              </a:extLst>
+            </p:cNvPr>
+            <p:cNvPicPr>
+              <a:picLocks noChangeAspect="1"/>
+            </p:cNvPicPr>
+            <p:nvPr/>
+          </p:nvPicPr>
+          <p:blipFill>
+            <a:blip r:embed="rId6"/>
+            <a:stretch>
+              <a:fillRect/>
+            </a:stretch>
+          </p:blipFill>
+          <p:spPr>
+            <a:xfrm>
+              <a:off x="3285644" y="5514023"/>
+              <a:ext cx="1767840" cy="1325880"/>
+            </a:xfrm>
+            <a:prstGeom prst="rect">
+              <a:avLst/>
+            </a:prstGeom>
+          </p:spPr>
+        </p:pic>
+        <p:cxnSp>
+          <p:nvCxnSpPr>
+            <p:cNvPr id="14" name="Straight Arrow Connector 13">
+              <a:extLst>
+                <a:ext uri="{FF2B5EF4-FFF2-40B4-BE49-F238E27FC236}">
+                  <a16:creationId xmlns:a16="http://schemas.microsoft.com/office/drawing/2014/main" id="{C0D9FFBA-6FA9-2A48-816B-CD783CAF5B8E}"/>
+                </a:ext>
+              </a:extLst>
+            </p:cNvPr>
+            <p:cNvCxnSpPr>
+              <a:cxnSpLocks/>
+              <a:stCxn id="4" idx="2"/>
+            </p:cNvCxnSpPr>
+            <p:nvPr/>
+          </p:nvCxnSpPr>
+          <p:spPr>
+            <a:xfrm>
+              <a:off x="4169564" y="4753116"/>
+              <a:ext cx="1412630" cy="698450"/>
+            </a:xfrm>
+            <a:prstGeom prst="straightConnector1">
+              <a:avLst/>
+            </a:prstGeom>
+            <a:ln>
+              <a:tailEnd type="triangle"/>
+            </a:ln>
+          </p:spPr>
+          <p:style>
+            <a:lnRef idx="1">
+              <a:schemeClr val="accent1"/>
+            </a:lnRef>
+            <a:fillRef idx="0">
+              <a:schemeClr val="accent1"/>
+            </a:fillRef>
+            <a:effectRef idx="0">
+              <a:schemeClr val="accent1"/>
+            </a:effectRef>
+            <a:fontRef idx="minor">
+              <a:schemeClr val="tx1"/>
+            </a:fontRef>
+          </p:style>
+        </p:cxnSp>
+        <p:cxnSp>
+          <p:nvCxnSpPr>
+            <p:cNvPr id="15" name="Straight Arrow Connector 14">
+              <a:extLst>
+                <a:ext uri="{FF2B5EF4-FFF2-40B4-BE49-F238E27FC236}">
+                  <a16:creationId xmlns:a16="http://schemas.microsoft.com/office/drawing/2014/main" id="{09D23323-F8F1-A44B-8E35-6DF67D15DF0E}"/>
+                </a:ext>
+              </a:extLst>
+            </p:cNvPr>
+            <p:cNvCxnSpPr>
+              <a:cxnSpLocks/>
+              <a:stCxn id="6" idx="2"/>
+            </p:cNvCxnSpPr>
+            <p:nvPr/>
+          </p:nvCxnSpPr>
+          <p:spPr>
+            <a:xfrm flipH="1">
+              <a:off x="6609806" y="4754879"/>
+              <a:ext cx="82730" cy="696687"/>
+            </a:xfrm>
+            <a:prstGeom prst="straightConnector1">
+              <a:avLst/>
+            </a:prstGeom>
+            <a:ln>
+              <a:solidFill>
+                <a:srgbClr val="C00000"/>
+              </a:solidFill>
+              <a:tailEnd type="triangle"/>
+            </a:ln>
+          </p:spPr>
+          <p:style>
+            <a:lnRef idx="1">
+              <a:schemeClr val="accent1"/>
+            </a:lnRef>
+            <a:fillRef idx="0">
+              <a:schemeClr val="accent1"/>
+            </a:fillRef>
+            <a:effectRef idx="0">
+              <a:schemeClr val="accent1"/>
+            </a:effectRef>
+            <a:fontRef idx="minor">
+              <a:schemeClr val="tx1"/>
+            </a:fontRef>
+          </p:style>
+        </p:cxnSp>
+        <p:cxnSp>
+          <p:nvCxnSpPr>
+            <p:cNvPr id="16" name="Straight Arrow Connector 15">
+              <a:extLst>
+                <a:ext uri="{FF2B5EF4-FFF2-40B4-BE49-F238E27FC236}">
+                  <a16:creationId xmlns:a16="http://schemas.microsoft.com/office/drawing/2014/main" id="{9E7F9C6B-82C3-5944-BE03-1F6ED0568B30}"/>
+                </a:ext>
+              </a:extLst>
+            </p:cNvPr>
+            <p:cNvCxnSpPr>
+              <a:cxnSpLocks/>
+              <a:stCxn id="5" idx="2"/>
+            </p:cNvCxnSpPr>
+            <p:nvPr/>
+          </p:nvCxnSpPr>
+          <p:spPr>
+            <a:xfrm flipH="1">
+              <a:off x="8331588" y="4753116"/>
+              <a:ext cx="1168328" cy="698450"/>
+            </a:xfrm>
+            <a:prstGeom prst="straightConnector1">
+              <a:avLst/>
+            </a:prstGeom>
+            <a:ln>
+              <a:tailEnd type="triangle"/>
+            </a:ln>
+          </p:spPr>
+          <p:style>
+            <a:lnRef idx="1">
+              <a:schemeClr val="accent6"/>
+            </a:lnRef>
+            <a:fillRef idx="0">
+              <a:schemeClr val="accent6"/>
+            </a:fillRef>
+            <a:effectRef idx="0">
+              <a:schemeClr val="accent6"/>
+            </a:effectRef>
+            <a:fontRef idx="minor">
+              <a:schemeClr val="tx1"/>
+            </a:fontRef>
+          </p:style>
+        </p:cxnSp>
+        <p:cxnSp>
+          <p:nvCxnSpPr>
+            <p:cNvPr id="17" name="Straight Arrow Connector 16">
+              <a:extLst>
+                <a:ext uri="{FF2B5EF4-FFF2-40B4-BE49-F238E27FC236}">
+                  <a16:creationId xmlns:a16="http://schemas.microsoft.com/office/drawing/2014/main" id="{DAFB6501-B535-B441-9FFF-5D1253C27E28}"/>
+                </a:ext>
+              </a:extLst>
+            </p:cNvPr>
+            <p:cNvCxnSpPr>
+              <a:cxnSpLocks/>
+              <a:stCxn id="13" idx="3"/>
+            </p:cNvCxnSpPr>
+            <p:nvPr/>
+          </p:nvCxnSpPr>
+          <p:spPr>
+            <a:xfrm flipV="1">
+              <a:off x="5053484" y="6069875"/>
+              <a:ext cx="1112185" cy="107088"/>
+            </a:xfrm>
+            <a:prstGeom prst="straightConnector1">
+              <a:avLst/>
+            </a:prstGeom>
+            <a:ln>
+              <a:tailEnd type="triangle"/>
+            </a:ln>
+          </p:spPr>
+          <p:style>
+            <a:lnRef idx="1">
+              <a:schemeClr val="accent1"/>
+            </a:lnRef>
+            <a:fillRef idx="0">
+              <a:schemeClr val="accent1"/>
+            </a:fillRef>
+            <a:effectRef idx="0">
+              <a:schemeClr val="accent1"/>
+            </a:effectRef>
+            <a:fontRef idx="minor">
+              <a:schemeClr val="tx1"/>
+            </a:fontRef>
+          </p:style>
+        </p:cxnSp>
+      </p:grpSp>
+      <p:sp>
+        <p:nvSpPr>
+          <p:cNvPr id="23" name="Title 1">
+            <a:extLst>
+              <a:ext uri="{FF2B5EF4-FFF2-40B4-BE49-F238E27FC236}">
+                <a16:creationId xmlns:a16="http://schemas.microsoft.com/office/drawing/2014/main" id="{7D5B2EB8-02B6-8548-BB76-9380400F9109}"/>
+              </a:ext>
+            </a:extLst>
+          </p:cNvPr>
+          <p:cNvSpPr>
+            <a:spLocks noGrp="1"/>
+          </p:cNvSpPr>
+          <p:nvPr>
+            <p:ph type="title"/>
+          </p:nvPr>
+        </p:nvSpPr>
+        <p:spPr>
+          <a:xfrm>
+            <a:off x="2904565" y="365125"/>
+            <a:ext cx="8449056" cy="1325563"/>
+          </a:xfrm>
+        </p:spPr>
+        <p:txBody>
+          <a:bodyPr/>
+          <a:lstStyle/>
+          <a:p>
+            <a:r>
+              <a:rPr lang="en-US" dirty="0"/>
+              <a:t>Down Conversion Example Using OOK Data</a:t>
+            </a:r>
+          </a:p>
+        </p:txBody>
+      </p:sp>
+    </p:spTree>
+    <p:extLst>
+      <p:ext uri="{BB962C8B-B14F-4D97-AF65-F5344CB8AC3E}">
+        <p14:creationId xmlns:p14="http://schemas.microsoft.com/office/powerpoint/2010/main" val="3287907879"/>
+      </p:ext>
+    </p:extLst>
+  </p:cSld>
+  <p:clrMapOvr>
+    <a:masterClrMapping/>
+  </p:clrMapOvr>
+</p:sld>
+</file>
+
+<file path=ppt/slides/slide13.xml><?xml version="1.0" encoding="utf-8"?>
+<p:sld xmlns:a="http://schemas.openxmlformats.org/drawingml/2006/main" xmlns:r="http://schemas.openxmlformats.org/officeDocument/2006/relationships" xmlns:p="http://schemas.openxmlformats.org/presentationml/2006/main">
+  <p:cSld>
+    <p:spTree>
+      <p:nvGrpSpPr>
+        <p:cNvPr id="1" name=""/>
+        <p:cNvGrpSpPr/>
+        <p:nvPr/>
+      </p:nvGrpSpPr>
+      <p:grpSpPr>
+        <a:xfrm>
+          <a:off x="0" y="0"/>
+          <a:ext cx="0" cy="0"/>
+          <a:chOff x="0" y="0"/>
+          <a:chExt cx="0" cy="0"/>
+        </a:xfrm>
+      </p:grpSpPr>
+      <p:sp>
+        <p:nvSpPr>
+          <p:cNvPr id="2" name="Title 1">
+            <a:extLst>
+              <a:ext uri="{FF2B5EF4-FFF2-40B4-BE49-F238E27FC236}">
+                <a16:creationId xmlns:a16="http://schemas.microsoft.com/office/drawing/2014/main" id="{82CF92D0-9CFF-744E-98EA-F374B4DAAA87}"/>
+              </a:ext>
+            </a:extLst>
+          </p:cNvPr>
+          <p:cNvSpPr>
+            <a:spLocks noGrp="1"/>
+          </p:cNvSpPr>
+          <p:nvPr>
+            <p:ph type="title"/>
+          </p:nvPr>
+        </p:nvSpPr>
+        <p:spPr/>
+        <p:txBody>
+          <a:bodyPr/>
+          <a:lstStyle/>
+          <a:p>
+            <a:r>
+              <a:rPr lang="en-US" dirty="0"/>
+              <a:t>Generating Data</a:t>
+            </a:r>
+          </a:p>
+        </p:txBody>
+      </p:sp>
+      <p:sp>
+        <p:nvSpPr>
+          <p:cNvPr id="10" name="Content Placeholder 2">
+            <a:extLst>
+              <a:ext uri="{FF2B5EF4-FFF2-40B4-BE49-F238E27FC236}">
+                <a16:creationId xmlns:a16="http://schemas.microsoft.com/office/drawing/2014/main" id="{DC5F3F73-9ABE-2146-8DC0-D43131234583}"/>
+              </a:ext>
+            </a:extLst>
+          </p:cNvPr>
+          <p:cNvSpPr>
+            <a:spLocks noGrp="1"/>
+          </p:cNvSpPr>
+          <p:nvPr>
+            <p:ph idx="1"/>
+          </p:nvPr>
+        </p:nvSpPr>
+        <p:spPr>
+          <a:xfrm>
+            <a:off x="2904565" y="1825625"/>
+            <a:ext cx="4225440" cy="4351338"/>
+          </a:xfrm>
+        </p:spPr>
+        <p:txBody>
+          <a:bodyPr>
+            <a:normAutofit/>
+          </a:bodyPr>
+          <a:lstStyle/>
+          <a:p>
+            <a:r>
+              <a:rPr lang="en-US" dirty="0"/>
+              <a:t>Generate a binary signal modulated using OOK</a:t>
+            </a:r>
+          </a:p>
+          <a:p>
+            <a:pPr lvl="1"/>
+            <a:r>
+              <a:rPr lang="en-US" dirty="0"/>
+              <a:t>Create a random bitstream array (e.g. [0 1 0 0 1 0 1 1 0 1 0 1 0 0 1 1])</a:t>
+            </a:r>
+          </a:p>
+          <a:p>
+            <a:pPr lvl="1"/>
+            <a:r>
+              <a:rPr lang="en-US" dirty="0"/>
+              <a:t>Create an empty NumPy array</a:t>
+            </a:r>
+          </a:p>
+          <a:p>
+            <a:pPr lvl="1"/>
+            <a:r>
+              <a:rPr lang="en-US" dirty="0"/>
+              <a:t>Loop through bitstream appending a linear signal for ‘0’ and a sine wave for ‘1’ to the array</a:t>
+            </a:r>
+          </a:p>
+          <a:p>
+            <a:pPr lvl="1"/>
+            <a:endParaRPr lang="en-US" dirty="0"/>
+          </a:p>
+        </p:txBody>
+      </p:sp>
+      <p:pic>
+        <p:nvPicPr>
+          <p:cNvPr id="8" name="Picture 7" descr="Text&#10;&#10;Description automatically generated">
+            <a:extLst>
+              <a:ext uri="{FF2B5EF4-FFF2-40B4-BE49-F238E27FC236}">
+                <a16:creationId xmlns:a16="http://schemas.microsoft.com/office/drawing/2014/main" id="{30C28CC4-038B-2344-B935-77920EB5D215}"/>
+              </a:ext>
+            </a:extLst>
+          </p:cNvPr>
+          <p:cNvPicPr>
+            <a:picLocks noChangeAspect="1"/>
+          </p:cNvPicPr>
+          <p:nvPr/>
+        </p:nvPicPr>
+        <p:blipFill>
+          <a:blip r:embed="rId2"/>
+          <a:stretch>
+            <a:fillRect/>
+          </a:stretch>
+        </p:blipFill>
+        <p:spPr>
+          <a:xfrm>
+            <a:off x="7213600" y="1825625"/>
+            <a:ext cx="4978400" cy="4495800"/>
+          </a:xfrm>
+          <a:prstGeom prst="rect">
+            <a:avLst/>
+          </a:prstGeom>
+        </p:spPr>
+      </p:pic>
+    </p:spTree>
+    <p:extLst>
+      <p:ext uri="{BB962C8B-B14F-4D97-AF65-F5344CB8AC3E}">
+        <p14:creationId xmlns:p14="http://schemas.microsoft.com/office/powerpoint/2010/main" val="702592305"/>
+      </p:ext>
+    </p:extLst>
+  </p:cSld>
+  <p:clrMapOvr>
+    <a:masterClrMapping/>
+  </p:clrMapOvr>
+</p:sld>
+</file>
+
+<file path=ppt/slides/slide14.xml><?xml version="1.0" encoding="utf-8"?>
+<p:sld xmlns:a="http://schemas.openxmlformats.org/drawingml/2006/main" xmlns:r="http://schemas.openxmlformats.org/officeDocument/2006/relationships" xmlns:p="http://schemas.openxmlformats.org/presentationml/2006/main">
+  <p:cSld>
+    <p:spTree>
+      <p:nvGrpSpPr>
+        <p:cNvPr id="1" name=""/>
+        <p:cNvGrpSpPr/>
+        <p:nvPr/>
+      </p:nvGrpSpPr>
+      <p:grpSpPr>
+        <a:xfrm>
+          <a:off x="0" y="0"/>
+          <a:ext cx="0" cy="0"/>
+          <a:chOff x="0" y="0"/>
+          <a:chExt cx="0" cy="0"/>
+        </a:xfrm>
+      </p:grpSpPr>
+      <p:sp>
+        <p:nvSpPr>
+          <p:cNvPr id="2" name="Title 1">
+            <a:extLst>
+              <a:ext uri="{FF2B5EF4-FFF2-40B4-BE49-F238E27FC236}">
+                <a16:creationId xmlns:a16="http://schemas.microsoft.com/office/drawing/2014/main" id="{0E7F57FC-8277-9249-A898-088ED60DE428}"/>
+              </a:ext>
+            </a:extLst>
+          </p:cNvPr>
+          <p:cNvSpPr>
+            <a:spLocks noGrp="1"/>
+          </p:cNvSpPr>
+          <p:nvPr>
+            <p:ph type="title"/>
+          </p:nvPr>
+        </p:nvSpPr>
+        <p:spPr/>
+        <p:txBody>
+          <a:bodyPr/>
+          <a:lstStyle/>
+          <a:p>
+            <a:r>
+              <a:rPr lang="en-US" dirty="0"/>
+              <a:t>Generating Data</a:t>
+            </a:r>
+          </a:p>
+        </p:txBody>
+      </p:sp>
+      <p:sp>
+        <p:nvSpPr>
+          <p:cNvPr id="3" name="Content Placeholder 2">
+            <a:extLst>
+              <a:ext uri="{FF2B5EF4-FFF2-40B4-BE49-F238E27FC236}">
+                <a16:creationId xmlns:a16="http://schemas.microsoft.com/office/drawing/2014/main" id="{0880D2BC-3BE0-474A-9241-3CCCEAFC01F6}"/>
+              </a:ext>
+            </a:extLst>
+          </p:cNvPr>
+          <p:cNvSpPr>
+            <a:spLocks noGrp="1"/>
+          </p:cNvSpPr>
+          <p:nvPr>
+            <p:ph idx="1"/>
+          </p:nvPr>
+        </p:nvSpPr>
+        <p:spPr>
+          <a:xfrm>
+            <a:off x="2904565" y="1825625"/>
+            <a:ext cx="8449235" cy="1603375"/>
+          </a:xfrm>
+        </p:spPr>
+        <p:txBody>
+          <a:bodyPr/>
+          <a:lstStyle/>
+          <a:p>
+            <a:r>
+              <a:rPr lang="en-US" dirty="0"/>
+              <a:t>Model a DDC using SciPy and NumPy</a:t>
+            </a:r>
+          </a:p>
+          <a:p>
+            <a:pPr lvl="1"/>
+            <a:r>
+              <a:rPr lang="en-US" dirty="0"/>
+              <a:t>Mixer multiplies modulated signal with carrier sine wave</a:t>
+            </a:r>
+          </a:p>
+          <a:p>
+            <a:pPr lvl="1"/>
+            <a:r>
+              <a:rPr lang="en-US" dirty="0"/>
+              <a:t>Low pass FIR filter removes high frequency component</a:t>
+            </a:r>
+          </a:p>
+          <a:p>
+            <a:endParaRPr lang="en-US" dirty="0"/>
+          </a:p>
+        </p:txBody>
+      </p:sp>
+      <p:pic>
+        <p:nvPicPr>
+          <p:cNvPr id="4" name="Picture 3" descr="Text&#10;&#10;Description automatically generated">
+            <a:extLst>
+              <a:ext uri="{FF2B5EF4-FFF2-40B4-BE49-F238E27FC236}">
+                <a16:creationId xmlns:a16="http://schemas.microsoft.com/office/drawing/2014/main" id="{58922454-3E28-5348-BC5E-EBB4D1E0B37E}"/>
+              </a:ext>
+            </a:extLst>
+          </p:cNvPr>
+          <p:cNvPicPr>
+            <a:picLocks noChangeAspect="1"/>
+          </p:cNvPicPr>
+          <p:nvPr/>
+        </p:nvPicPr>
+        <p:blipFill>
+          <a:blip r:embed="rId2"/>
+          <a:stretch>
+            <a:fillRect/>
+          </a:stretch>
+        </p:blipFill>
+        <p:spPr>
+          <a:xfrm>
+            <a:off x="4178773" y="5394960"/>
+            <a:ext cx="5915770" cy="1463040"/>
+          </a:xfrm>
+          <a:prstGeom prst="rect">
+            <a:avLst/>
+          </a:prstGeom>
+        </p:spPr>
+      </p:pic>
+      <p:pic>
+        <p:nvPicPr>
+          <p:cNvPr id="6" name="Picture 5" descr="Text&#10;&#10;Description automatically generated">
+            <a:extLst>
+              <a:ext uri="{FF2B5EF4-FFF2-40B4-BE49-F238E27FC236}">
+                <a16:creationId xmlns:a16="http://schemas.microsoft.com/office/drawing/2014/main" id="{0461A95D-9543-6943-B8EB-18F482640B80}"/>
+              </a:ext>
+            </a:extLst>
+          </p:cNvPr>
+          <p:cNvPicPr>
+            <a:picLocks noChangeAspect="1"/>
+          </p:cNvPicPr>
+          <p:nvPr/>
+        </p:nvPicPr>
+        <p:blipFill>
+          <a:blip r:embed="rId3"/>
+          <a:stretch>
+            <a:fillRect/>
+          </a:stretch>
+        </p:blipFill>
+        <p:spPr>
+          <a:xfrm>
+            <a:off x="4163643" y="3233515"/>
+            <a:ext cx="5930900" cy="1968500"/>
+          </a:xfrm>
+          <a:prstGeom prst="rect">
+            <a:avLst/>
+          </a:prstGeom>
+        </p:spPr>
+      </p:pic>
+    </p:spTree>
+    <p:extLst>
+      <p:ext uri="{BB962C8B-B14F-4D97-AF65-F5344CB8AC3E}">
+        <p14:creationId xmlns:p14="http://schemas.microsoft.com/office/powerpoint/2010/main" val="3009060819"/>
+      </p:ext>
+    </p:extLst>
+  </p:cSld>
+  <p:clrMapOvr>
+    <a:masterClrMapping/>
+  </p:clrMapOvr>
+</p:sld>
+</file>
+
+<file path=ppt/slides/slide15.xml><?xml version="1.0" encoding="utf-8"?>
+<p:sld xmlns:a="http://schemas.openxmlformats.org/drawingml/2006/main" xmlns:r="http://schemas.openxmlformats.org/officeDocument/2006/relationships" xmlns:p="http://schemas.openxmlformats.org/presentationml/2006/main">
+  <p:cSld>
+    <p:spTree>
+      <p:nvGrpSpPr>
+        <p:cNvPr id="1" name=""/>
+        <p:cNvGrpSpPr/>
+        <p:nvPr/>
+      </p:nvGrpSpPr>
+      <p:grpSpPr>
+        <a:xfrm>
+          <a:off x="0" y="0"/>
+          <a:ext cx="0" cy="0"/>
+          <a:chOff x="0" y="0"/>
+          <a:chExt cx="0" cy="0"/>
+        </a:xfrm>
+      </p:grpSpPr>
+      <p:sp>
+        <p:nvSpPr>
+          <p:cNvPr id="2" name="Title 1">
+            <a:extLst>
+              <a:ext uri="{FF2B5EF4-FFF2-40B4-BE49-F238E27FC236}">
+                <a16:creationId xmlns:a16="http://schemas.microsoft.com/office/drawing/2014/main" id="{FA808CD3-2E05-CF45-A5CA-2B83585A8896}"/>
+              </a:ext>
+            </a:extLst>
+          </p:cNvPr>
+          <p:cNvSpPr>
+            <a:spLocks noGrp="1"/>
+          </p:cNvSpPr>
+          <p:nvPr>
+            <p:ph type="title"/>
+          </p:nvPr>
+        </p:nvSpPr>
+        <p:spPr/>
+        <p:txBody>
+          <a:bodyPr/>
+          <a:lstStyle/>
+          <a:p>
+            <a:r>
+              <a:rPr lang="en-US" dirty="0"/>
+              <a:t>Lowpass FIR Filter</a:t>
+            </a:r>
+          </a:p>
+        </p:txBody>
+      </p:sp>
+      <p:pic>
+        <p:nvPicPr>
+          <p:cNvPr id="5" name="Picture 4" descr="Chart&#10;&#10;Description automatically generated">
+            <a:extLst>
+              <a:ext uri="{FF2B5EF4-FFF2-40B4-BE49-F238E27FC236}">
+                <a16:creationId xmlns:a16="http://schemas.microsoft.com/office/drawing/2014/main" id="{1E5D1BCC-D6A5-6B4C-B737-F174142C8C46}"/>
+              </a:ext>
+            </a:extLst>
+          </p:cNvPr>
+          <p:cNvPicPr>
+            <a:picLocks noChangeAspect="1"/>
+          </p:cNvPicPr>
+          <p:nvPr/>
+        </p:nvPicPr>
+        <p:blipFill>
+          <a:blip r:embed="rId2"/>
+          <a:stretch>
+            <a:fillRect/>
+          </a:stretch>
+        </p:blipFill>
+        <p:spPr>
+          <a:xfrm>
+            <a:off x="4208093" y="1690688"/>
+            <a:ext cx="5842000" cy="4381500"/>
+          </a:xfrm>
+          <a:prstGeom prst="rect">
+            <a:avLst/>
+          </a:prstGeom>
+        </p:spPr>
+      </p:pic>
+      <p:cxnSp>
+        <p:nvCxnSpPr>
+          <p:cNvPr id="9" name="Straight Arrow Connector 8">
+            <a:extLst>
+              <a:ext uri="{FF2B5EF4-FFF2-40B4-BE49-F238E27FC236}">
+                <a16:creationId xmlns:a16="http://schemas.microsoft.com/office/drawing/2014/main" id="{CDF648F2-837A-6E49-B692-BC162249A151}"/>
+              </a:ext>
+            </a:extLst>
+          </p:cNvPr>
+          <p:cNvCxnSpPr>
+            <a:cxnSpLocks/>
+          </p:cNvCxnSpPr>
+          <p:nvPr/>
+        </p:nvCxnSpPr>
+        <p:spPr>
+          <a:xfrm flipV="1">
+            <a:off x="5522976" y="4462272"/>
+            <a:ext cx="0" cy="402336"/>
+          </a:xfrm>
+          <a:prstGeom prst="straightConnector1">
+            <a:avLst/>
+          </a:prstGeom>
+          <a:ln w="19050">
+            <a:solidFill>
+              <a:srgbClr val="8F0301"/>
+            </a:solidFill>
+            <a:tailEnd type="triangle"/>
+          </a:ln>
+        </p:spPr>
+        <p:style>
+          <a:lnRef idx="1">
+            <a:schemeClr val="accent1"/>
+          </a:lnRef>
+          <a:fillRef idx="0">
+            <a:schemeClr val="accent1"/>
+          </a:fillRef>
+          <a:effectRef idx="0">
+            <a:schemeClr val="accent1"/>
+          </a:effectRef>
+          <a:fontRef idx="minor">
+            <a:schemeClr val="tx1"/>
+          </a:fontRef>
+        </p:style>
+      </p:cxnSp>
+      <p:sp>
+        <p:nvSpPr>
+          <p:cNvPr id="11" name="TextBox 10">
+            <a:extLst>
+              <a:ext uri="{FF2B5EF4-FFF2-40B4-BE49-F238E27FC236}">
+                <a16:creationId xmlns:a16="http://schemas.microsoft.com/office/drawing/2014/main" id="{7A122357-F487-0E45-8115-3F91B99A1669}"/>
+              </a:ext>
+            </a:extLst>
+          </p:cNvPr>
+          <p:cNvSpPr txBox="1"/>
+          <p:nvPr/>
+        </p:nvSpPr>
+        <p:spPr>
+          <a:xfrm>
+            <a:off x="5140339" y="4864608"/>
+            <a:ext cx="835036" cy="646331"/>
+          </a:xfrm>
+          <a:prstGeom prst="rect">
+            <a:avLst/>
+          </a:prstGeom>
+          <a:noFill/>
+        </p:spPr>
+        <p:txBody>
+          <a:bodyPr wrap="none" rtlCol="0">
+            <a:spAutoFit/>
+          </a:bodyPr>
+          <a:lstStyle/>
+          <a:p>
+            <a:pPr algn="ctr"/>
+            <a:r>
+              <a:rPr lang="en-US" sz="1200" dirty="0">
+                <a:solidFill>
+                  <a:srgbClr val="8F0301"/>
+                </a:solidFill>
+              </a:rPr>
+              <a:t>Carrier </a:t>
+            </a:r>
+          </a:p>
+          <a:p>
+            <a:pPr algn="ctr"/>
+            <a:r>
+              <a:rPr lang="en-US" sz="1200" dirty="0">
+                <a:solidFill>
+                  <a:srgbClr val="8F0301"/>
+                </a:solidFill>
+              </a:rPr>
+              <a:t>Frequency</a:t>
+            </a:r>
+          </a:p>
+          <a:p>
+            <a:pPr algn="ctr"/>
+            <a:r>
+              <a:rPr lang="en-US" sz="1200" dirty="0">
+                <a:solidFill>
+                  <a:srgbClr val="8F0301"/>
+                </a:solidFill>
+              </a:rPr>
+              <a:t>(500kHz)</a:t>
+            </a:r>
+          </a:p>
+        </p:txBody>
+      </p:sp>
+      <p:cxnSp>
+        <p:nvCxnSpPr>
+          <p:cNvPr id="13" name="Straight Arrow Connector 12">
+            <a:extLst>
+              <a:ext uri="{FF2B5EF4-FFF2-40B4-BE49-F238E27FC236}">
+                <a16:creationId xmlns:a16="http://schemas.microsoft.com/office/drawing/2014/main" id="{A79BFB19-AB06-634E-B00E-8A1AEB3B2F95}"/>
+              </a:ext>
+            </a:extLst>
+          </p:cNvPr>
+          <p:cNvCxnSpPr/>
+          <p:nvPr/>
+        </p:nvCxnSpPr>
+        <p:spPr>
+          <a:xfrm flipH="1">
+            <a:off x="5364480" y="2767584"/>
+            <a:ext cx="329184" cy="0"/>
+          </a:xfrm>
+          <a:prstGeom prst="straightConnector1">
+            <a:avLst/>
+          </a:prstGeom>
+          <a:ln w="19050">
+            <a:solidFill>
+              <a:srgbClr val="8F0301"/>
+            </a:solidFill>
+            <a:tailEnd type="triangle"/>
+          </a:ln>
+        </p:spPr>
+        <p:style>
+          <a:lnRef idx="1">
+            <a:schemeClr val="accent1"/>
+          </a:lnRef>
+          <a:fillRef idx="0">
+            <a:schemeClr val="accent1"/>
+          </a:fillRef>
+          <a:effectRef idx="0">
+            <a:schemeClr val="accent1"/>
+          </a:effectRef>
+          <a:fontRef idx="minor">
+            <a:schemeClr val="tx1"/>
+          </a:fontRef>
+        </p:style>
+      </p:cxnSp>
+      <p:sp>
+        <p:nvSpPr>
+          <p:cNvPr id="14" name="TextBox 13">
+            <a:extLst>
+              <a:ext uri="{FF2B5EF4-FFF2-40B4-BE49-F238E27FC236}">
+                <a16:creationId xmlns:a16="http://schemas.microsoft.com/office/drawing/2014/main" id="{038B872B-E133-E748-AA75-BF6DF8AE0C3A}"/>
+              </a:ext>
+            </a:extLst>
+          </p:cNvPr>
+          <p:cNvSpPr txBox="1"/>
+          <p:nvPr/>
+        </p:nvSpPr>
+        <p:spPr>
+          <a:xfrm>
+            <a:off x="5737747" y="2511552"/>
+            <a:ext cx="835036" cy="646331"/>
+          </a:xfrm>
+          <a:prstGeom prst="rect">
+            <a:avLst/>
+          </a:prstGeom>
+          <a:noFill/>
+        </p:spPr>
+        <p:txBody>
+          <a:bodyPr wrap="none" rtlCol="0">
+            <a:spAutoFit/>
+          </a:bodyPr>
+          <a:lstStyle/>
+          <a:p>
+            <a:pPr algn="ctr"/>
+            <a:r>
+              <a:rPr lang="en-US" sz="1200" dirty="0">
+                <a:solidFill>
+                  <a:srgbClr val="8F0301"/>
+                </a:solidFill>
+              </a:rPr>
+              <a:t>Cutoff </a:t>
+            </a:r>
+          </a:p>
+          <a:p>
+            <a:pPr algn="ctr"/>
+            <a:r>
+              <a:rPr lang="en-US" sz="1200" dirty="0">
+                <a:solidFill>
+                  <a:srgbClr val="8F0301"/>
+                </a:solidFill>
+              </a:rPr>
+              <a:t>Frequency</a:t>
+            </a:r>
+          </a:p>
+          <a:p>
+            <a:pPr algn="ctr"/>
+            <a:r>
+              <a:rPr lang="en-US" sz="1200" dirty="0">
+                <a:solidFill>
+                  <a:srgbClr val="8F0301"/>
+                </a:solidFill>
+              </a:rPr>
+              <a:t>(100kHz)</a:t>
+            </a:r>
+          </a:p>
+        </p:txBody>
+      </p:sp>
+    </p:spTree>
+    <p:extLst>
+      <p:ext uri="{BB962C8B-B14F-4D97-AF65-F5344CB8AC3E}">
+        <p14:creationId xmlns:p14="http://schemas.microsoft.com/office/powerpoint/2010/main" val="2015567199"/>
+      </p:ext>
+    </p:extLst>
+  </p:cSld>
+  <p:clrMapOvr>
+    <a:masterClrMapping/>
+  </p:clrMapOvr>
+</p:sld>
+</file>
+
+<file path=ppt/slides/slide16.xml><?xml version="1.0" encoding="utf-8"?>
+<p:sld xmlns:a="http://schemas.openxmlformats.org/drawingml/2006/main" xmlns:r="http://schemas.openxmlformats.org/officeDocument/2006/relationships" xmlns:p="http://schemas.openxmlformats.org/presentationml/2006/main">
+  <p:cSld>
+    <p:spTree>
+      <p:nvGrpSpPr>
+        <p:cNvPr id="1" name=""/>
+        <p:cNvGrpSpPr/>
+        <p:nvPr/>
+      </p:nvGrpSpPr>
+      <p:grpSpPr>
+        <a:xfrm>
+          <a:off x="0" y="0"/>
+          <a:ext cx="0" cy="0"/>
+          <a:chOff x="0" y="0"/>
+          <a:chExt cx="0" cy="0"/>
+        </a:xfrm>
+      </p:grpSpPr>
       <p:pic>
         <p:nvPicPr>
           <p:cNvPr id="4" name="Picture 3" descr="Chart, histogram&#10;&#10;Description automatically generated">
@@ -5853,7 +7245,7 @@
 </p:sld>
 </file>
 
-<file path=ppt/slides/slide11.xml><?xml version="1.0" encoding="utf-8"?>
+<file path=ppt/slides/slide17.xml><?xml version="1.0" encoding="utf-8"?>
 <p:sld xmlns:a="http://schemas.openxmlformats.org/drawingml/2006/main" xmlns:r="http://schemas.openxmlformats.org/officeDocument/2006/relationships" xmlns:p="http://schemas.openxmlformats.org/presentationml/2006/main">
   <p:cSld>
     <p:spTree>
@@ -6850,7 +8242,7 @@
 </p:sld>
 </file>
 
-<file path=ppt/slides/slide12.xml><?xml version="1.0" encoding="utf-8"?>
+<file path=ppt/slides/slide18.xml><?xml version="1.0" encoding="utf-8"?>
 <p:sld xmlns:a="http://schemas.openxmlformats.org/drawingml/2006/main" xmlns:r="http://schemas.openxmlformats.org/officeDocument/2006/relationships" xmlns:p="http://schemas.openxmlformats.org/presentationml/2006/main">
   <p:cSld>
     <p:spTree>
@@ -7110,7 +8502,7 @@
 </p:sld>
 </file>
 
-<file path=ppt/slides/slide13.xml><?xml version="1.0" encoding="utf-8"?>
+<file path=ppt/slides/slide19.xml><?xml version="1.0" encoding="utf-8"?>
 <p:sld xmlns:a="http://schemas.openxmlformats.org/drawingml/2006/main" xmlns:r="http://schemas.openxmlformats.org/officeDocument/2006/relationships" xmlns:p="http://schemas.openxmlformats.org/presentationml/2006/main">
   <p:cSld>
     <p:spTree>
@@ -7150,7 +8542,7 @@
           <a:p>
             <a:r>
               <a:rPr lang="en-US" dirty="0"/>
-              <a:t>Results OOK Low Pass Filter Data</a:t>
+              <a:t>Results OOK Low Pass Filter Dataset</a:t>
             </a:r>
           </a:p>
         </p:txBody>
@@ -7197,7 +8589,147 @@
 </p:sld>
 </file>
 
-<file path=ppt/slides/slide14.xml><?xml version="1.0" encoding="utf-8"?>
+<file path=ppt/slides/slide2.xml><?xml version="1.0" encoding="utf-8"?>
+<p:sld xmlns:a="http://schemas.openxmlformats.org/drawingml/2006/main" xmlns:r="http://schemas.openxmlformats.org/officeDocument/2006/relationships" xmlns:p="http://schemas.openxmlformats.org/presentationml/2006/main">
+  <p:cSld>
+    <p:spTree>
+      <p:nvGrpSpPr>
+        <p:cNvPr id="1" name=""/>
+        <p:cNvGrpSpPr/>
+        <p:nvPr/>
+      </p:nvGrpSpPr>
+      <p:grpSpPr>
+        <a:xfrm>
+          <a:off x="0" y="0"/>
+          <a:ext cx="0" cy="0"/>
+          <a:chOff x="0" y="0"/>
+          <a:chExt cx="0" cy="0"/>
+        </a:xfrm>
+      </p:grpSpPr>
+      <p:sp>
+        <p:nvSpPr>
+          <p:cNvPr id="2" name="Title 1">
+            <a:extLst>
+              <a:ext uri="{FF2B5EF4-FFF2-40B4-BE49-F238E27FC236}">
+                <a16:creationId xmlns:a16="http://schemas.microsoft.com/office/drawing/2014/main" id="{BBFFCFBD-10F3-A942-97D6-A91A58E96A53}"/>
+              </a:ext>
+            </a:extLst>
+          </p:cNvPr>
+          <p:cNvSpPr>
+            <a:spLocks noGrp="1"/>
+          </p:cNvSpPr>
+          <p:nvPr>
+            <p:ph type="title"/>
+          </p:nvPr>
+        </p:nvSpPr>
+        <p:spPr/>
+        <p:txBody>
+          <a:bodyPr/>
+          <a:lstStyle/>
+          <a:p>
+            <a:r>
+              <a:rPr lang="en-US" dirty="0"/>
+              <a:t>Project Timeline</a:t>
+            </a:r>
+          </a:p>
+        </p:txBody>
+      </p:sp>
+      <p:pic>
+        <p:nvPicPr>
+          <p:cNvPr id="9" name="Picture 8" descr="Table, timeline&#10;&#10;Description automatically generated">
+            <a:extLst>
+              <a:ext uri="{FF2B5EF4-FFF2-40B4-BE49-F238E27FC236}">
+                <a16:creationId xmlns:a16="http://schemas.microsoft.com/office/drawing/2014/main" id="{496DC404-E2C4-42C0-9665-898DA11CC12A}"/>
+              </a:ext>
+            </a:extLst>
+          </p:cNvPr>
+          <p:cNvPicPr>
+            <a:picLocks noChangeAspect="1"/>
+          </p:cNvPicPr>
+          <p:nvPr/>
+        </p:nvPicPr>
+        <p:blipFill>
+          <a:blip r:embed="rId2"/>
+          <a:stretch>
+            <a:fillRect/>
+          </a:stretch>
+        </p:blipFill>
+        <p:spPr>
+          <a:xfrm>
+            <a:off x="2085503" y="1690687"/>
+            <a:ext cx="10008392" cy="4292347"/>
+          </a:xfrm>
+          <a:prstGeom prst="rect">
+            <a:avLst/>
+          </a:prstGeom>
+        </p:spPr>
+      </p:pic>
+      <p:sp>
+        <p:nvSpPr>
+          <p:cNvPr id="3" name="Rectangle 2">
+            <a:extLst>
+              <a:ext uri="{FF2B5EF4-FFF2-40B4-BE49-F238E27FC236}">
+                <a16:creationId xmlns:a16="http://schemas.microsoft.com/office/drawing/2014/main" id="{311B4940-42AF-4578-9C92-6AB7F0EF7C89}"/>
+              </a:ext>
+            </a:extLst>
+          </p:cNvPr>
+          <p:cNvSpPr/>
+          <p:nvPr/>
+        </p:nvSpPr>
+        <p:spPr>
+          <a:xfrm>
+            <a:off x="6534198" y="1613140"/>
+            <a:ext cx="646981" cy="448573"/>
+          </a:xfrm>
+          <a:prstGeom prst="rect">
+            <a:avLst/>
+          </a:prstGeom>
+          <a:noFill/>
+          <a:ln w="57150">
+            <a:solidFill>
+              <a:srgbClr val="FF0000"/>
+            </a:solidFill>
+          </a:ln>
+        </p:spPr>
+        <p:style>
+          <a:lnRef idx="2">
+            <a:schemeClr val="accent1">
+              <a:shade val="50000"/>
+            </a:schemeClr>
+          </a:lnRef>
+          <a:fillRef idx="1">
+            <a:schemeClr val="accent1"/>
+          </a:fillRef>
+          <a:effectRef idx="0">
+            <a:schemeClr val="accent1"/>
+          </a:effectRef>
+          <a:fontRef idx="minor">
+            <a:schemeClr val="lt1"/>
+          </a:fontRef>
+        </p:style>
+        <p:txBody>
+          <a:bodyPr rtlCol="0" anchor="ctr"/>
+          <a:lstStyle/>
+          <a:p>
+            <a:pPr algn="ctr"/>
+            <a:endParaRPr lang="en-US"/>
+          </a:p>
+        </p:txBody>
+      </p:sp>
+    </p:spTree>
+    <p:extLst>
+      <p:ext uri="{BB962C8B-B14F-4D97-AF65-F5344CB8AC3E}">
+        <p14:creationId xmlns:p14="http://schemas.microsoft.com/office/powerpoint/2010/main" val="467553910"/>
+      </p:ext>
+    </p:extLst>
+  </p:cSld>
+  <p:clrMapOvr>
+    <a:masterClrMapping/>
+  </p:clrMapOvr>
+</p:sld>
+</file>
+
+<file path=ppt/slides/slide20.xml><?xml version="1.0" encoding="utf-8"?>
 <p:sld xmlns:a="http://schemas.openxmlformats.org/drawingml/2006/main" xmlns:r="http://schemas.openxmlformats.org/officeDocument/2006/relationships" xmlns:p="http://schemas.openxmlformats.org/presentationml/2006/main">
   <p:cSld>
     <p:spTree>
@@ -7267,7 +8799,7 @@
           <a:p>
             <a:r>
               <a:rPr lang="en-US" dirty="0"/>
-              <a:t>Results Audio Low Pass Filter Data</a:t>
+              <a:t>Results Audio Low Pass Filter Dataset</a:t>
             </a:r>
           </a:p>
         </p:txBody>
@@ -7285,7 +8817,7 @@
 </p:sld>
 </file>
 
-<file path=ppt/slides/slide15.xml><?xml version="1.0" encoding="utf-8"?>
+<file path=ppt/slides/slide21.xml><?xml version="1.0" encoding="utf-8"?>
 <p:sld xmlns:a="http://schemas.openxmlformats.org/drawingml/2006/main" xmlns:r="http://schemas.openxmlformats.org/officeDocument/2006/relationships" xmlns:p="http://schemas.openxmlformats.org/presentationml/2006/main">
   <p:cSld>
     <p:spTree>
@@ -7325,7 +8857,7 @@
           <a:p>
             <a:r>
               <a:rPr lang="en-US" dirty="0"/>
-              <a:t>Results OOK Mixer Data</a:t>
+              <a:t>Results OOK Mixer Dataset</a:t>
             </a:r>
           </a:p>
         </p:txBody>
@@ -7372,7 +8904,7 @@
 </p:sld>
 </file>
 
-<file path=ppt/slides/slide16.xml><?xml version="1.0" encoding="utf-8"?>
+<file path=ppt/slides/slide22.xml><?xml version="1.0" encoding="utf-8"?>
 <p:sld xmlns:a="http://schemas.openxmlformats.org/drawingml/2006/main" xmlns:r="http://schemas.openxmlformats.org/officeDocument/2006/relationships" xmlns:p="http://schemas.openxmlformats.org/presentationml/2006/main">
   <p:cSld>
     <p:spTree>
@@ -7471,7 +9003,7 @@
 </p:sld>
 </file>
 
-<file path=ppt/slides/slide17.xml><?xml version="1.0" encoding="utf-8"?>
+<file path=ppt/slides/slide23.xml><?xml version="1.0" encoding="utf-8"?>
 <p:sld xmlns:a="http://schemas.openxmlformats.org/drawingml/2006/main" xmlns:r="http://schemas.openxmlformats.org/officeDocument/2006/relationships" xmlns:p="http://schemas.openxmlformats.org/presentationml/2006/main">
   <p:cSld>
     <p:spTree>
@@ -7780,7 +9312,7 @@
 </p:sld>
 </file>
 
-<file path=ppt/slides/slide18.xml><?xml version="1.0" encoding="utf-8"?>
+<file path=ppt/slides/slide24.xml><?xml version="1.0" encoding="utf-8"?>
 <p:sld xmlns:a="http://schemas.openxmlformats.org/drawingml/2006/main" xmlns:r="http://schemas.openxmlformats.org/officeDocument/2006/relationships" xmlns:p="http://schemas.openxmlformats.org/presentationml/2006/main">
   <p:cSld>
     <p:spTree>
@@ -7840,7 +9372,7 @@
 </p:sld>
 </file>
 
-<file path=ppt/slides/slide19.xml><?xml version="1.0" encoding="utf-8"?>
+<file path=ppt/slides/slide25.xml><?xml version="1.0" encoding="utf-8"?>
 <p:sld xmlns:a="http://schemas.openxmlformats.org/drawingml/2006/main" xmlns:r="http://schemas.openxmlformats.org/officeDocument/2006/relationships" xmlns:p="http://schemas.openxmlformats.org/presentationml/2006/main">
   <p:cSld>
     <p:spTree>
@@ -7880,7 +9412,7 @@
           <a:p>
             <a:r>
               <a:rPr lang="en-US" dirty="0"/>
-              <a:t>Problems With Current Configuration</a:t>
+              <a:t>Potential Issues With Current Configuration</a:t>
             </a:r>
           </a:p>
         </p:txBody>
@@ -7908,18 +9440,36 @@
           <a:p>
             <a:r>
               <a:rPr lang="en-US" dirty="0"/>
+              <a:t>Project goal: implement matrix multiplication operations in convolutional layer using </a:t>
+            </a:r>
+            <a:r>
+              <a:rPr lang="en-US" dirty="0" err="1"/>
+              <a:t>FeFETs</a:t>
+            </a:r>
+            <a:endParaRPr lang="en-US" dirty="0"/>
+          </a:p>
+          <a:p>
+            <a:r>
+              <a:rPr lang="en-US" dirty="0"/>
+              <a:t>2 Issues</a:t>
+            </a:r>
+          </a:p>
+          <a:p>
+            <a:pPr lvl="1"/>
+            <a:r>
+              <a:rPr lang="en-US" dirty="0"/>
               <a:t>64 filters in CNN layer</a:t>
             </a:r>
           </a:p>
           <a:p>
-            <a:pPr lvl="1"/>
+            <a:pPr lvl="2"/>
             <a:r>
               <a:rPr lang="en-US" dirty="0"/>
               <a:t>Weights &amp; biases = 99,493</a:t>
             </a:r>
           </a:p>
           <a:p>
-            <a:pPr lvl="1"/>
+            <a:pPr lvl="2"/>
             <a:r>
               <a:rPr lang="en-US" dirty="0"/>
               <a:t>More filters means more area taken by </a:t>
@@ -7934,13 +9484,14 @@
             </a:r>
           </a:p>
           <a:p>
+            <a:pPr lvl="1"/>
             <a:r>
               <a:rPr lang="en-US" dirty="0"/>
               <a:t>Data type = float (32b)</a:t>
             </a:r>
           </a:p>
           <a:p>
-            <a:pPr lvl="1"/>
+            <a:pPr lvl="2"/>
             <a:r>
               <a:rPr lang="en-US" dirty="0"/>
               <a:t>Input size (bitwise) exponentially increases area taken by </a:t>
@@ -7987,7 +9538,7 @@
 </p:sld>
 </file>
 
-<file path=ppt/slides/slide2.xml><?xml version="1.0" encoding="utf-8"?>
+<file path=ppt/slides/slide26.xml><?xml version="1.0" encoding="utf-8"?>
 <p:sld xmlns:a="http://schemas.openxmlformats.org/drawingml/2006/main" xmlns:r="http://schemas.openxmlformats.org/officeDocument/2006/relationships" xmlns:p="http://schemas.openxmlformats.org/presentationml/2006/main">
   <p:cSld>
     <p:spTree>
@@ -8009,7 +9560,7 @@
           <p:cNvPr id="2" name="Title 1">
             <a:extLst>
               <a:ext uri="{FF2B5EF4-FFF2-40B4-BE49-F238E27FC236}">
-                <a16:creationId xmlns:a16="http://schemas.microsoft.com/office/drawing/2014/main" id="{BBFFCFBD-10F3-A942-97D6-A91A58E96A53}"/>
+                <a16:creationId xmlns:a16="http://schemas.microsoft.com/office/drawing/2014/main" id="{F4183994-6196-B849-BB66-DE10B0BE9411}"/>
               </a:ext>
             </a:extLst>
           </p:cNvPr>
@@ -8027,97 +9578,68 @@
           <a:p>
             <a:r>
               <a:rPr lang="en-US" dirty="0"/>
-              <a:t>Project Timeline</a:t>
-            </a:r>
-          </a:p>
-        </p:txBody>
-      </p:sp>
-      <p:pic>
-        <p:nvPicPr>
-          <p:cNvPr id="9" name="Picture 8" descr="Table, timeline&#10;&#10;Description automatically generated">
-            <a:extLst>
-              <a:ext uri="{FF2B5EF4-FFF2-40B4-BE49-F238E27FC236}">
-                <a16:creationId xmlns:a16="http://schemas.microsoft.com/office/drawing/2014/main" id="{496DC404-E2C4-42C0-9665-898DA11CC12A}"/>
-              </a:ext>
-            </a:extLst>
-          </p:cNvPr>
-          <p:cNvPicPr>
-            <a:picLocks noChangeAspect="1"/>
-          </p:cNvPicPr>
-          <p:nvPr/>
-        </p:nvPicPr>
-        <p:blipFill>
-          <a:blip r:embed="rId2"/>
-          <a:stretch>
-            <a:fillRect/>
-          </a:stretch>
-        </p:blipFill>
-        <p:spPr>
-          <a:xfrm>
-            <a:off x="2085503" y="1690687"/>
-            <a:ext cx="10008392" cy="4292347"/>
-          </a:xfrm>
-          <a:prstGeom prst="rect">
-            <a:avLst/>
-          </a:prstGeom>
-        </p:spPr>
-      </p:pic>
-      <p:sp>
-        <p:nvSpPr>
-          <p:cNvPr id="3" name="Rectangle 2">
-            <a:extLst>
-              <a:ext uri="{FF2B5EF4-FFF2-40B4-BE49-F238E27FC236}">
-                <a16:creationId xmlns:a16="http://schemas.microsoft.com/office/drawing/2014/main" id="{311B4940-42AF-4578-9C92-6AB7F0EF7C89}"/>
-              </a:ext>
-            </a:extLst>
-          </p:cNvPr>
-          <p:cNvSpPr/>
-          <p:nvPr/>
-        </p:nvSpPr>
-        <p:spPr>
-          <a:xfrm>
-            <a:off x="6534198" y="1613140"/>
-            <a:ext cx="646981" cy="448573"/>
-          </a:xfrm>
-          <a:prstGeom prst="rect">
-            <a:avLst/>
-          </a:prstGeom>
-          <a:noFill/>
-          <a:ln w="57150">
-            <a:solidFill>
-              <a:srgbClr val="FF0000"/>
-            </a:solidFill>
-          </a:ln>
-        </p:spPr>
-        <p:style>
-          <a:lnRef idx="2">
-            <a:schemeClr val="accent1">
-              <a:shade val="50000"/>
-            </a:schemeClr>
-          </a:lnRef>
-          <a:fillRef idx="1">
-            <a:schemeClr val="accent1"/>
-          </a:fillRef>
-          <a:effectRef idx="0">
-            <a:schemeClr val="accent1"/>
-          </a:effectRef>
-          <a:fontRef idx="minor">
-            <a:schemeClr val="lt1"/>
-          </a:fontRef>
-        </p:style>
-        <p:txBody>
-          <a:bodyPr rtlCol="0" anchor="ctr"/>
+              <a:t>Float to Half</a:t>
+            </a:r>
+          </a:p>
+        </p:txBody>
+      </p:sp>
+      <p:sp>
+        <p:nvSpPr>
+          <p:cNvPr id="3" name="Content Placeholder 2">
+            <a:extLst>
+              <a:ext uri="{FF2B5EF4-FFF2-40B4-BE49-F238E27FC236}">
+                <a16:creationId xmlns:a16="http://schemas.microsoft.com/office/drawing/2014/main" id="{1226652F-2C12-414F-988E-C453B283CBE8}"/>
+              </a:ext>
+            </a:extLst>
+          </p:cNvPr>
+          <p:cNvSpPr>
+            <a:spLocks noGrp="1"/>
+          </p:cNvSpPr>
+          <p:nvPr>
+            <p:ph idx="1"/>
+          </p:nvPr>
+        </p:nvSpPr>
+        <p:spPr/>
+        <p:txBody>
+          <a:bodyPr/>
           <a:lstStyle/>
           <a:p>
-            <a:pPr algn="ctr"/>
-            <a:endParaRPr lang="en-US"/>
+            <a:r>
+              <a:rPr lang="en-US" dirty="0"/>
+              <a:t>Half = 16b = float/2</a:t>
+            </a:r>
+          </a:p>
+          <a:p>
+            <a:r>
+              <a:rPr lang="en-US" dirty="0"/>
+              <a:t>Reducing the data type of the input, weights and biases would significantly reduce the circuit area</a:t>
+            </a:r>
+          </a:p>
+          <a:p>
+            <a:r>
+              <a:rPr lang="en-US" dirty="0"/>
+              <a:t>Accuracy of the network is not sacrificed</a:t>
+            </a:r>
+          </a:p>
+          <a:p>
+            <a:r>
+              <a:rPr lang="en-US" dirty="0"/>
+              <a:t>Evaluation speed slightly increased (191ms </a:t>
+            </a:r>
+            <a:r>
+              <a:rPr lang="en-US" dirty="0">
+                <a:sym typeface="Wingdings" pitchFamily="2" charset="2"/>
+              </a:rPr>
+              <a:t> 147ms)</a:t>
+            </a:r>
+            <a:endParaRPr lang="en-US" dirty="0"/>
           </a:p>
         </p:txBody>
       </p:sp>
     </p:spTree>
     <p:extLst>
       <p:ext uri="{BB962C8B-B14F-4D97-AF65-F5344CB8AC3E}">
-        <p14:creationId xmlns:p14="http://schemas.microsoft.com/office/powerpoint/2010/main" val="467553910"/>
+        <p14:creationId xmlns:p14="http://schemas.microsoft.com/office/powerpoint/2010/main" val="3204488036"/>
       </p:ext>
     </p:extLst>
   </p:cSld>
@@ -8127,7 +9649,7 @@
 </p:sld>
 </file>
 
-<file path=ppt/slides/slide20.xml><?xml version="1.0" encoding="utf-8"?>
+<file path=ppt/slides/slide27.xml><?xml version="1.0" encoding="utf-8"?>
 <p:sld xmlns:a="http://schemas.openxmlformats.org/drawingml/2006/main" xmlns:r="http://schemas.openxmlformats.org/officeDocument/2006/relationships" xmlns:p="http://schemas.openxmlformats.org/presentationml/2006/main">
   <p:cSld>
     <p:spTree>
@@ -8149,7 +9671,7 @@
           <p:cNvPr id="2" name="Title 1">
             <a:extLst>
               <a:ext uri="{FF2B5EF4-FFF2-40B4-BE49-F238E27FC236}">
-                <a16:creationId xmlns:a16="http://schemas.microsoft.com/office/drawing/2014/main" id="{F4183994-6196-B849-BB66-DE10B0BE9411}"/>
+                <a16:creationId xmlns:a16="http://schemas.microsoft.com/office/drawing/2014/main" id="{57C9A0C2-3E83-2A44-8763-87CA30972BD0}"/>
               </a:ext>
             </a:extLst>
           </p:cNvPr>
@@ -8167,55 +9689,44 @@
           <a:p>
             <a:r>
               <a:rPr lang="en-US" dirty="0"/>
-              <a:t>Float to Half</a:t>
-            </a:r>
-          </a:p>
-        </p:txBody>
-      </p:sp>
-      <p:sp>
-        <p:nvSpPr>
-          <p:cNvPr id="3" name="Content Placeholder 2">
-            <a:extLst>
-              <a:ext uri="{FF2B5EF4-FFF2-40B4-BE49-F238E27FC236}">
-                <a16:creationId xmlns:a16="http://schemas.microsoft.com/office/drawing/2014/main" id="{1226652F-2C12-414F-988E-C453B283CBE8}"/>
-              </a:ext>
-            </a:extLst>
-          </p:cNvPr>
-          <p:cNvSpPr>
-            <a:spLocks noGrp="1"/>
-          </p:cNvSpPr>
+              <a:t>Results: Float to Half</a:t>
+            </a:r>
+          </a:p>
+        </p:txBody>
+      </p:sp>
+      <p:pic>
+        <p:nvPicPr>
+          <p:cNvPr id="5" name="Content Placeholder 4" descr="Chart, timeline&#10;&#10;Description automatically generated with medium confidence">
+            <a:extLst>
+              <a:ext uri="{FF2B5EF4-FFF2-40B4-BE49-F238E27FC236}">
+                <a16:creationId xmlns:a16="http://schemas.microsoft.com/office/drawing/2014/main" id="{7F4BCE7E-0CF4-9247-BA28-3AAFF711957B}"/>
+              </a:ext>
+            </a:extLst>
+          </p:cNvPr>
+          <p:cNvPicPr>
+            <a:picLocks noGrp="1" noChangeAspect="1"/>
+          </p:cNvPicPr>
           <p:nvPr>
             <p:ph idx="1"/>
           </p:nvPr>
-        </p:nvSpPr>
-        <p:spPr/>
-        <p:txBody>
-          <a:bodyPr/>
-          <a:lstStyle/>
-          <a:p>
-            <a:r>
-              <a:rPr lang="en-US" dirty="0"/>
-              <a:t>Half = 16b = float/2</a:t>
-            </a:r>
-          </a:p>
-          <a:p>
-            <a:r>
-              <a:rPr lang="en-US" dirty="0"/>
-              <a:t>Reducing the data type of the input, weights and biases would significantly reduce the circuit area</a:t>
-            </a:r>
-          </a:p>
-          <a:p>
-            <a:r>
-              <a:rPr lang="en-US" dirty="0"/>
-              <a:t>Accuracy of the network is not sacrificed</a:t>
-            </a:r>
-          </a:p>
-        </p:txBody>
-      </p:sp>
+        </p:nvPicPr>
+        <p:blipFill>
+          <a:blip r:embed="rId2"/>
+          <a:stretch>
+            <a:fillRect/>
+          </a:stretch>
+        </p:blipFill>
+        <p:spPr>
+          <a:xfrm>
+            <a:off x="4228570" y="1825625"/>
+            <a:ext cx="5801784" cy="4351338"/>
+          </a:xfrm>
+        </p:spPr>
+      </p:pic>
     </p:spTree>
     <p:extLst>
       <p:ext uri="{BB962C8B-B14F-4D97-AF65-F5344CB8AC3E}">
-        <p14:creationId xmlns:p14="http://schemas.microsoft.com/office/powerpoint/2010/main" val="3204488036"/>
+        <p14:creationId xmlns:p14="http://schemas.microsoft.com/office/powerpoint/2010/main" val="3807955315"/>
       </p:ext>
     </p:extLst>
   </p:cSld>
@@ -8225,7 +9736,7 @@
 </p:sld>
 </file>
 
-<file path=ppt/slides/slide21.xml><?xml version="1.0" encoding="utf-8"?>
+<file path=ppt/slides/slide28.xml><?xml version="1.0" encoding="utf-8"?>
 <p:sld xmlns:a="http://schemas.openxmlformats.org/drawingml/2006/main" xmlns:r="http://schemas.openxmlformats.org/officeDocument/2006/relationships" xmlns:p="http://schemas.openxmlformats.org/presentationml/2006/main">
   <p:cSld>
     <p:spTree>
@@ -8247,7 +9758,7 @@
           <p:cNvPr id="2" name="Title 1">
             <a:extLst>
               <a:ext uri="{FF2B5EF4-FFF2-40B4-BE49-F238E27FC236}">
-                <a16:creationId xmlns:a16="http://schemas.microsoft.com/office/drawing/2014/main" id="{57C9A0C2-3E83-2A44-8763-87CA30972BD0}"/>
+                <a16:creationId xmlns:a16="http://schemas.microsoft.com/office/drawing/2014/main" id="{672DD2C1-3CDE-7C40-8C4A-524B00FD828F}"/>
               </a:ext>
             </a:extLst>
           </p:cNvPr>
@@ -8265,44 +9776,135 @@
           <a:p>
             <a:r>
               <a:rPr lang="en-US" dirty="0"/>
-              <a:t>Results: Float to Half</a:t>
-            </a:r>
-          </a:p>
-        </p:txBody>
-      </p:sp>
-      <p:pic>
-        <p:nvPicPr>
-          <p:cNvPr id="5" name="Content Placeholder 4" descr="Chart, timeline&#10;&#10;Description automatically generated with medium confidence">
-            <a:extLst>
-              <a:ext uri="{FF2B5EF4-FFF2-40B4-BE49-F238E27FC236}">
-                <a16:creationId xmlns:a16="http://schemas.microsoft.com/office/drawing/2014/main" id="{7F4BCE7E-0CF4-9247-BA28-3AAFF711957B}"/>
-              </a:ext>
-            </a:extLst>
-          </p:cNvPr>
-          <p:cNvPicPr>
-            <a:picLocks noGrp="1" noChangeAspect="1"/>
-          </p:cNvPicPr>
+              <a:t>Reducing Filters</a:t>
+            </a:r>
+          </a:p>
+        </p:txBody>
+      </p:sp>
+      <p:sp>
+        <p:nvSpPr>
+          <p:cNvPr id="3" name="Content Placeholder 2">
+            <a:extLst>
+              <a:ext uri="{FF2B5EF4-FFF2-40B4-BE49-F238E27FC236}">
+                <a16:creationId xmlns:a16="http://schemas.microsoft.com/office/drawing/2014/main" id="{783F9762-D906-C84F-8870-1A4E41535205}"/>
+              </a:ext>
+            </a:extLst>
+          </p:cNvPr>
+          <p:cNvSpPr>
+            <a:spLocks noGrp="1"/>
+          </p:cNvSpPr>
           <p:nvPr>
             <p:ph idx="1"/>
           </p:nvPr>
+        </p:nvSpPr>
+        <p:spPr/>
+        <p:txBody>
+          <a:bodyPr/>
+          <a:lstStyle/>
+          <a:p>
+            <a:r>
+              <a:rPr lang="en-US" dirty="0"/>
+              <a:t>Less filters = less operations</a:t>
+            </a:r>
+          </a:p>
+          <a:p>
+            <a:pPr lvl="1"/>
+            <a:r>
+              <a:rPr lang="en-US" dirty="0"/>
+              <a:t>More speed (which is great in an SDR application)</a:t>
+            </a:r>
+          </a:p>
+          <a:p>
+            <a:pPr lvl="1"/>
+            <a:r>
+              <a:rPr lang="en-US" dirty="0"/>
+              <a:t>Reduces size of matrix multiplication circuit</a:t>
+            </a:r>
+          </a:p>
+          <a:p>
+            <a:pPr lvl="1"/>
+            <a:r>
+              <a:rPr lang="en-US" dirty="0"/>
+              <a:t>Using 8 filters </a:t>
+            </a:r>
+            <a:r>
+              <a:rPr lang="en-US" dirty="0">
+                <a:sym typeface="Wingdings" pitchFamily="2" charset="2"/>
+              </a:rPr>
+              <a:t> weights &amp; biases = </a:t>
+            </a:r>
+            <a:r>
+              <a:rPr lang="en-US" dirty="0"/>
+              <a:t>5,737 &lt;&lt; 99,493</a:t>
+            </a:r>
+          </a:p>
+          <a:p>
+            <a:pPr lvl="1"/>
+            <a:r>
+              <a:rPr lang="en-US" dirty="0"/>
+              <a:t>Evaluation speed further increased (147ms </a:t>
+            </a:r>
+            <a:r>
+              <a:rPr lang="en-US" dirty="0">
+                <a:sym typeface="Wingdings" pitchFamily="2" charset="2"/>
+              </a:rPr>
+              <a:t> 88ms)</a:t>
+            </a:r>
+            <a:endParaRPr lang="en-US" dirty="0"/>
+          </a:p>
+        </p:txBody>
+      </p:sp>
+      <p:pic>
+        <p:nvPicPr>
+          <p:cNvPr id="2050" name="Picture 2" descr="Types of Convolution Kernels : Simplified | by Prakhar Ganesh | Towards  Data Science">
+            <a:extLst>
+              <a:ext uri="{FF2B5EF4-FFF2-40B4-BE49-F238E27FC236}">
+                <a16:creationId xmlns:a16="http://schemas.microsoft.com/office/drawing/2014/main" id="{E531FC8A-BF53-5F43-991C-7250D3BB591A}"/>
+              </a:ext>
+            </a:extLst>
+          </p:cNvPr>
+          <p:cNvPicPr>
+            <a:picLocks noChangeAspect="1" noChangeArrowheads="1"/>
+          </p:cNvPicPr>
+          <p:nvPr/>
         </p:nvPicPr>
         <p:blipFill>
-          <a:blip r:embed="rId2"/>
+          <a:blip r:embed="rId2">
+            <a:extLst>
+              <a:ext uri="{28A0092B-C50C-407E-A947-70E740481C1C}">
+                <a14:useLocalDpi xmlns:a14="http://schemas.microsoft.com/office/drawing/2010/main" val="0"/>
+              </a:ext>
+            </a:extLst>
+          </a:blip>
+          <a:srcRect/>
           <a:stretch>
             <a:fillRect/>
           </a:stretch>
         </p:blipFill>
-        <p:spPr>
+        <p:spPr bwMode="auto">
           <a:xfrm>
-            <a:off x="4228570" y="1825625"/>
-            <a:ext cx="5801784" cy="4351338"/>
-          </a:xfrm>
+            <a:off x="3232283" y="4001294"/>
+            <a:ext cx="7793620" cy="2002189"/>
+          </a:xfrm>
+          <a:prstGeom prst="rect">
+            <a:avLst/>
+          </a:prstGeom>
+          <a:noFill/>
+          <a:extLst>
+            <a:ext uri="{909E8E84-426E-40DD-AFC4-6F175D3DCCD1}">
+              <a14:hiddenFill xmlns:a14="http://schemas.microsoft.com/office/drawing/2010/main">
+                <a:solidFill>
+                  <a:srgbClr val="FFFFFF"/>
+                </a:solidFill>
+              </a14:hiddenFill>
+            </a:ext>
+          </a:extLst>
         </p:spPr>
       </p:pic>
     </p:spTree>
     <p:extLst>
       <p:ext uri="{BB962C8B-B14F-4D97-AF65-F5344CB8AC3E}">
-        <p14:creationId xmlns:p14="http://schemas.microsoft.com/office/powerpoint/2010/main" val="3807955315"/>
+        <p14:creationId xmlns:p14="http://schemas.microsoft.com/office/powerpoint/2010/main" val="1271227972"/>
       </p:ext>
     </p:extLst>
   </p:cSld>
@@ -8312,7 +9914,7 @@
 </p:sld>
 </file>
 
-<file path=ppt/slides/slide22.xml><?xml version="1.0" encoding="utf-8"?>
+<file path=ppt/slides/slide29.xml><?xml version="1.0" encoding="utf-8"?>
 <p:sld xmlns:a="http://schemas.openxmlformats.org/drawingml/2006/main" xmlns:r="http://schemas.openxmlformats.org/officeDocument/2006/relationships" xmlns:p="http://schemas.openxmlformats.org/presentationml/2006/main">
   <p:cSld>
     <p:spTree>
@@ -8334,7 +9936,7 @@
           <p:cNvPr id="2" name="Title 1">
             <a:extLst>
               <a:ext uri="{FF2B5EF4-FFF2-40B4-BE49-F238E27FC236}">
-                <a16:creationId xmlns:a16="http://schemas.microsoft.com/office/drawing/2014/main" id="{672DD2C1-3CDE-7C40-8C4A-524B00FD828F}"/>
+                <a16:creationId xmlns:a16="http://schemas.microsoft.com/office/drawing/2014/main" id="{F189FEE3-9ECE-2447-A6B3-0FD62808AD22}"/>
               </a:ext>
             </a:extLst>
           </p:cNvPr>
@@ -8352,171 +9954,7 @@
           <a:p>
             <a:r>
               <a:rPr lang="en-US" dirty="0"/>
-              <a:t>Reducing Filters</a:t>
-            </a:r>
-          </a:p>
-        </p:txBody>
-      </p:sp>
-      <p:sp>
-        <p:nvSpPr>
-          <p:cNvPr id="3" name="Content Placeholder 2">
-            <a:extLst>
-              <a:ext uri="{FF2B5EF4-FFF2-40B4-BE49-F238E27FC236}">
-                <a16:creationId xmlns:a16="http://schemas.microsoft.com/office/drawing/2014/main" id="{783F9762-D906-C84F-8870-1A4E41535205}"/>
-              </a:ext>
-            </a:extLst>
-          </p:cNvPr>
-          <p:cNvSpPr>
-            <a:spLocks noGrp="1"/>
-          </p:cNvSpPr>
-          <p:nvPr>
-            <p:ph idx="1"/>
-          </p:nvPr>
-        </p:nvSpPr>
-        <p:spPr/>
-        <p:txBody>
-          <a:bodyPr/>
-          <a:lstStyle/>
-          <a:p>
-            <a:r>
-              <a:rPr lang="en-US" dirty="0"/>
-              <a:t>Less filters = less operations</a:t>
-            </a:r>
-          </a:p>
-          <a:p>
-            <a:pPr lvl="1"/>
-            <a:r>
-              <a:rPr lang="en-US" dirty="0"/>
-              <a:t>More speed (which is great in an SDR application)</a:t>
-            </a:r>
-          </a:p>
-          <a:p>
-            <a:pPr lvl="1"/>
-            <a:r>
-              <a:rPr lang="en-US" dirty="0"/>
-              <a:t>Reduces size of matrix multiplication circuit</a:t>
-            </a:r>
-          </a:p>
-          <a:p>
-            <a:pPr lvl="1"/>
-            <a:r>
-              <a:rPr lang="en-US" dirty="0"/>
-              <a:t>Using 8 filters </a:t>
-            </a:r>
-            <a:r>
-              <a:rPr lang="en-US" dirty="0">
-                <a:sym typeface="Wingdings" pitchFamily="2" charset="2"/>
-              </a:rPr>
-              <a:t> weights &amp; biases = </a:t>
-            </a:r>
-            <a:r>
-              <a:rPr lang="en-US" dirty="0"/>
-              <a:t>5,737 &lt;&lt; 99,493</a:t>
-            </a:r>
-          </a:p>
-        </p:txBody>
-      </p:sp>
-      <p:pic>
-        <p:nvPicPr>
-          <p:cNvPr id="2050" name="Picture 2" descr="Types of Convolution Kernels : Simplified | by Prakhar Ganesh | Towards  Data Science">
-            <a:extLst>
-              <a:ext uri="{FF2B5EF4-FFF2-40B4-BE49-F238E27FC236}">
-                <a16:creationId xmlns:a16="http://schemas.microsoft.com/office/drawing/2014/main" id="{E531FC8A-BF53-5F43-991C-7250D3BB591A}"/>
-              </a:ext>
-            </a:extLst>
-          </p:cNvPr>
-          <p:cNvPicPr>
-            <a:picLocks noChangeAspect="1" noChangeArrowheads="1"/>
-          </p:cNvPicPr>
-          <p:nvPr/>
-        </p:nvPicPr>
-        <p:blipFill>
-          <a:blip r:embed="rId2">
-            <a:extLst>
-              <a:ext uri="{28A0092B-C50C-407E-A947-70E740481C1C}">
-                <a14:useLocalDpi xmlns:a14="http://schemas.microsoft.com/office/drawing/2010/main" val="0"/>
-              </a:ext>
-            </a:extLst>
-          </a:blip>
-          <a:srcRect/>
-          <a:stretch>
-            <a:fillRect/>
-          </a:stretch>
-        </p:blipFill>
-        <p:spPr bwMode="auto">
-          <a:xfrm>
-            <a:off x="3232283" y="4001294"/>
-            <a:ext cx="7793620" cy="2002189"/>
-          </a:xfrm>
-          <a:prstGeom prst="rect">
-            <a:avLst/>
-          </a:prstGeom>
-          <a:noFill/>
-          <a:extLst>
-            <a:ext uri="{909E8E84-426E-40DD-AFC4-6F175D3DCCD1}">
-              <a14:hiddenFill xmlns:a14="http://schemas.microsoft.com/office/drawing/2010/main">
-                <a:solidFill>
-                  <a:srgbClr val="FFFFFF"/>
-                </a:solidFill>
-              </a14:hiddenFill>
-            </a:ext>
-          </a:extLst>
-        </p:spPr>
-      </p:pic>
-    </p:spTree>
-    <p:extLst>
-      <p:ext uri="{BB962C8B-B14F-4D97-AF65-F5344CB8AC3E}">
-        <p14:creationId xmlns:p14="http://schemas.microsoft.com/office/powerpoint/2010/main" val="1271227972"/>
-      </p:ext>
-    </p:extLst>
-  </p:cSld>
-  <p:clrMapOvr>
-    <a:masterClrMapping/>
-  </p:clrMapOvr>
-</p:sld>
-</file>
-
-<file path=ppt/slides/slide23.xml><?xml version="1.0" encoding="utf-8"?>
-<p:sld xmlns:a="http://schemas.openxmlformats.org/drawingml/2006/main" xmlns:r="http://schemas.openxmlformats.org/officeDocument/2006/relationships" xmlns:p="http://schemas.openxmlformats.org/presentationml/2006/main">
-  <p:cSld>
-    <p:spTree>
-      <p:nvGrpSpPr>
-        <p:cNvPr id="1" name=""/>
-        <p:cNvGrpSpPr/>
-        <p:nvPr/>
-      </p:nvGrpSpPr>
-      <p:grpSpPr>
-        <a:xfrm>
-          <a:off x="0" y="0"/>
-          <a:ext cx="0" cy="0"/>
-          <a:chOff x="0" y="0"/>
-          <a:chExt cx="0" cy="0"/>
-        </a:xfrm>
-      </p:grpSpPr>
-      <p:sp>
-        <p:nvSpPr>
-          <p:cNvPr id="2" name="Title 1">
-            <a:extLst>
-              <a:ext uri="{FF2B5EF4-FFF2-40B4-BE49-F238E27FC236}">
-                <a16:creationId xmlns:a16="http://schemas.microsoft.com/office/drawing/2014/main" id="{F189FEE3-9ECE-2447-A6B3-0FD62808AD22}"/>
-              </a:ext>
-            </a:extLst>
-          </p:cNvPr>
-          <p:cNvSpPr>
-            <a:spLocks noGrp="1"/>
-          </p:cNvSpPr>
-          <p:nvPr>
-            <p:ph type="title"/>
-          </p:nvPr>
-        </p:nvSpPr>
-        <p:spPr/>
-        <p:txBody>
-          <a:bodyPr/>
-          <a:lstStyle/>
-          <a:p>
-            <a:r>
-              <a:rPr lang="en-US" dirty="0"/>
-              <a:t>Results: Reducing Filters</a:t>
+              <a:t>Results: Reducing Filters OOK Dataset</a:t>
             </a:r>
           </a:p>
         </p:txBody>
@@ -8555,137 +9993,6 @@
     <p:extLst>
       <p:ext uri="{BB962C8B-B14F-4D97-AF65-F5344CB8AC3E}">
         <p14:creationId xmlns:p14="http://schemas.microsoft.com/office/powerpoint/2010/main" val="3345549650"/>
-      </p:ext>
-    </p:extLst>
-  </p:cSld>
-  <p:clrMapOvr>
-    <a:masterClrMapping/>
-  </p:clrMapOvr>
-</p:sld>
-</file>
-
-<file path=ppt/slides/slide24.xml><?xml version="1.0" encoding="utf-8"?>
-<p:sld xmlns:a="http://schemas.openxmlformats.org/drawingml/2006/main" xmlns:r="http://schemas.openxmlformats.org/officeDocument/2006/relationships" xmlns:p="http://schemas.openxmlformats.org/presentationml/2006/main">
-  <p:cSld>
-    <p:spTree>
-      <p:nvGrpSpPr>
-        <p:cNvPr id="1" name=""/>
-        <p:cNvGrpSpPr/>
-        <p:nvPr/>
-      </p:nvGrpSpPr>
-      <p:grpSpPr>
-        <a:xfrm>
-          <a:off x="0" y="0"/>
-          <a:ext cx="0" cy="0"/>
-          <a:chOff x="0" y="0"/>
-          <a:chExt cx="0" cy="0"/>
-        </a:xfrm>
-      </p:grpSpPr>
-      <p:sp>
-        <p:nvSpPr>
-          <p:cNvPr id="2" name="Title 1">
-            <a:extLst>
-              <a:ext uri="{FF2B5EF4-FFF2-40B4-BE49-F238E27FC236}">
-                <a16:creationId xmlns:a16="http://schemas.microsoft.com/office/drawing/2014/main" id="{B81EE1C0-4532-6244-B52F-F7EFA19D6E35}"/>
-              </a:ext>
-            </a:extLst>
-          </p:cNvPr>
-          <p:cNvSpPr>
-            <a:spLocks noGrp="1"/>
-          </p:cNvSpPr>
-          <p:nvPr>
-            <p:ph type="title"/>
-          </p:nvPr>
-        </p:nvSpPr>
-        <p:spPr/>
-        <p:txBody>
-          <a:bodyPr/>
-          <a:lstStyle/>
-          <a:p>
-            <a:r>
-              <a:rPr lang="en-US" dirty="0"/>
-              <a:t>Future Deliverables</a:t>
-            </a:r>
-          </a:p>
-        </p:txBody>
-      </p:sp>
-      <p:sp>
-        <p:nvSpPr>
-          <p:cNvPr id="3" name="Content Placeholder 2">
-            <a:extLst>
-              <a:ext uri="{FF2B5EF4-FFF2-40B4-BE49-F238E27FC236}">
-                <a16:creationId xmlns:a16="http://schemas.microsoft.com/office/drawing/2014/main" id="{28D83198-43D0-3D4B-8060-0518D8EEC389}"/>
-              </a:ext>
-            </a:extLst>
-          </p:cNvPr>
-          <p:cNvSpPr>
-            <a:spLocks noGrp="1"/>
-          </p:cNvSpPr>
-          <p:nvPr>
-            <p:ph idx="1"/>
-          </p:nvPr>
-        </p:nvSpPr>
-        <p:spPr/>
-        <p:txBody>
-          <a:bodyPr/>
-          <a:lstStyle/>
-          <a:p>
-            <a:r>
-              <a:rPr lang="en-US" dirty="0"/>
-              <a:t>Implement CNN in:</a:t>
-            </a:r>
-          </a:p>
-          <a:p>
-            <a:pPr lvl="1"/>
-            <a:r>
-              <a:rPr lang="en-US" dirty="0"/>
-              <a:t>FPGA</a:t>
-            </a:r>
-          </a:p>
-          <a:p>
-            <a:pPr lvl="1"/>
-            <a:r>
-              <a:rPr lang="en-US" dirty="0"/>
-              <a:t>Jetson Nano</a:t>
-            </a:r>
-          </a:p>
-          <a:p>
-            <a:r>
-              <a:rPr lang="en-US" dirty="0"/>
-              <a:t>Confirm </a:t>
-            </a:r>
-            <a:r>
-              <a:rPr lang="en-US" dirty="0" err="1"/>
-              <a:t>FeFET</a:t>
-            </a:r>
-            <a:r>
-              <a:rPr lang="en-US" dirty="0"/>
-              <a:t> output accuracy </a:t>
-            </a:r>
-          </a:p>
-          <a:p>
-            <a:r>
-              <a:rPr lang="en-US" dirty="0"/>
-              <a:t>Benchmark performance of FPGA and Jetson Nano Convolutional layer against </a:t>
-            </a:r>
-            <a:r>
-              <a:rPr lang="en-US" dirty="0" err="1"/>
-              <a:t>FeFET</a:t>
-            </a:r>
-            <a:r>
-              <a:rPr lang="en-US" dirty="0"/>
-              <a:t> implementation</a:t>
-            </a:r>
-          </a:p>
-          <a:p>
-            <a:endParaRPr lang="en-US" dirty="0"/>
-          </a:p>
-        </p:txBody>
-      </p:sp>
-    </p:spTree>
-    <p:extLst>
-      <p:ext uri="{BB962C8B-B14F-4D97-AF65-F5344CB8AC3E}">
-        <p14:creationId xmlns:p14="http://schemas.microsoft.com/office/powerpoint/2010/main" val="1591377712"/>
       </p:ext>
     </p:extLst>
   </p:cSld>
@@ -8772,7 +10079,14 @@
             <a:pPr lvl="1"/>
             <a:r>
               <a:rPr lang="en-US" dirty="0"/>
-              <a:t>Simulated DDC SDR circuit and tested against model</a:t>
+              <a:t>High level simulation of model</a:t>
+            </a:r>
+          </a:p>
+          <a:p>
+            <a:pPr lvl="2"/>
+            <a:r>
+              <a:rPr lang="en-US" dirty="0"/>
+              <a:t>Tested model using different hyper parameters</a:t>
             </a:r>
           </a:p>
           <a:p>
@@ -8786,12 +10100,15 @@
             <a:pPr lvl="1"/>
             <a:r>
               <a:rPr lang="en-US" dirty="0"/>
-              <a:t>Tested model using different hyper parameters</a:t>
+              <a:t>Saved weights and biases of trained models</a:t>
             </a:r>
           </a:p>
           <a:p>
             <a:pPr lvl="1"/>
-            <a:endParaRPr lang="en-US" dirty="0"/>
+            <a:r>
+              <a:rPr lang="en-US" dirty="0"/>
+              <a:t>Optimized model for hardware implementation</a:t>
+            </a:r>
           </a:p>
           <a:p>
             <a:pPr lvl="1"/>
@@ -8806,6 +10123,225 @@
     <p:extLst>
       <p:ext uri="{BB962C8B-B14F-4D97-AF65-F5344CB8AC3E}">
         <p14:creationId xmlns:p14="http://schemas.microsoft.com/office/powerpoint/2010/main" val="3851289778"/>
+      </p:ext>
+    </p:extLst>
+  </p:cSld>
+  <p:clrMapOvr>
+    <a:masterClrMapping/>
+  </p:clrMapOvr>
+</p:sld>
+</file>
+
+<file path=ppt/slides/slide30.xml><?xml version="1.0" encoding="utf-8"?>
+<p:sld xmlns:a="http://schemas.openxmlformats.org/drawingml/2006/main" xmlns:r="http://schemas.openxmlformats.org/officeDocument/2006/relationships" xmlns:p="http://schemas.openxmlformats.org/presentationml/2006/main">
+  <p:cSld>
+    <p:spTree>
+      <p:nvGrpSpPr>
+        <p:cNvPr id="1" name=""/>
+        <p:cNvGrpSpPr/>
+        <p:nvPr/>
+      </p:nvGrpSpPr>
+      <p:grpSpPr>
+        <a:xfrm>
+          <a:off x="0" y="0"/>
+          <a:ext cx="0" cy="0"/>
+          <a:chOff x="0" y="0"/>
+          <a:chExt cx="0" cy="0"/>
+        </a:xfrm>
+      </p:grpSpPr>
+      <p:pic>
+        <p:nvPicPr>
+          <p:cNvPr id="4" name="Picture 3" descr="Chart&#10;&#10;Description automatically generated">
+            <a:extLst>
+              <a:ext uri="{FF2B5EF4-FFF2-40B4-BE49-F238E27FC236}">
+                <a16:creationId xmlns:a16="http://schemas.microsoft.com/office/drawing/2014/main" id="{42F7E638-0C58-B249-82CD-FB8D4CDAA4E7}"/>
+              </a:ext>
+            </a:extLst>
+          </p:cNvPr>
+          <p:cNvPicPr>
+            <a:picLocks noChangeAspect="1"/>
+          </p:cNvPicPr>
+          <p:nvPr/>
+        </p:nvPicPr>
+        <p:blipFill>
+          <a:blip r:embed="rId2"/>
+          <a:stretch>
+            <a:fillRect/>
+          </a:stretch>
+        </p:blipFill>
+        <p:spPr>
+          <a:xfrm>
+            <a:off x="4208093" y="1783288"/>
+            <a:ext cx="5842000" cy="4381500"/>
+          </a:xfrm>
+          <a:prstGeom prst="rect">
+            <a:avLst/>
+          </a:prstGeom>
+        </p:spPr>
+      </p:pic>
+      <p:sp>
+        <p:nvSpPr>
+          <p:cNvPr id="2" name="Title 1">
+            <a:extLst>
+              <a:ext uri="{FF2B5EF4-FFF2-40B4-BE49-F238E27FC236}">
+                <a16:creationId xmlns:a16="http://schemas.microsoft.com/office/drawing/2014/main" id="{F189FEE3-9ECE-2447-A6B3-0FD62808AD22}"/>
+              </a:ext>
+            </a:extLst>
+          </p:cNvPr>
+          <p:cNvSpPr>
+            <a:spLocks noGrp="1"/>
+          </p:cNvSpPr>
+          <p:nvPr>
+            <p:ph type="title"/>
+          </p:nvPr>
+        </p:nvSpPr>
+        <p:spPr/>
+        <p:txBody>
+          <a:bodyPr/>
+          <a:lstStyle/>
+          <a:p>
+            <a:r>
+              <a:rPr lang="en-US" dirty="0"/>
+              <a:t>Results: Reducing Filters OOK Dataset</a:t>
+            </a:r>
+          </a:p>
+        </p:txBody>
+      </p:sp>
+    </p:spTree>
+    <p:extLst>
+      <p:ext uri="{BB962C8B-B14F-4D97-AF65-F5344CB8AC3E}">
+        <p14:creationId xmlns:p14="http://schemas.microsoft.com/office/powerpoint/2010/main" val="1289839088"/>
+      </p:ext>
+    </p:extLst>
+  </p:cSld>
+  <p:clrMapOvr>
+    <a:masterClrMapping/>
+  </p:clrMapOvr>
+</p:sld>
+</file>
+
+<file path=ppt/slides/slide31.xml><?xml version="1.0" encoding="utf-8"?>
+<p:sld xmlns:a="http://schemas.openxmlformats.org/drawingml/2006/main" xmlns:r="http://schemas.openxmlformats.org/officeDocument/2006/relationships" xmlns:p="http://schemas.openxmlformats.org/presentationml/2006/main">
+  <p:cSld>
+    <p:spTree>
+      <p:nvGrpSpPr>
+        <p:cNvPr id="1" name=""/>
+        <p:cNvGrpSpPr/>
+        <p:nvPr/>
+      </p:nvGrpSpPr>
+      <p:grpSpPr>
+        <a:xfrm>
+          <a:off x="0" y="0"/>
+          <a:ext cx="0" cy="0"/>
+          <a:chOff x="0" y="0"/>
+          <a:chExt cx="0" cy="0"/>
+        </a:xfrm>
+      </p:grpSpPr>
+      <p:sp>
+        <p:nvSpPr>
+          <p:cNvPr id="2" name="Title 1">
+            <a:extLst>
+              <a:ext uri="{FF2B5EF4-FFF2-40B4-BE49-F238E27FC236}">
+                <a16:creationId xmlns:a16="http://schemas.microsoft.com/office/drawing/2014/main" id="{B81EE1C0-4532-6244-B52F-F7EFA19D6E35}"/>
+              </a:ext>
+            </a:extLst>
+          </p:cNvPr>
+          <p:cNvSpPr>
+            <a:spLocks noGrp="1"/>
+          </p:cNvSpPr>
+          <p:nvPr>
+            <p:ph type="title"/>
+          </p:nvPr>
+        </p:nvSpPr>
+        <p:spPr/>
+        <p:txBody>
+          <a:bodyPr/>
+          <a:lstStyle/>
+          <a:p>
+            <a:r>
+              <a:rPr lang="en-US" dirty="0"/>
+              <a:t>Future Deliverables</a:t>
+            </a:r>
+          </a:p>
+        </p:txBody>
+      </p:sp>
+      <p:sp>
+        <p:nvSpPr>
+          <p:cNvPr id="3" name="Content Placeholder 2">
+            <a:extLst>
+              <a:ext uri="{FF2B5EF4-FFF2-40B4-BE49-F238E27FC236}">
+                <a16:creationId xmlns:a16="http://schemas.microsoft.com/office/drawing/2014/main" id="{28D83198-43D0-3D4B-8060-0518D8EEC389}"/>
+              </a:ext>
+            </a:extLst>
+          </p:cNvPr>
+          <p:cNvSpPr>
+            <a:spLocks noGrp="1"/>
+          </p:cNvSpPr>
+          <p:nvPr>
+            <p:ph idx="1"/>
+          </p:nvPr>
+        </p:nvSpPr>
+        <p:spPr/>
+        <p:txBody>
+          <a:bodyPr/>
+          <a:lstStyle/>
+          <a:p>
+            <a:r>
+              <a:rPr lang="en-US" dirty="0"/>
+              <a:t>Implement CNN in:</a:t>
+            </a:r>
+          </a:p>
+          <a:p>
+            <a:pPr lvl="1"/>
+            <a:r>
+              <a:rPr lang="en-US" dirty="0"/>
+              <a:t>FPGA</a:t>
+            </a:r>
+          </a:p>
+          <a:p>
+            <a:pPr lvl="1"/>
+            <a:r>
+              <a:rPr lang="en-US" dirty="0"/>
+              <a:t>Jetson Nano</a:t>
+            </a:r>
+          </a:p>
+          <a:p>
+            <a:r>
+              <a:rPr lang="en-US" dirty="0"/>
+              <a:t>Confirm </a:t>
+            </a:r>
+            <a:r>
+              <a:rPr lang="en-US" dirty="0" err="1"/>
+              <a:t>FeFET</a:t>
+            </a:r>
+            <a:r>
+              <a:rPr lang="en-US" dirty="0"/>
+              <a:t> output accuracy </a:t>
+            </a:r>
+          </a:p>
+          <a:p>
+            <a:r>
+              <a:rPr lang="en-US" dirty="0"/>
+              <a:t>Benchmark performance of FPGA and Jetson Nano Convolutional layer against </a:t>
+            </a:r>
+            <a:r>
+              <a:rPr lang="en-US" dirty="0" err="1"/>
+              <a:t>FeFET</a:t>
+            </a:r>
+            <a:r>
+              <a:rPr lang="en-US" dirty="0"/>
+              <a:t> implementation</a:t>
+            </a:r>
+          </a:p>
+          <a:p>
+            <a:endParaRPr lang="en-US" dirty="0"/>
+          </a:p>
+        </p:txBody>
+      </p:sp>
+    </p:spTree>
+    <p:extLst>
+      <p:ext uri="{BB962C8B-B14F-4D97-AF65-F5344CB8AC3E}">
+        <p14:creationId xmlns:p14="http://schemas.microsoft.com/office/powerpoint/2010/main" val="1591377712"/>
       </p:ext>
     </p:extLst>
   </p:cSld>
@@ -8834,116 +10370,24 @@
       </p:grpSpPr>
       <p:sp>
         <p:nvSpPr>
-          <p:cNvPr id="2" name="Title 1">
-            <a:extLst>
-              <a:ext uri="{FF2B5EF4-FFF2-40B4-BE49-F238E27FC236}">
-                <a16:creationId xmlns:a16="http://schemas.microsoft.com/office/drawing/2014/main" id="{9807E21C-CCDF-1148-95CB-4509C6DF6E97}"/>
-              </a:ext>
-            </a:extLst>
-          </p:cNvPr>
-          <p:cNvSpPr>
-            <a:spLocks noGrp="1"/>
-          </p:cNvSpPr>
-          <p:nvPr>
-            <p:ph type="title"/>
-          </p:nvPr>
-        </p:nvSpPr>
-        <p:spPr/>
-        <p:txBody>
-          <a:bodyPr/>
-          <a:lstStyle/>
-          <a:p>
-            <a:r>
-              <a:rPr lang="en-US" dirty="0"/>
-              <a:t>SDR Digital Front End</a:t>
-            </a:r>
-          </a:p>
-        </p:txBody>
-      </p:sp>
-      <p:sp>
-        <p:nvSpPr>
-          <p:cNvPr id="7" name="Content Placeholder 6">
-            <a:extLst>
-              <a:ext uri="{FF2B5EF4-FFF2-40B4-BE49-F238E27FC236}">
-                <a16:creationId xmlns:a16="http://schemas.microsoft.com/office/drawing/2014/main" id="{61EC942B-D3A5-8745-B6FA-21ED515038C2}"/>
-              </a:ext>
-            </a:extLst>
-          </p:cNvPr>
-          <p:cNvSpPr>
-            <a:spLocks noGrp="1"/>
-          </p:cNvSpPr>
-          <p:nvPr>
-            <p:ph idx="1"/>
-          </p:nvPr>
-        </p:nvSpPr>
-        <p:spPr/>
-        <p:txBody>
-          <a:bodyPr/>
-          <a:lstStyle/>
-          <a:p>
-            <a:r>
-              <a:rPr lang="en-US" dirty="0"/>
-              <a:t>Digital Down Converter (DDC)</a:t>
-            </a:r>
-          </a:p>
-        </p:txBody>
-      </p:sp>
-      <p:pic>
-        <p:nvPicPr>
-          <p:cNvPr id="10" name="Content Placeholder 8" descr="Diagram&#10;&#10;Description automatically generated">
-            <a:extLst>
-              <a:ext uri="{FF2B5EF4-FFF2-40B4-BE49-F238E27FC236}">
-                <a16:creationId xmlns:a16="http://schemas.microsoft.com/office/drawing/2014/main" id="{C02B0154-8232-E948-A073-4D27F16B180C}"/>
-              </a:ext>
-            </a:extLst>
-          </p:cNvPr>
-          <p:cNvPicPr>
-            <a:picLocks noChangeAspect="1"/>
-          </p:cNvPicPr>
+          <p:cNvPr id="4" name="Rectangle 3">
+            <a:extLst>
+              <a:ext uri="{FF2B5EF4-FFF2-40B4-BE49-F238E27FC236}">
+                <a16:creationId xmlns:a16="http://schemas.microsoft.com/office/drawing/2014/main" id="{ACB24445-F9C5-BA45-AF58-26700F523785}"/>
+              </a:ext>
+            </a:extLst>
+          </p:cNvPr>
+          <p:cNvSpPr/>
           <p:nvPr/>
-        </p:nvPicPr>
-        <p:blipFill>
-          <a:blip r:embed="rId2"/>
-          <a:stretch>
-            <a:fillRect/>
-          </a:stretch>
-        </p:blipFill>
+        </p:nvSpPr>
         <p:spPr>
           <a:xfrm>
-            <a:off x="4721876" y="2467013"/>
-            <a:ext cx="4814433" cy="4025862"/>
+            <a:off x="3119718" y="3200400"/>
+            <a:ext cx="927847" cy="927847"/>
           </a:xfrm>
           <a:prstGeom prst="rect">
             <a:avLst/>
           </a:prstGeom>
-        </p:spPr>
-      </p:pic>
-      <p:sp>
-        <p:nvSpPr>
-          <p:cNvPr id="11" name="Rectangle 10">
-            <a:extLst>
-              <a:ext uri="{FF2B5EF4-FFF2-40B4-BE49-F238E27FC236}">
-                <a16:creationId xmlns:a16="http://schemas.microsoft.com/office/drawing/2014/main" id="{4E2B7B92-A881-2C40-88D8-2261EE11FB1F}"/>
-              </a:ext>
-            </a:extLst>
-          </p:cNvPr>
-          <p:cNvSpPr/>
-          <p:nvPr/>
-        </p:nvSpPr>
-        <p:spPr>
-          <a:xfrm>
-            <a:off x="4981303" y="3779520"/>
-            <a:ext cx="2612571" cy="2397443"/>
-          </a:xfrm>
-          <a:prstGeom prst="rect">
-            <a:avLst/>
-          </a:prstGeom>
-          <a:noFill/>
-          <a:ln w="28575">
-            <a:solidFill>
-              <a:srgbClr val="C00000"/>
-            </a:solidFill>
-          </a:ln>
         </p:spPr>
         <p:style>
           <a:lnRef idx="2">
@@ -8966,14 +10410,842 @@
           <a:lstStyle/>
           <a:p>
             <a:pPr algn="ctr"/>
+            <a:r>
+              <a:rPr lang="en-US" sz="1200" dirty="0"/>
+              <a:t>Power Amplifier</a:t>
+            </a:r>
+          </a:p>
+        </p:txBody>
+      </p:sp>
+      <p:cxnSp>
+        <p:nvCxnSpPr>
+          <p:cNvPr id="6" name="Straight Arrow Connector 5">
+            <a:extLst>
+              <a:ext uri="{FF2B5EF4-FFF2-40B4-BE49-F238E27FC236}">
+                <a16:creationId xmlns:a16="http://schemas.microsoft.com/office/drawing/2014/main" id="{5277AF9E-64B7-0643-BCDC-E6F896B8F842}"/>
+              </a:ext>
+            </a:extLst>
+          </p:cNvPr>
+          <p:cNvCxnSpPr>
+            <a:cxnSpLocks/>
+            <a:stCxn id="4" idx="3"/>
+            <a:endCxn id="8" idx="1"/>
+          </p:cNvCxnSpPr>
+          <p:nvPr/>
+        </p:nvCxnSpPr>
+        <p:spPr>
+          <a:xfrm>
+            <a:off x="4047565" y="3664324"/>
+            <a:ext cx="484094" cy="0"/>
+          </a:xfrm>
+          <a:prstGeom prst="straightConnector1">
+            <a:avLst/>
+          </a:prstGeom>
+          <a:ln w="28575">
+            <a:prstDash val="sysDot"/>
+            <a:tailEnd type="triangle"/>
+          </a:ln>
+        </p:spPr>
+        <p:style>
+          <a:lnRef idx="1">
+            <a:schemeClr val="accent1"/>
+          </a:lnRef>
+          <a:fillRef idx="0">
+            <a:schemeClr val="accent1"/>
+          </a:fillRef>
+          <a:effectRef idx="0">
+            <a:schemeClr val="accent1"/>
+          </a:effectRef>
+          <a:fontRef idx="minor">
+            <a:schemeClr val="tx1"/>
+          </a:fontRef>
+        </p:style>
+      </p:cxnSp>
+      <p:sp>
+        <p:nvSpPr>
+          <p:cNvPr id="8" name="Rectangle 7">
+            <a:extLst>
+              <a:ext uri="{FF2B5EF4-FFF2-40B4-BE49-F238E27FC236}">
+                <a16:creationId xmlns:a16="http://schemas.microsoft.com/office/drawing/2014/main" id="{68DEA56F-8BA4-A649-A59D-32DD87EAEBD7}"/>
+              </a:ext>
+            </a:extLst>
+          </p:cNvPr>
+          <p:cNvSpPr/>
+          <p:nvPr/>
+        </p:nvSpPr>
+        <p:spPr>
+          <a:xfrm>
+            <a:off x="4531659" y="3200400"/>
+            <a:ext cx="927847" cy="927847"/>
+          </a:xfrm>
+          <a:prstGeom prst="rect">
+            <a:avLst/>
+          </a:prstGeom>
+        </p:spPr>
+        <p:style>
+          <a:lnRef idx="2">
+            <a:schemeClr val="accent1">
+              <a:shade val="50000"/>
+            </a:schemeClr>
+          </a:lnRef>
+          <a:fillRef idx="1">
+            <a:schemeClr val="accent1"/>
+          </a:fillRef>
+          <a:effectRef idx="0">
+            <a:schemeClr val="accent1"/>
+          </a:effectRef>
+          <a:fontRef idx="minor">
+            <a:schemeClr val="lt1"/>
+          </a:fontRef>
+        </p:style>
+        <p:txBody>
+          <a:bodyPr rtlCol="0" anchor="ctr"/>
+          <a:lstStyle/>
+          <a:p>
+            <a:pPr algn="ctr"/>
+            <a:r>
+              <a:rPr lang="en-US" sz="1200" dirty="0" err="1"/>
+              <a:t>RFTuner</a:t>
+            </a:r>
+            <a:endParaRPr lang="en-US" sz="1200" dirty="0"/>
+          </a:p>
+        </p:txBody>
+      </p:sp>
+      <p:cxnSp>
+        <p:nvCxnSpPr>
+          <p:cNvPr id="10" name="Straight Arrow Connector 9">
+            <a:extLst>
+              <a:ext uri="{FF2B5EF4-FFF2-40B4-BE49-F238E27FC236}">
+                <a16:creationId xmlns:a16="http://schemas.microsoft.com/office/drawing/2014/main" id="{1919ABC3-F37E-5649-9B4C-0050B4FF5B51}"/>
+              </a:ext>
+            </a:extLst>
+          </p:cNvPr>
+          <p:cNvCxnSpPr>
+            <a:cxnSpLocks/>
+            <a:stCxn id="8" idx="3"/>
+            <a:endCxn id="18" idx="1"/>
+          </p:cNvCxnSpPr>
+          <p:nvPr/>
+        </p:nvCxnSpPr>
+        <p:spPr>
+          <a:xfrm>
+            <a:off x="5459506" y="3664324"/>
+            <a:ext cx="497541" cy="0"/>
+          </a:xfrm>
+          <a:prstGeom prst="straightConnector1">
+            <a:avLst/>
+          </a:prstGeom>
+          <a:ln w="28575">
+            <a:prstDash val="sysDot"/>
+            <a:tailEnd type="triangle"/>
+          </a:ln>
+        </p:spPr>
+        <p:style>
+          <a:lnRef idx="1">
+            <a:schemeClr val="accent1"/>
+          </a:lnRef>
+          <a:fillRef idx="0">
+            <a:schemeClr val="accent1"/>
+          </a:fillRef>
+          <a:effectRef idx="0">
+            <a:schemeClr val="accent1"/>
+          </a:effectRef>
+          <a:fontRef idx="minor">
+            <a:schemeClr val="tx1"/>
+          </a:fontRef>
+        </p:style>
+      </p:cxnSp>
+      <p:sp>
+        <p:nvSpPr>
+          <p:cNvPr id="18" name="Rectangle 17">
+            <a:extLst>
+              <a:ext uri="{FF2B5EF4-FFF2-40B4-BE49-F238E27FC236}">
+                <a16:creationId xmlns:a16="http://schemas.microsoft.com/office/drawing/2014/main" id="{9227538B-C07F-3F44-80B3-B42A32C8E8E5}"/>
+              </a:ext>
+            </a:extLst>
+          </p:cNvPr>
+          <p:cNvSpPr/>
+          <p:nvPr/>
+        </p:nvSpPr>
+        <p:spPr>
+          <a:xfrm>
+            <a:off x="5957047" y="3200400"/>
+            <a:ext cx="927847" cy="927847"/>
+          </a:xfrm>
+          <a:prstGeom prst="rect">
+            <a:avLst/>
+          </a:prstGeom>
+        </p:spPr>
+        <p:style>
+          <a:lnRef idx="2">
+            <a:schemeClr val="accent1">
+              <a:shade val="50000"/>
+            </a:schemeClr>
+          </a:lnRef>
+          <a:fillRef idx="1">
+            <a:schemeClr val="accent1"/>
+          </a:fillRef>
+          <a:effectRef idx="0">
+            <a:schemeClr val="accent1"/>
+          </a:effectRef>
+          <a:fontRef idx="minor">
+            <a:schemeClr val="lt1"/>
+          </a:fontRef>
+        </p:style>
+        <p:txBody>
+          <a:bodyPr rtlCol="0" anchor="ctr"/>
+          <a:lstStyle/>
+          <a:p>
+            <a:pPr algn="ctr"/>
+            <a:r>
+              <a:rPr lang="en-US" sz="1200" dirty="0"/>
+              <a:t>ADC</a:t>
+            </a:r>
+          </a:p>
+        </p:txBody>
+      </p:sp>
+      <p:sp>
+        <p:nvSpPr>
+          <p:cNvPr id="20" name="Rectangle 19">
+            <a:extLst>
+              <a:ext uri="{FF2B5EF4-FFF2-40B4-BE49-F238E27FC236}">
+                <a16:creationId xmlns:a16="http://schemas.microsoft.com/office/drawing/2014/main" id="{0649E6CC-FEDA-AE4A-9859-FCC5289915B7}"/>
+              </a:ext>
+            </a:extLst>
+          </p:cNvPr>
+          <p:cNvSpPr/>
+          <p:nvPr/>
+        </p:nvSpPr>
+        <p:spPr>
+          <a:xfrm>
+            <a:off x="2501154" y="2595283"/>
+            <a:ext cx="712694" cy="363071"/>
+          </a:xfrm>
+          <a:prstGeom prst="rect">
+            <a:avLst/>
+          </a:prstGeom>
+        </p:spPr>
+        <p:style>
+          <a:lnRef idx="2">
+            <a:schemeClr val="accent1">
+              <a:shade val="50000"/>
+            </a:schemeClr>
+          </a:lnRef>
+          <a:fillRef idx="1">
+            <a:schemeClr val="accent1"/>
+          </a:fillRef>
+          <a:effectRef idx="0">
+            <a:schemeClr val="accent1"/>
+          </a:effectRef>
+          <a:fontRef idx="minor">
+            <a:schemeClr val="lt1"/>
+          </a:fontRef>
+        </p:style>
+        <p:txBody>
+          <a:bodyPr rtlCol="0" anchor="ctr"/>
+          <a:lstStyle/>
+          <a:p>
+            <a:pPr algn="ctr"/>
+            <a:r>
+              <a:rPr lang="en-US" sz="1200" dirty="0"/>
+              <a:t>Antenna</a:t>
+            </a:r>
+          </a:p>
+        </p:txBody>
+      </p:sp>
+      <p:cxnSp>
+        <p:nvCxnSpPr>
+          <p:cNvPr id="22" name="Elbow Connector 21">
+            <a:extLst>
+              <a:ext uri="{FF2B5EF4-FFF2-40B4-BE49-F238E27FC236}">
+                <a16:creationId xmlns:a16="http://schemas.microsoft.com/office/drawing/2014/main" id="{3FD262AD-9476-9E4F-A5D0-0070D31DEDA0}"/>
+              </a:ext>
+            </a:extLst>
+          </p:cNvPr>
+          <p:cNvCxnSpPr>
+            <a:stCxn id="20" idx="2"/>
+            <a:endCxn id="4" idx="1"/>
+          </p:cNvCxnSpPr>
+          <p:nvPr/>
+        </p:nvCxnSpPr>
+        <p:spPr>
+          <a:xfrm rot="16200000" flipH="1">
+            <a:off x="2635624" y="3180230"/>
+            <a:ext cx="705970" cy="262217"/>
+          </a:xfrm>
+          <a:prstGeom prst="bentConnector2">
+            <a:avLst/>
+          </a:prstGeom>
+          <a:ln w="28575">
+            <a:prstDash val="sysDot"/>
+            <a:tailEnd type="triangle"/>
+          </a:ln>
+        </p:spPr>
+        <p:style>
+          <a:lnRef idx="1">
+            <a:schemeClr val="accent1"/>
+          </a:lnRef>
+          <a:fillRef idx="0">
+            <a:schemeClr val="accent1"/>
+          </a:fillRef>
+          <a:effectRef idx="0">
+            <a:schemeClr val="accent1"/>
+          </a:effectRef>
+          <a:fontRef idx="minor">
+            <a:schemeClr val="tx1"/>
+          </a:fontRef>
+        </p:style>
+      </p:cxnSp>
+      <p:cxnSp>
+        <p:nvCxnSpPr>
+          <p:cNvPr id="29" name="Straight Arrow Connector 28">
+            <a:extLst>
+              <a:ext uri="{FF2B5EF4-FFF2-40B4-BE49-F238E27FC236}">
+                <a16:creationId xmlns:a16="http://schemas.microsoft.com/office/drawing/2014/main" id="{18DA1C04-0266-DA4B-949F-539350E9F0D2}"/>
+              </a:ext>
+            </a:extLst>
+          </p:cNvPr>
+          <p:cNvCxnSpPr>
+            <a:cxnSpLocks/>
+            <a:endCxn id="30" idx="1"/>
+          </p:cNvCxnSpPr>
+          <p:nvPr/>
+        </p:nvCxnSpPr>
+        <p:spPr>
+          <a:xfrm>
+            <a:off x="6884894" y="3664324"/>
+            <a:ext cx="497541" cy="0"/>
+          </a:xfrm>
+          <a:prstGeom prst="straightConnector1">
+            <a:avLst/>
+          </a:prstGeom>
+          <a:ln w="28575">
+            <a:solidFill>
+              <a:schemeClr val="accent6"/>
+            </a:solidFill>
+            <a:prstDash val="solid"/>
+            <a:tailEnd type="triangle"/>
+          </a:ln>
+        </p:spPr>
+        <p:style>
+          <a:lnRef idx="1">
+            <a:schemeClr val="accent1"/>
+          </a:lnRef>
+          <a:fillRef idx="0">
+            <a:schemeClr val="accent1"/>
+          </a:fillRef>
+          <a:effectRef idx="0">
+            <a:schemeClr val="accent1"/>
+          </a:effectRef>
+          <a:fontRef idx="minor">
+            <a:schemeClr val="tx1"/>
+          </a:fontRef>
+        </p:style>
+      </p:cxnSp>
+      <p:sp>
+        <p:nvSpPr>
+          <p:cNvPr id="30" name="Rectangle 29">
+            <a:extLst>
+              <a:ext uri="{FF2B5EF4-FFF2-40B4-BE49-F238E27FC236}">
+                <a16:creationId xmlns:a16="http://schemas.microsoft.com/office/drawing/2014/main" id="{95A5DEF0-B77A-A943-91D6-D098C796BACB}"/>
+              </a:ext>
+            </a:extLst>
+          </p:cNvPr>
+          <p:cNvSpPr/>
+          <p:nvPr/>
+        </p:nvSpPr>
+        <p:spPr>
+          <a:xfrm>
+            <a:off x="7382435" y="3200400"/>
+            <a:ext cx="927847" cy="927847"/>
+          </a:xfrm>
+          <a:prstGeom prst="rect">
+            <a:avLst/>
+          </a:prstGeom>
+        </p:spPr>
+        <p:style>
+          <a:lnRef idx="2">
+            <a:schemeClr val="accent6">
+              <a:shade val="50000"/>
+            </a:schemeClr>
+          </a:lnRef>
+          <a:fillRef idx="1">
+            <a:schemeClr val="accent6"/>
+          </a:fillRef>
+          <a:effectRef idx="0">
+            <a:schemeClr val="accent6"/>
+          </a:effectRef>
+          <a:fontRef idx="minor">
+            <a:schemeClr val="lt1"/>
+          </a:fontRef>
+        </p:style>
+        <p:txBody>
+          <a:bodyPr rtlCol="0" anchor="ctr"/>
+          <a:lstStyle/>
+          <a:p>
+            <a:pPr algn="ctr"/>
+            <a:r>
+              <a:rPr lang="en-US" sz="1200" dirty="0"/>
+              <a:t>Digital Mixer</a:t>
+            </a:r>
+          </a:p>
+        </p:txBody>
+      </p:sp>
+      <p:sp>
+        <p:nvSpPr>
+          <p:cNvPr id="31" name="Rectangle 30">
+            <a:extLst>
+              <a:ext uri="{FF2B5EF4-FFF2-40B4-BE49-F238E27FC236}">
+                <a16:creationId xmlns:a16="http://schemas.microsoft.com/office/drawing/2014/main" id="{DF829BC7-6C51-B74E-9BB1-E6E80F3D908E}"/>
+              </a:ext>
+            </a:extLst>
+          </p:cNvPr>
+          <p:cNvSpPr/>
+          <p:nvPr/>
+        </p:nvSpPr>
+        <p:spPr>
+          <a:xfrm>
+            <a:off x="7382435" y="4592171"/>
+            <a:ext cx="927847" cy="927847"/>
+          </a:xfrm>
+          <a:prstGeom prst="rect">
+            <a:avLst/>
+          </a:prstGeom>
+        </p:spPr>
+        <p:style>
+          <a:lnRef idx="2">
+            <a:schemeClr val="accent6">
+              <a:shade val="50000"/>
+            </a:schemeClr>
+          </a:lnRef>
+          <a:fillRef idx="1">
+            <a:schemeClr val="accent6"/>
+          </a:fillRef>
+          <a:effectRef idx="0">
+            <a:schemeClr val="accent6"/>
+          </a:effectRef>
+          <a:fontRef idx="minor">
+            <a:schemeClr val="lt1"/>
+          </a:fontRef>
+        </p:style>
+        <p:txBody>
+          <a:bodyPr rtlCol="0" anchor="ctr"/>
+          <a:lstStyle/>
+          <a:p>
+            <a:pPr algn="ctr"/>
+            <a:r>
+              <a:rPr lang="en-US" sz="1200" dirty="0"/>
+              <a:t>Digital Local Oscillator</a:t>
+            </a:r>
+          </a:p>
+        </p:txBody>
+      </p:sp>
+      <p:cxnSp>
+        <p:nvCxnSpPr>
+          <p:cNvPr id="32" name="Straight Arrow Connector 31">
+            <a:extLst>
+              <a:ext uri="{FF2B5EF4-FFF2-40B4-BE49-F238E27FC236}">
+                <a16:creationId xmlns:a16="http://schemas.microsoft.com/office/drawing/2014/main" id="{54734E4D-F4B3-1044-A00E-29A146CFB108}"/>
+              </a:ext>
+            </a:extLst>
+          </p:cNvPr>
+          <p:cNvCxnSpPr>
+            <a:cxnSpLocks/>
+            <a:stCxn id="31" idx="0"/>
+            <a:endCxn id="30" idx="2"/>
+          </p:cNvCxnSpPr>
+          <p:nvPr/>
+        </p:nvCxnSpPr>
+        <p:spPr>
+          <a:xfrm flipV="1">
+            <a:off x="7846359" y="4128247"/>
+            <a:ext cx="0" cy="463924"/>
+          </a:xfrm>
+          <a:prstGeom prst="straightConnector1">
+            <a:avLst/>
+          </a:prstGeom>
+          <a:ln w="28575">
+            <a:solidFill>
+              <a:schemeClr val="accent6"/>
+            </a:solidFill>
+            <a:prstDash val="solid"/>
+            <a:tailEnd type="triangle"/>
+          </a:ln>
+        </p:spPr>
+        <p:style>
+          <a:lnRef idx="1">
+            <a:schemeClr val="accent1"/>
+          </a:lnRef>
+          <a:fillRef idx="0">
+            <a:schemeClr val="accent1"/>
+          </a:fillRef>
+          <a:effectRef idx="0">
+            <a:schemeClr val="accent1"/>
+          </a:effectRef>
+          <a:fontRef idx="minor">
+            <a:schemeClr val="tx1"/>
+          </a:fontRef>
+        </p:style>
+      </p:cxnSp>
+      <p:sp>
+        <p:nvSpPr>
+          <p:cNvPr id="37" name="Rectangle 36">
+            <a:extLst>
+              <a:ext uri="{FF2B5EF4-FFF2-40B4-BE49-F238E27FC236}">
+                <a16:creationId xmlns:a16="http://schemas.microsoft.com/office/drawing/2014/main" id="{8064004F-B6C5-F941-9128-35688FF62666}"/>
+              </a:ext>
+            </a:extLst>
+          </p:cNvPr>
+          <p:cNvSpPr/>
+          <p:nvPr/>
+        </p:nvSpPr>
+        <p:spPr>
+          <a:xfrm>
+            <a:off x="8774206" y="3200400"/>
+            <a:ext cx="927847" cy="927847"/>
+          </a:xfrm>
+          <a:prstGeom prst="rect">
+            <a:avLst/>
+          </a:prstGeom>
+        </p:spPr>
+        <p:style>
+          <a:lnRef idx="2">
+            <a:schemeClr val="accent6">
+              <a:shade val="50000"/>
+            </a:schemeClr>
+          </a:lnRef>
+          <a:fillRef idx="1">
+            <a:schemeClr val="accent6"/>
+          </a:fillRef>
+          <a:effectRef idx="0">
+            <a:schemeClr val="accent6"/>
+          </a:effectRef>
+          <a:fontRef idx="minor">
+            <a:schemeClr val="lt1"/>
+          </a:fontRef>
+        </p:style>
+        <p:txBody>
+          <a:bodyPr rtlCol="0" anchor="ctr"/>
+          <a:lstStyle/>
+          <a:p>
+            <a:pPr algn="ctr"/>
+            <a:r>
+              <a:rPr lang="en-US" sz="1200" dirty="0"/>
+              <a:t>Lowpass Filter</a:t>
+            </a:r>
+          </a:p>
+        </p:txBody>
+      </p:sp>
+      <p:cxnSp>
+        <p:nvCxnSpPr>
+          <p:cNvPr id="39" name="Straight Arrow Connector 38">
+            <a:extLst>
+              <a:ext uri="{FF2B5EF4-FFF2-40B4-BE49-F238E27FC236}">
+                <a16:creationId xmlns:a16="http://schemas.microsoft.com/office/drawing/2014/main" id="{58AC6F31-27CD-D04E-B3AE-F3998ACBC4E8}"/>
+              </a:ext>
+            </a:extLst>
+          </p:cNvPr>
+          <p:cNvCxnSpPr>
+            <a:cxnSpLocks/>
+            <a:stCxn id="30" idx="3"/>
+            <a:endCxn id="37" idx="1"/>
+          </p:cNvCxnSpPr>
+          <p:nvPr/>
+        </p:nvCxnSpPr>
+        <p:spPr>
+          <a:xfrm>
+            <a:off x="8310282" y="3664324"/>
+            <a:ext cx="463924" cy="0"/>
+          </a:xfrm>
+          <a:prstGeom prst="straightConnector1">
+            <a:avLst/>
+          </a:prstGeom>
+          <a:ln w="28575">
+            <a:solidFill>
+              <a:schemeClr val="accent6"/>
+            </a:solidFill>
+            <a:prstDash val="solid"/>
+            <a:tailEnd type="triangle"/>
+          </a:ln>
+        </p:spPr>
+        <p:style>
+          <a:lnRef idx="1">
+            <a:schemeClr val="accent1"/>
+          </a:lnRef>
+          <a:fillRef idx="0">
+            <a:schemeClr val="accent1"/>
+          </a:fillRef>
+          <a:effectRef idx="0">
+            <a:schemeClr val="accent1"/>
+          </a:effectRef>
+          <a:fontRef idx="minor">
+            <a:schemeClr val="tx1"/>
+          </a:fontRef>
+        </p:style>
+      </p:cxnSp>
+      <p:cxnSp>
+        <p:nvCxnSpPr>
+          <p:cNvPr id="42" name="Straight Arrow Connector 41">
+            <a:extLst>
+              <a:ext uri="{FF2B5EF4-FFF2-40B4-BE49-F238E27FC236}">
+                <a16:creationId xmlns:a16="http://schemas.microsoft.com/office/drawing/2014/main" id="{46BA453A-E6A0-7742-BC3B-5C3347A03D4B}"/>
+              </a:ext>
+            </a:extLst>
+          </p:cNvPr>
+          <p:cNvCxnSpPr>
+            <a:cxnSpLocks/>
+          </p:cNvCxnSpPr>
+          <p:nvPr/>
+        </p:nvCxnSpPr>
+        <p:spPr>
+          <a:xfrm>
+            <a:off x="9702053" y="3664323"/>
+            <a:ext cx="463924" cy="0"/>
+          </a:xfrm>
+          <a:prstGeom prst="straightConnector1">
+            <a:avLst/>
+          </a:prstGeom>
+          <a:ln w="28575">
+            <a:solidFill>
+              <a:schemeClr val="accent6"/>
+            </a:solidFill>
+            <a:prstDash val="solid"/>
+            <a:tailEnd type="triangle"/>
+          </a:ln>
+        </p:spPr>
+        <p:style>
+          <a:lnRef idx="1">
+            <a:schemeClr val="accent1"/>
+          </a:lnRef>
+          <a:fillRef idx="0">
+            <a:schemeClr val="accent1"/>
+          </a:fillRef>
+          <a:effectRef idx="0">
+            <a:schemeClr val="accent1"/>
+          </a:effectRef>
+          <a:fontRef idx="minor">
+            <a:schemeClr val="tx1"/>
+          </a:fontRef>
+        </p:style>
+      </p:cxnSp>
+      <p:sp>
+        <p:nvSpPr>
+          <p:cNvPr id="44" name="Rectangle 43">
+            <a:extLst>
+              <a:ext uri="{FF2B5EF4-FFF2-40B4-BE49-F238E27FC236}">
+                <a16:creationId xmlns:a16="http://schemas.microsoft.com/office/drawing/2014/main" id="{D9569035-59BE-3643-A5B3-959F6D32F5E2}"/>
+              </a:ext>
+            </a:extLst>
+          </p:cNvPr>
+          <p:cNvSpPr/>
+          <p:nvPr/>
+        </p:nvSpPr>
+        <p:spPr>
+          <a:xfrm>
+            <a:off x="10165976" y="3200400"/>
+            <a:ext cx="927847" cy="927847"/>
+          </a:xfrm>
+          <a:prstGeom prst="rect">
+            <a:avLst/>
+          </a:prstGeom>
+        </p:spPr>
+        <p:style>
+          <a:lnRef idx="2">
+            <a:schemeClr val="accent6">
+              <a:shade val="50000"/>
+            </a:schemeClr>
+          </a:lnRef>
+          <a:fillRef idx="1">
+            <a:schemeClr val="accent6"/>
+          </a:fillRef>
+          <a:effectRef idx="0">
+            <a:schemeClr val="accent6"/>
+          </a:effectRef>
+          <a:fontRef idx="minor">
+            <a:schemeClr val="lt1"/>
+          </a:fontRef>
+        </p:style>
+        <p:txBody>
+          <a:bodyPr rtlCol="0" anchor="ctr"/>
+          <a:lstStyle/>
+          <a:p>
+            <a:pPr algn="ctr"/>
+            <a:r>
+              <a:rPr lang="en-US" sz="1200" dirty="0"/>
+              <a:t>Signal Processing</a:t>
+            </a:r>
+          </a:p>
+        </p:txBody>
+      </p:sp>
+      <p:cxnSp>
+        <p:nvCxnSpPr>
+          <p:cNvPr id="45" name="Straight Arrow Connector 44">
+            <a:extLst>
+              <a:ext uri="{FF2B5EF4-FFF2-40B4-BE49-F238E27FC236}">
+                <a16:creationId xmlns:a16="http://schemas.microsoft.com/office/drawing/2014/main" id="{24B282DA-F975-4D4D-986A-E477B6F1AED5}"/>
+              </a:ext>
+            </a:extLst>
+          </p:cNvPr>
+          <p:cNvCxnSpPr>
+            <a:cxnSpLocks/>
+          </p:cNvCxnSpPr>
+          <p:nvPr/>
+        </p:nvCxnSpPr>
+        <p:spPr>
+          <a:xfrm>
+            <a:off x="11093823" y="3664323"/>
+            <a:ext cx="463924" cy="0"/>
+          </a:xfrm>
+          <a:prstGeom prst="straightConnector1">
+            <a:avLst/>
+          </a:prstGeom>
+          <a:ln w="28575">
+            <a:solidFill>
+              <a:schemeClr val="accent6"/>
+            </a:solidFill>
+            <a:prstDash val="solid"/>
+            <a:tailEnd type="triangle"/>
+          </a:ln>
+        </p:spPr>
+        <p:style>
+          <a:lnRef idx="1">
+            <a:schemeClr val="accent1"/>
+          </a:lnRef>
+          <a:fillRef idx="0">
+            <a:schemeClr val="accent1"/>
+          </a:fillRef>
+          <a:effectRef idx="0">
+            <a:schemeClr val="accent1"/>
+          </a:effectRef>
+          <a:fontRef idx="minor">
+            <a:schemeClr val="tx1"/>
+          </a:fontRef>
+        </p:style>
+      </p:cxnSp>
+      <p:sp>
+        <p:nvSpPr>
+          <p:cNvPr id="19" name="Rectangle 18">
+            <a:extLst>
+              <a:ext uri="{FF2B5EF4-FFF2-40B4-BE49-F238E27FC236}">
+                <a16:creationId xmlns:a16="http://schemas.microsoft.com/office/drawing/2014/main" id="{A43502BD-0CC1-064A-B6D3-D7995621E455}"/>
+              </a:ext>
+            </a:extLst>
+          </p:cNvPr>
+          <p:cNvSpPr/>
+          <p:nvPr/>
+        </p:nvSpPr>
+        <p:spPr>
+          <a:xfrm>
+            <a:off x="7126357" y="2595283"/>
+            <a:ext cx="4651513" cy="3079960"/>
+          </a:xfrm>
+          <a:prstGeom prst="rect">
+            <a:avLst/>
+          </a:prstGeom>
+          <a:noFill/>
+          <a:ln w="28575">
+            <a:solidFill>
+              <a:schemeClr val="tx1"/>
+            </a:solidFill>
+          </a:ln>
+        </p:spPr>
+        <p:style>
+          <a:lnRef idx="2">
+            <a:schemeClr val="accent1">
+              <a:shade val="50000"/>
+            </a:schemeClr>
+          </a:lnRef>
+          <a:fillRef idx="1">
+            <a:schemeClr val="accent1"/>
+          </a:fillRef>
+          <a:effectRef idx="0">
+            <a:schemeClr val="accent1"/>
+          </a:effectRef>
+          <a:fontRef idx="minor">
+            <a:schemeClr val="lt1"/>
+          </a:fontRef>
+        </p:style>
+        <p:txBody>
+          <a:bodyPr rtlCol="0" anchor="ctr"/>
+          <a:lstStyle/>
+          <a:p>
+            <a:pPr algn="ctr"/>
             <a:endParaRPr lang="en-US"/>
+          </a:p>
+        </p:txBody>
+      </p:sp>
+      <p:sp>
+        <p:nvSpPr>
+          <p:cNvPr id="21" name="TextBox 20">
+            <a:extLst>
+              <a:ext uri="{FF2B5EF4-FFF2-40B4-BE49-F238E27FC236}">
+                <a16:creationId xmlns:a16="http://schemas.microsoft.com/office/drawing/2014/main" id="{004139C4-E6DF-EE4B-910C-7C292296CC40}"/>
+              </a:ext>
+            </a:extLst>
+          </p:cNvPr>
+          <p:cNvSpPr txBox="1"/>
+          <p:nvPr/>
+        </p:nvSpPr>
+        <p:spPr>
+          <a:xfrm>
+            <a:off x="8865704" y="5128591"/>
+            <a:ext cx="2385392" cy="369332"/>
+          </a:xfrm>
+          <a:prstGeom prst="rect">
+            <a:avLst/>
+          </a:prstGeom>
+          <a:noFill/>
+        </p:spPr>
+        <p:txBody>
+          <a:bodyPr wrap="square" rtlCol="0">
+            <a:spAutoFit/>
+          </a:bodyPr>
+          <a:lstStyle/>
+          <a:p>
+            <a:r>
+              <a:rPr lang="en-US" dirty="0"/>
+              <a:t>Implemented on FPGA</a:t>
+            </a:r>
+          </a:p>
+        </p:txBody>
+      </p:sp>
+      <p:sp>
+        <p:nvSpPr>
+          <p:cNvPr id="23" name="Title 1">
+            <a:extLst>
+              <a:ext uri="{FF2B5EF4-FFF2-40B4-BE49-F238E27FC236}">
+                <a16:creationId xmlns:a16="http://schemas.microsoft.com/office/drawing/2014/main" id="{0508626C-A380-0640-AB44-D79DA3D3F22F}"/>
+              </a:ext>
+            </a:extLst>
+          </p:cNvPr>
+          <p:cNvSpPr>
+            <a:spLocks noGrp="1"/>
+          </p:cNvSpPr>
+          <p:nvPr>
+            <p:ph type="title"/>
+          </p:nvPr>
+        </p:nvSpPr>
+        <p:spPr>
+          <a:xfrm>
+            <a:off x="2904565" y="365125"/>
+            <a:ext cx="8449056" cy="1325563"/>
+          </a:xfrm>
+        </p:spPr>
+        <p:txBody>
+          <a:bodyPr/>
+          <a:lstStyle/>
+          <a:p>
+            <a:r>
+              <a:rPr lang="en-US" dirty="0"/>
+              <a:t>Quick Review</a:t>
+            </a:r>
           </a:p>
         </p:txBody>
       </p:sp>
     </p:spTree>
     <p:extLst>
       <p:ext uri="{BB962C8B-B14F-4D97-AF65-F5344CB8AC3E}">
-        <p14:creationId xmlns:p14="http://schemas.microsoft.com/office/powerpoint/2010/main" val="507743297"/>
+        <p14:creationId xmlns:p14="http://schemas.microsoft.com/office/powerpoint/2010/main" val="2795254112"/>
       </p:ext>
     </p:extLst>
   </p:cSld>
@@ -9002,10 +11274,1240 @@
       </p:grpSpPr>
       <p:sp>
         <p:nvSpPr>
-          <p:cNvPr id="2" name="Title 1">
-            <a:extLst>
-              <a:ext uri="{FF2B5EF4-FFF2-40B4-BE49-F238E27FC236}">
-                <a16:creationId xmlns:a16="http://schemas.microsoft.com/office/drawing/2014/main" id="{19622923-9F18-4F45-AB0E-B39ED3685EB9}"/>
+          <p:cNvPr id="4" name="Rectangle 3">
+            <a:extLst>
+              <a:ext uri="{FF2B5EF4-FFF2-40B4-BE49-F238E27FC236}">
+                <a16:creationId xmlns:a16="http://schemas.microsoft.com/office/drawing/2014/main" id="{ACB24445-F9C5-BA45-AF58-26700F523785}"/>
+              </a:ext>
+            </a:extLst>
+          </p:cNvPr>
+          <p:cNvSpPr/>
+          <p:nvPr/>
+        </p:nvSpPr>
+        <p:spPr>
+          <a:xfrm>
+            <a:off x="3119718" y="3200400"/>
+            <a:ext cx="927847" cy="927847"/>
+          </a:xfrm>
+          <a:prstGeom prst="rect">
+            <a:avLst/>
+          </a:prstGeom>
+        </p:spPr>
+        <p:style>
+          <a:lnRef idx="2">
+            <a:schemeClr val="accent1">
+              <a:shade val="50000"/>
+            </a:schemeClr>
+          </a:lnRef>
+          <a:fillRef idx="1">
+            <a:schemeClr val="accent1"/>
+          </a:fillRef>
+          <a:effectRef idx="0">
+            <a:schemeClr val="accent1"/>
+          </a:effectRef>
+          <a:fontRef idx="minor">
+            <a:schemeClr val="lt1"/>
+          </a:fontRef>
+        </p:style>
+        <p:txBody>
+          <a:bodyPr rtlCol="0" anchor="ctr"/>
+          <a:lstStyle/>
+          <a:p>
+            <a:pPr algn="ctr"/>
+            <a:r>
+              <a:rPr lang="en-US" sz="1200" dirty="0"/>
+              <a:t>Power Amplifier</a:t>
+            </a:r>
+          </a:p>
+        </p:txBody>
+      </p:sp>
+      <p:cxnSp>
+        <p:nvCxnSpPr>
+          <p:cNvPr id="6" name="Straight Arrow Connector 5">
+            <a:extLst>
+              <a:ext uri="{FF2B5EF4-FFF2-40B4-BE49-F238E27FC236}">
+                <a16:creationId xmlns:a16="http://schemas.microsoft.com/office/drawing/2014/main" id="{5277AF9E-64B7-0643-BCDC-E6F896B8F842}"/>
+              </a:ext>
+            </a:extLst>
+          </p:cNvPr>
+          <p:cNvCxnSpPr>
+            <a:cxnSpLocks/>
+            <a:stCxn id="4" idx="3"/>
+            <a:endCxn id="8" idx="1"/>
+          </p:cNvCxnSpPr>
+          <p:nvPr/>
+        </p:nvCxnSpPr>
+        <p:spPr>
+          <a:xfrm>
+            <a:off x="4047565" y="3664324"/>
+            <a:ext cx="484094" cy="0"/>
+          </a:xfrm>
+          <a:prstGeom prst="straightConnector1">
+            <a:avLst/>
+          </a:prstGeom>
+          <a:ln w="28575">
+            <a:prstDash val="sysDot"/>
+            <a:tailEnd type="triangle"/>
+          </a:ln>
+        </p:spPr>
+        <p:style>
+          <a:lnRef idx="1">
+            <a:schemeClr val="accent1"/>
+          </a:lnRef>
+          <a:fillRef idx="0">
+            <a:schemeClr val="accent1"/>
+          </a:fillRef>
+          <a:effectRef idx="0">
+            <a:schemeClr val="accent1"/>
+          </a:effectRef>
+          <a:fontRef idx="minor">
+            <a:schemeClr val="tx1"/>
+          </a:fontRef>
+        </p:style>
+      </p:cxnSp>
+      <p:sp>
+        <p:nvSpPr>
+          <p:cNvPr id="8" name="Rectangle 7">
+            <a:extLst>
+              <a:ext uri="{FF2B5EF4-FFF2-40B4-BE49-F238E27FC236}">
+                <a16:creationId xmlns:a16="http://schemas.microsoft.com/office/drawing/2014/main" id="{68DEA56F-8BA4-A649-A59D-32DD87EAEBD7}"/>
+              </a:ext>
+            </a:extLst>
+          </p:cNvPr>
+          <p:cNvSpPr/>
+          <p:nvPr/>
+        </p:nvSpPr>
+        <p:spPr>
+          <a:xfrm>
+            <a:off x="4531659" y="3200400"/>
+            <a:ext cx="927847" cy="927847"/>
+          </a:xfrm>
+          <a:prstGeom prst="rect">
+            <a:avLst/>
+          </a:prstGeom>
+        </p:spPr>
+        <p:style>
+          <a:lnRef idx="2">
+            <a:schemeClr val="accent1">
+              <a:shade val="50000"/>
+            </a:schemeClr>
+          </a:lnRef>
+          <a:fillRef idx="1">
+            <a:schemeClr val="accent1"/>
+          </a:fillRef>
+          <a:effectRef idx="0">
+            <a:schemeClr val="accent1"/>
+          </a:effectRef>
+          <a:fontRef idx="minor">
+            <a:schemeClr val="lt1"/>
+          </a:fontRef>
+        </p:style>
+        <p:txBody>
+          <a:bodyPr rtlCol="0" anchor="ctr"/>
+          <a:lstStyle/>
+          <a:p>
+            <a:pPr algn="ctr"/>
+            <a:r>
+              <a:rPr lang="en-US" sz="1200" dirty="0" err="1"/>
+              <a:t>RFTuner</a:t>
+            </a:r>
+            <a:endParaRPr lang="en-US" sz="1200" dirty="0"/>
+          </a:p>
+        </p:txBody>
+      </p:sp>
+      <p:cxnSp>
+        <p:nvCxnSpPr>
+          <p:cNvPr id="10" name="Straight Arrow Connector 9">
+            <a:extLst>
+              <a:ext uri="{FF2B5EF4-FFF2-40B4-BE49-F238E27FC236}">
+                <a16:creationId xmlns:a16="http://schemas.microsoft.com/office/drawing/2014/main" id="{1919ABC3-F37E-5649-9B4C-0050B4FF5B51}"/>
+              </a:ext>
+            </a:extLst>
+          </p:cNvPr>
+          <p:cNvCxnSpPr>
+            <a:cxnSpLocks/>
+            <a:stCxn id="8" idx="3"/>
+            <a:endCxn id="18" idx="1"/>
+          </p:cNvCxnSpPr>
+          <p:nvPr/>
+        </p:nvCxnSpPr>
+        <p:spPr>
+          <a:xfrm>
+            <a:off x="5459506" y="3664324"/>
+            <a:ext cx="497541" cy="0"/>
+          </a:xfrm>
+          <a:prstGeom prst="straightConnector1">
+            <a:avLst/>
+          </a:prstGeom>
+          <a:ln w="28575">
+            <a:prstDash val="sysDot"/>
+            <a:tailEnd type="triangle"/>
+          </a:ln>
+        </p:spPr>
+        <p:style>
+          <a:lnRef idx="1">
+            <a:schemeClr val="accent1"/>
+          </a:lnRef>
+          <a:fillRef idx="0">
+            <a:schemeClr val="accent1"/>
+          </a:fillRef>
+          <a:effectRef idx="0">
+            <a:schemeClr val="accent1"/>
+          </a:effectRef>
+          <a:fontRef idx="minor">
+            <a:schemeClr val="tx1"/>
+          </a:fontRef>
+        </p:style>
+      </p:cxnSp>
+      <p:sp>
+        <p:nvSpPr>
+          <p:cNvPr id="18" name="Rectangle 17">
+            <a:extLst>
+              <a:ext uri="{FF2B5EF4-FFF2-40B4-BE49-F238E27FC236}">
+                <a16:creationId xmlns:a16="http://schemas.microsoft.com/office/drawing/2014/main" id="{9227538B-C07F-3F44-80B3-B42A32C8E8E5}"/>
+              </a:ext>
+            </a:extLst>
+          </p:cNvPr>
+          <p:cNvSpPr/>
+          <p:nvPr/>
+        </p:nvSpPr>
+        <p:spPr>
+          <a:xfrm>
+            <a:off x="5957047" y="3200400"/>
+            <a:ext cx="927847" cy="927847"/>
+          </a:xfrm>
+          <a:prstGeom prst="rect">
+            <a:avLst/>
+          </a:prstGeom>
+        </p:spPr>
+        <p:style>
+          <a:lnRef idx="2">
+            <a:schemeClr val="accent1">
+              <a:shade val="50000"/>
+            </a:schemeClr>
+          </a:lnRef>
+          <a:fillRef idx="1">
+            <a:schemeClr val="accent1"/>
+          </a:fillRef>
+          <a:effectRef idx="0">
+            <a:schemeClr val="accent1"/>
+          </a:effectRef>
+          <a:fontRef idx="minor">
+            <a:schemeClr val="lt1"/>
+          </a:fontRef>
+        </p:style>
+        <p:txBody>
+          <a:bodyPr rtlCol="0" anchor="ctr"/>
+          <a:lstStyle/>
+          <a:p>
+            <a:pPr algn="ctr"/>
+            <a:r>
+              <a:rPr lang="en-US" sz="1200" dirty="0"/>
+              <a:t>ADC</a:t>
+            </a:r>
+          </a:p>
+        </p:txBody>
+      </p:sp>
+      <p:sp>
+        <p:nvSpPr>
+          <p:cNvPr id="20" name="Rectangle 19">
+            <a:extLst>
+              <a:ext uri="{FF2B5EF4-FFF2-40B4-BE49-F238E27FC236}">
+                <a16:creationId xmlns:a16="http://schemas.microsoft.com/office/drawing/2014/main" id="{0649E6CC-FEDA-AE4A-9859-FCC5289915B7}"/>
+              </a:ext>
+            </a:extLst>
+          </p:cNvPr>
+          <p:cNvSpPr/>
+          <p:nvPr/>
+        </p:nvSpPr>
+        <p:spPr>
+          <a:xfrm>
+            <a:off x="2501154" y="2595283"/>
+            <a:ext cx="712694" cy="363071"/>
+          </a:xfrm>
+          <a:prstGeom prst="rect">
+            <a:avLst/>
+          </a:prstGeom>
+        </p:spPr>
+        <p:style>
+          <a:lnRef idx="2">
+            <a:schemeClr val="accent1">
+              <a:shade val="50000"/>
+            </a:schemeClr>
+          </a:lnRef>
+          <a:fillRef idx="1">
+            <a:schemeClr val="accent1"/>
+          </a:fillRef>
+          <a:effectRef idx="0">
+            <a:schemeClr val="accent1"/>
+          </a:effectRef>
+          <a:fontRef idx="minor">
+            <a:schemeClr val="lt1"/>
+          </a:fontRef>
+        </p:style>
+        <p:txBody>
+          <a:bodyPr rtlCol="0" anchor="ctr"/>
+          <a:lstStyle/>
+          <a:p>
+            <a:pPr algn="ctr"/>
+            <a:r>
+              <a:rPr lang="en-US" sz="1200" dirty="0"/>
+              <a:t>Antenna</a:t>
+            </a:r>
+          </a:p>
+        </p:txBody>
+      </p:sp>
+      <p:cxnSp>
+        <p:nvCxnSpPr>
+          <p:cNvPr id="22" name="Elbow Connector 21">
+            <a:extLst>
+              <a:ext uri="{FF2B5EF4-FFF2-40B4-BE49-F238E27FC236}">
+                <a16:creationId xmlns:a16="http://schemas.microsoft.com/office/drawing/2014/main" id="{3FD262AD-9476-9E4F-A5D0-0070D31DEDA0}"/>
+              </a:ext>
+            </a:extLst>
+          </p:cNvPr>
+          <p:cNvCxnSpPr>
+            <a:stCxn id="20" idx="2"/>
+            <a:endCxn id="4" idx="1"/>
+          </p:cNvCxnSpPr>
+          <p:nvPr/>
+        </p:nvCxnSpPr>
+        <p:spPr>
+          <a:xfrm rot="16200000" flipH="1">
+            <a:off x="2635624" y="3180230"/>
+            <a:ext cx="705970" cy="262217"/>
+          </a:xfrm>
+          <a:prstGeom prst="bentConnector2">
+            <a:avLst/>
+          </a:prstGeom>
+          <a:ln w="28575">
+            <a:prstDash val="sysDot"/>
+            <a:tailEnd type="triangle"/>
+          </a:ln>
+        </p:spPr>
+        <p:style>
+          <a:lnRef idx="1">
+            <a:schemeClr val="accent1"/>
+          </a:lnRef>
+          <a:fillRef idx="0">
+            <a:schemeClr val="accent1"/>
+          </a:fillRef>
+          <a:effectRef idx="0">
+            <a:schemeClr val="accent1"/>
+          </a:effectRef>
+          <a:fontRef idx="minor">
+            <a:schemeClr val="tx1"/>
+          </a:fontRef>
+        </p:style>
+      </p:cxnSp>
+      <p:cxnSp>
+        <p:nvCxnSpPr>
+          <p:cNvPr id="29" name="Straight Arrow Connector 28">
+            <a:extLst>
+              <a:ext uri="{FF2B5EF4-FFF2-40B4-BE49-F238E27FC236}">
+                <a16:creationId xmlns:a16="http://schemas.microsoft.com/office/drawing/2014/main" id="{18DA1C04-0266-DA4B-949F-539350E9F0D2}"/>
+              </a:ext>
+            </a:extLst>
+          </p:cNvPr>
+          <p:cNvCxnSpPr>
+            <a:cxnSpLocks/>
+            <a:endCxn id="30" idx="1"/>
+          </p:cNvCxnSpPr>
+          <p:nvPr/>
+        </p:nvCxnSpPr>
+        <p:spPr>
+          <a:xfrm>
+            <a:off x="6884894" y="3664324"/>
+            <a:ext cx="497541" cy="0"/>
+          </a:xfrm>
+          <a:prstGeom prst="straightConnector1">
+            <a:avLst/>
+          </a:prstGeom>
+          <a:ln w="28575">
+            <a:solidFill>
+              <a:schemeClr val="accent6"/>
+            </a:solidFill>
+            <a:prstDash val="solid"/>
+            <a:tailEnd type="triangle"/>
+          </a:ln>
+        </p:spPr>
+        <p:style>
+          <a:lnRef idx="1">
+            <a:schemeClr val="accent1"/>
+          </a:lnRef>
+          <a:fillRef idx="0">
+            <a:schemeClr val="accent1"/>
+          </a:fillRef>
+          <a:effectRef idx="0">
+            <a:schemeClr val="accent1"/>
+          </a:effectRef>
+          <a:fontRef idx="minor">
+            <a:schemeClr val="tx1"/>
+          </a:fontRef>
+        </p:style>
+      </p:cxnSp>
+      <p:sp>
+        <p:nvSpPr>
+          <p:cNvPr id="30" name="Rectangle 29">
+            <a:extLst>
+              <a:ext uri="{FF2B5EF4-FFF2-40B4-BE49-F238E27FC236}">
+                <a16:creationId xmlns:a16="http://schemas.microsoft.com/office/drawing/2014/main" id="{95A5DEF0-B77A-A943-91D6-D098C796BACB}"/>
+              </a:ext>
+            </a:extLst>
+          </p:cNvPr>
+          <p:cNvSpPr/>
+          <p:nvPr/>
+        </p:nvSpPr>
+        <p:spPr>
+          <a:xfrm>
+            <a:off x="7382435" y="3200400"/>
+            <a:ext cx="927847" cy="927847"/>
+          </a:xfrm>
+          <a:prstGeom prst="rect">
+            <a:avLst/>
+          </a:prstGeom>
+        </p:spPr>
+        <p:style>
+          <a:lnRef idx="2">
+            <a:schemeClr val="accent6">
+              <a:shade val="50000"/>
+            </a:schemeClr>
+          </a:lnRef>
+          <a:fillRef idx="1">
+            <a:schemeClr val="accent6"/>
+          </a:fillRef>
+          <a:effectRef idx="0">
+            <a:schemeClr val="accent6"/>
+          </a:effectRef>
+          <a:fontRef idx="minor">
+            <a:schemeClr val="lt1"/>
+          </a:fontRef>
+        </p:style>
+        <p:txBody>
+          <a:bodyPr rtlCol="0" anchor="ctr"/>
+          <a:lstStyle/>
+          <a:p>
+            <a:pPr algn="ctr"/>
+            <a:r>
+              <a:rPr lang="en-US" sz="1200" dirty="0"/>
+              <a:t>Digital Mixer</a:t>
+            </a:r>
+          </a:p>
+        </p:txBody>
+      </p:sp>
+      <p:sp>
+        <p:nvSpPr>
+          <p:cNvPr id="31" name="Rectangle 30">
+            <a:extLst>
+              <a:ext uri="{FF2B5EF4-FFF2-40B4-BE49-F238E27FC236}">
+                <a16:creationId xmlns:a16="http://schemas.microsoft.com/office/drawing/2014/main" id="{DF829BC7-6C51-B74E-9BB1-E6E80F3D908E}"/>
+              </a:ext>
+            </a:extLst>
+          </p:cNvPr>
+          <p:cNvSpPr/>
+          <p:nvPr/>
+        </p:nvSpPr>
+        <p:spPr>
+          <a:xfrm>
+            <a:off x="7382435" y="4592171"/>
+            <a:ext cx="927847" cy="927847"/>
+          </a:xfrm>
+          <a:prstGeom prst="rect">
+            <a:avLst/>
+          </a:prstGeom>
+        </p:spPr>
+        <p:style>
+          <a:lnRef idx="2">
+            <a:schemeClr val="accent6">
+              <a:shade val="50000"/>
+            </a:schemeClr>
+          </a:lnRef>
+          <a:fillRef idx="1">
+            <a:schemeClr val="accent6"/>
+          </a:fillRef>
+          <a:effectRef idx="0">
+            <a:schemeClr val="accent6"/>
+          </a:effectRef>
+          <a:fontRef idx="minor">
+            <a:schemeClr val="lt1"/>
+          </a:fontRef>
+        </p:style>
+        <p:txBody>
+          <a:bodyPr rtlCol="0" anchor="ctr"/>
+          <a:lstStyle/>
+          <a:p>
+            <a:pPr algn="ctr"/>
+            <a:r>
+              <a:rPr lang="en-US" sz="1200" dirty="0"/>
+              <a:t>Digital Local Oscillator</a:t>
+            </a:r>
+          </a:p>
+        </p:txBody>
+      </p:sp>
+      <p:cxnSp>
+        <p:nvCxnSpPr>
+          <p:cNvPr id="32" name="Straight Arrow Connector 31">
+            <a:extLst>
+              <a:ext uri="{FF2B5EF4-FFF2-40B4-BE49-F238E27FC236}">
+                <a16:creationId xmlns:a16="http://schemas.microsoft.com/office/drawing/2014/main" id="{54734E4D-F4B3-1044-A00E-29A146CFB108}"/>
+              </a:ext>
+            </a:extLst>
+          </p:cNvPr>
+          <p:cNvCxnSpPr>
+            <a:cxnSpLocks/>
+            <a:stCxn id="31" idx="0"/>
+            <a:endCxn id="30" idx="2"/>
+          </p:cNvCxnSpPr>
+          <p:nvPr/>
+        </p:nvCxnSpPr>
+        <p:spPr>
+          <a:xfrm flipV="1">
+            <a:off x="7846359" y="4128247"/>
+            <a:ext cx="0" cy="463924"/>
+          </a:xfrm>
+          <a:prstGeom prst="straightConnector1">
+            <a:avLst/>
+          </a:prstGeom>
+          <a:ln w="28575">
+            <a:solidFill>
+              <a:schemeClr val="accent6"/>
+            </a:solidFill>
+            <a:prstDash val="solid"/>
+            <a:tailEnd type="triangle"/>
+          </a:ln>
+        </p:spPr>
+        <p:style>
+          <a:lnRef idx="1">
+            <a:schemeClr val="accent1"/>
+          </a:lnRef>
+          <a:fillRef idx="0">
+            <a:schemeClr val="accent1"/>
+          </a:fillRef>
+          <a:effectRef idx="0">
+            <a:schemeClr val="accent1"/>
+          </a:effectRef>
+          <a:fontRef idx="minor">
+            <a:schemeClr val="tx1"/>
+          </a:fontRef>
+        </p:style>
+      </p:cxnSp>
+      <p:sp>
+        <p:nvSpPr>
+          <p:cNvPr id="37" name="Rectangle 36">
+            <a:extLst>
+              <a:ext uri="{FF2B5EF4-FFF2-40B4-BE49-F238E27FC236}">
+                <a16:creationId xmlns:a16="http://schemas.microsoft.com/office/drawing/2014/main" id="{8064004F-B6C5-F941-9128-35688FF62666}"/>
+              </a:ext>
+            </a:extLst>
+          </p:cNvPr>
+          <p:cNvSpPr/>
+          <p:nvPr/>
+        </p:nvSpPr>
+        <p:spPr>
+          <a:xfrm>
+            <a:off x="8774206" y="3200400"/>
+            <a:ext cx="927847" cy="927847"/>
+          </a:xfrm>
+          <a:prstGeom prst="rect">
+            <a:avLst/>
+          </a:prstGeom>
+        </p:spPr>
+        <p:style>
+          <a:lnRef idx="2">
+            <a:schemeClr val="accent6">
+              <a:shade val="50000"/>
+            </a:schemeClr>
+          </a:lnRef>
+          <a:fillRef idx="1">
+            <a:schemeClr val="accent6"/>
+          </a:fillRef>
+          <a:effectRef idx="0">
+            <a:schemeClr val="accent6"/>
+          </a:effectRef>
+          <a:fontRef idx="minor">
+            <a:schemeClr val="lt1"/>
+          </a:fontRef>
+        </p:style>
+        <p:txBody>
+          <a:bodyPr rtlCol="0" anchor="ctr"/>
+          <a:lstStyle/>
+          <a:p>
+            <a:pPr algn="ctr"/>
+            <a:r>
+              <a:rPr lang="en-US" sz="1200" dirty="0"/>
+              <a:t>Lowpass Filter</a:t>
+            </a:r>
+          </a:p>
+        </p:txBody>
+      </p:sp>
+      <p:cxnSp>
+        <p:nvCxnSpPr>
+          <p:cNvPr id="39" name="Straight Arrow Connector 38">
+            <a:extLst>
+              <a:ext uri="{FF2B5EF4-FFF2-40B4-BE49-F238E27FC236}">
+                <a16:creationId xmlns:a16="http://schemas.microsoft.com/office/drawing/2014/main" id="{58AC6F31-27CD-D04E-B3AE-F3998ACBC4E8}"/>
+              </a:ext>
+            </a:extLst>
+          </p:cNvPr>
+          <p:cNvCxnSpPr>
+            <a:cxnSpLocks/>
+            <a:stCxn id="30" idx="3"/>
+            <a:endCxn id="37" idx="1"/>
+          </p:cNvCxnSpPr>
+          <p:nvPr/>
+        </p:nvCxnSpPr>
+        <p:spPr>
+          <a:xfrm>
+            <a:off x="8310282" y="3664324"/>
+            <a:ext cx="463924" cy="0"/>
+          </a:xfrm>
+          <a:prstGeom prst="straightConnector1">
+            <a:avLst/>
+          </a:prstGeom>
+          <a:ln w="28575">
+            <a:solidFill>
+              <a:schemeClr val="accent6"/>
+            </a:solidFill>
+            <a:prstDash val="solid"/>
+            <a:tailEnd type="triangle"/>
+          </a:ln>
+        </p:spPr>
+        <p:style>
+          <a:lnRef idx="1">
+            <a:schemeClr val="accent1"/>
+          </a:lnRef>
+          <a:fillRef idx="0">
+            <a:schemeClr val="accent1"/>
+          </a:fillRef>
+          <a:effectRef idx="0">
+            <a:schemeClr val="accent1"/>
+          </a:effectRef>
+          <a:fontRef idx="minor">
+            <a:schemeClr val="tx1"/>
+          </a:fontRef>
+        </p:style>
+      </p:cxnSp>
+      <p:cxnSp>
+        <p:nvCxnSpPr>
+          <p:cNvPr id="42" name="Straight Arrow Connector 41">
+            <a:extLst>
+              <a:ext uri="{FF2B5EF4-FFF2-40B4-BE49-F238E27FC236}">
+                <a16:creationId xmlns:a16="http://schemas.microsoft.com/office/drawing/2014/main" id="{46BA453A-E6A0-7742-BC3B-5C3347A03D4B}"/>
+              </a:ext>
+            </a:extLst>
+          </p:cNvPr>
+          <p:cNvCxnSpPr>
+            <a:cxnSpLocks/>
+          </p:cNvCxnSpPr>
+          <p:nvPr/>
+        </p:nvCxnSpPr>
+        <p:spPr>
+          <a:xfrm>
+            <a:off x="9702053" y="3664323"/>
+            <a:ext cx="463924" cy="0"/>
+          </a:xfrm>
+          <a:prstGeom prst="straightConnector1">
+            <a:avLst/>
+          </a:prstGeom>
+          <a:ln w="28575">
+            <a:solidFill>
+              <a:schemeClr val="accent6"/>
+            </a:solidFill>
+            <a:prstDash val="solid"/>
+            <a:tailEnd type="triangle"/>
+          </a:ln>
+        </p:spPr>
+        <p:style>
+          <a:lnRef idx="1">
+            <a:schemeClr val="accent1"/>
+          </a:lnRef>
+          <a:fillRef idx="0">
+            <a:schemeClr val="accent1"/>
+          </a:fillRef>
+          <a:effectRef idx="0">
+            <a:schemeClr val="accent1"/>
+          </a:effectRef>
+          <a:fontRef idx="minor">
+            <a:schemeClr val="tx1"/>
+          </a:fontRef>
+        </p:style>
+      </p:cxnSp>
+      <p:sp>
+        <p:nvSpPr>
+          <p:cNvPr id="44" name="Rectangle 43">
+            <a:extLst>
+              <a:ext uri="{FF2B5EF4-FFF2-40B4-BE49-F238E27FC236}">
+                <a16:creationId xmlns:a16="http://schemas.microsoft.com/office/drawing/2014/main" id="{D9569035-59BE-3643-A5B3-959F6D32F5E2}"/>
+              </a:ext>
+            </a:extLst>
+          </p:cNvPr>
+          <p:cNvSpPr/>
+          <p:nvPr/>
+        </p:nvSpPr>
+        <p:spPr>
+          <a:xfrm>
+            <a:off x="10165976" y="3200400"/>
+            <a:ext cx="927847" cy="927847"/>
+          </a:xfrm>
+          <a:prstGeom prst="rect">
+            <a:avLst/>
+          </a:prstGeom>
+        </p:spPr>
+        <p:style>
+          <a:lnRef idx="2">
+            <a:schemeClr val="accent6">
+              <a:shade val="50000"/>
+            </a:schemeClr>
+          </a:lnRef>
+          <a:fillRef idx="1">
+            <a:schemeClr val="accent6"/>
+          </a:fillRef>
+          <a:effectRef idx="0">
+            <a:schemeClr val="accent6"/>
+          </a:effectRef>
+          <a:fontRef idx="minor">
+            <a:schemeClr val="lt1"/>
+          </a:fontRef>
+        </p:style>
+        <p:txBody>
+          <a:bodyPr rtlCol="0" anchor="ctr"/>
+          <a:lstStyle/>
+          <a:p>
+            <a:pPr algn="ctr"/>
+            <a:r>
+              <a:rPr lang="en-US" sz="1200" dirty="0"/>
+              <a:t>Signal Processing</a:t>
+            </a:r>
+          </a:p>
+        </p:txBody>
+      </p:sp>
+      <p:cxnSp>
+        <p:nvCxnSpPr>
+          <p:cNvPr id="45" name="Straight Arrow Connector 44">
+            <a:extLst>
+              <a:ext uri="{FF2B5EF4-FFF2-40B4-BE49-F238E27FC236}">
+                <a16:creationId xmlns:a16="http://schemas.microsoft.com/office/drawing/2014/main" id="{24B282DA-F975-4D4D-986A-E477B6F1AED5}"/>
+              </a:ext>
+            </a:extLst>
+          </p:cNvPr>
+          <p:cNvCxnSpPr>
+            <a:cxnSpLocks/>
+          </p:cNvCxnSpPr>
+          <p:nvPr/>
+        </p:nvCxnSpPr>
+        <p:spPr>
+          <a:xfrm>
+            <a:off x="11093823" y="3664323"/>
+            <a:ext cx="463924" cy="0"/>
+          </a:xfrm>
+          <a:prstGeom prst="straightConnector1">
+            <a:avLst/>
+          </a:prstGeom>
+          <a:ln w="28575">
+            <a:solidFill>
+              <a:schemeClr val="accent6"/>
+            </a:solidFill>
+            <a:prstDash val="solid"/>
+            <a:tailEnd type="triangle"/>
+          </a:ln>
+        </p:spPr>
+        <p:style>
+          <a:lnRef idx="1">
+            <a:schemeClr val="accent1"/>
+          </a:lnRef>
+          <a:fillRef idx="0">
+            <a:schemeClr val="accent1"/>
+          </a:fillRef>
+          <a:effectRef idx="0">
+            <a:schemeClr val="accent1"/>
+          </a:effectRef>
+          <a:fontRef idx="minor">
+            <a:schemeClr val="tx1"/>
+          </a:fontRef>
+        </p:style>
+      </p:cxnSp>
+      <p:sp>
+        <p:nvSpPr>
+          <p:cNvPr id="23" name="Rectangle 22">
+            <a:extLst>
+              <a:ext uri="{FF2B5EF4-FFF2-40B4-BE49-F238E27FC236}">
+                <a16:creationId xmlns:a16="http://schemas.microsoft.com/office/drawing/2014/main" id="{6FFA9B3F-0AB6-1A4C-9AE9-C1182B671529}"/>
+              </a:ext>
+            </a:extLst>
+          </p:cNvPr>
+          <p:cNvSpPr/>
+          <p:nvPr/>
+        </p:nvSpPr>
+        <p:spPr>
+          <a:xfrm>
+            <a:off x="8774206" y="1848971"/>
+            <a:ext cx="927847" cy="927847"/>
+          </a:xfrm>
+          <a:prstGeom prst="rect">
+            <a:avLst/>
+          </a:prstGeom>
+        </p:spPr>
+        <p:style>
+          <a:lnRef idx="2">
+            <a:schemeClr val="accent2">
+              <a:shade val="50000"/>
+            </a:schemeClr>
+          </a:lnRef>
+          <a:fillRef idx="1">
+            <a:schemeClr val="accent2"/>
+          </a:fillRef>
+          <a:effectRef idx="0">
+            <a:schemeClr val="accent2"/>
+          </a:effectRef>
+          <a:fontRef idx="minor">
+            <a:schemeClr val="lt1"/>
+          </a:fontRef>
+        </p:style>
+        <p:txBody>
+          <a:bodyPr rtlCol="0" anchor="ctr"/>
+          <a:lstStyle/>
+          <a:p>
+            <a:pPr algn="ctr"/>
+            <a:r>
+              <a:rPr lang="en-US" sz="1200" dirty="0"/>
+              <a:t>Observer</a:t>
+            </a:r>
+          </a:p>
+          <a:p>
+            <a:pPr algn="ctr"/>
+            <a:r>
+              <a:rPr lang="en-US" sz="1200" dirty="0"/>
+              <a:t>Neural Network</a:t>
+            </a:r>
+          </a:p>
+        </p:txBody>
+      </p:sp>
+      <p:cxnSp>
+        <p:nvCxnSpPr>
+          <p:cNvPr id="11" name="Elbow Connector 10">
+            <a:extLst>
+              <a:ext uri="{FF2B5EF4-FFF2-40B4-BE49-F238E27FC236}">
+                <a16:creationId xmlns:a16="http://schemas.microsoft.com/office/drawing/2014/main" id="{8769B913-326B-044C-BA97-E9582AB9D172}"/>
+              </a:ext>
+            </a:extLst>
+          </p:cNvPr>
+          <p:cNvCxnSpPr>
+            <a:cxnSpLocks/>
+            <a:stCxn id="30" idx="3"/>
+            <a:endCxn id="23" idx="1"/>
+          </p:cNvCxnSpPr>
+          <p:nvPr/>
+        </p:nvCxnSpPr>
+        <p:spPr>
+          <a:xfrm flipV="1">
+            <a:off x="8310282" y="2312895"/>
+            <a:ext cx="463924" cy="1351429"/>
+          </a:xfrm>
+          <a:prstGeom prst="bentConnector3">
+            <a:avLst>
+              <a:gd name="adj1" fmla="val 50000"/>
+            </a:avLst>
+          </a:prstGeom>
+          <a:ln w="28575">
+            <a:solidFill>
+              <a:schemeClr val="accent2"/>
+            </a:solidFill>
+            <a:tailEnd type="triangle"/>
+          </a:ln>
+        </p:spPr>
+        <p:style>
+          <a:lnRef idx="1">
+            <a:schemeClr val="accent1"/>
+          </a:lnRef>
+          <a:fillRef idx="0">
+            <a:schemeClr val="accent1"/>
+          </a:fillRef>
+          <a:effectRef idx="0">
+            <a:schemeClr val="accent1"/>
+          </a:effectRef>
+          <a:fontRef idx="minor">
+            <a:schemeClr val="tx1"/>
+          </a:fontRef>
+        </p:style>
+      </p:cxnSp>
+      <p:sp>
+        <p:nvSpPr>
+          <p:cNvPr id="21" name="Rectangle 20">
+            <a:extLst>
+              <a:ext uri="{FF2B5EF4-FFF2-40B4-BE49-F238E27FC236}">
+                <a16:creationId xmlns:a16="http://schemas.microsoft.com/office/drawing/2014/main" id="{779E8E92-42F7-B946-A0E2-5279605456AA}"/>
+              </a:ext>
+            </a:extLst>
+          </p:cNvPr>
+          <p:cNvSpPr/>
+          <p:nvPr/>
+        </p:nvSpPr>
+        <p:spPr>
+          <a:xfrm>
+            <a:off x="7126357" y="1391478"/>
+            <a:ext cx="4651513" cy="4283765"/>
+          </a:xfrm>
+          <a:prstGeom prst="rect">
+            <a:avLst/>
+          </a:prstGeom>
+          <a:noFill/>
+          <a:ln w="28575">
+            <a:solidFill>
+              <a:schemeClr val="tx1"/>
+            </a:solidFill>
+          </a:ln>
+        </p:spPr>
+        <p:style>
+          <a:lnRef idx="2">
+            <a:schemeClr val="accent1">
+              <a:shade val="50000"/>
+            </a:schemeClr>
+          </a:lnRef>
+          <a:fillRef idx="1">
+            <a:schemeClr val="accent1"/>
+          </a:fillRef>
+          <a:effectRef idx="0">
+            <a:schemeClr val="accent1"/>
+          </a:effectRef>
+          <a:fontRef idx="minor">
+            <a:schemeClr val="lt1"/>
+          </a:fontRef>
+        </p:style>
+        <p:txBody>
+          <a:bodyPr rtlCol="0" anchor="ctr"/>
+          <a:lstStyle/>
+          <a:p>
+            <a:pPr algn="ctr"/>
+            <a:endParaRPr lang="en-US"/>
+          </a:p>
+        </p:txBody>
+      </p:sp>
+      <p:sp>
+        <p:nvSpPr>
+          <p:cNvPr id="24" name="TextBox 23">
+            <a:extLst>
+              <a:ext uri="{FF2B5EF4-FFF2-40B4-BE49-F238E27FC236}">
+                <a16:creationId xmlns:a16="http://schemas.microsoft.com/office/drawing/2014/main" id="{B801C4D0-EE5B-0943-A77A-7D0872293699}"/>
+              </a:ext>
+            </a:extLst>
+          </p:cNvPr>
+          <p:cNvSpPr txBox="1"/>
+          <p:nvPr/>
+        </p:nvSpPr>
+        <p:spPr>
+          <a:xfrm>
+            <a:off x="9392478" y="5335352"/>
+            <a:ext cx="2385392" cy="369332"/>
+          </a:xfrm>
+          <a:prstGeom prst="rect">
+            <a:avLst/>
+          </a:prstGeom>
+          <a:noFill/>
+        </p:spPr>
+        <p:txBody>
+          <a:bodyPr wrap="square" rtlCol="0">
+            <a:spAutoFit/>
+          </a:bodyPr>
+          <a:lstStyle/>
+          <a:p>
+            <a:r>
+              <a:rPr lang="en-US" dirty="0"/>
+              <a:t>Implemented on FPGA</a:t>
+            </a:r>
+          </a:p>
+        </p:txBody>
+      </p:sp>
+      <p:cxnSp>
+        <p:nvCxnSpPr>
+          <p:cNvPr id="3" name="Straight Arrow Connector 2">
+            <a:extLst>
+              <a:ext uri="{FF2B5EF4-FFF2-40B4-BE49-F238E27FC236}">
+                <a16:creationId xmlns:a16="http://schemas.microsoft.com/office/drawing/2014/main" id="{56D45116-923C-FE41-99E9-F0984534DEF4}"/>
+              </a:ext>
+            </a:extLst>
+          </p:cNvPr>
+          <p:cNvCxnSpPr>
+            <a:cxnSpLocks/>
+            <a:stCxn id="23" idx="3"/>
+          </p:cNvCxnSpPr>
+          <p:nvPr/>
+        </p:nvCxnSpPr>
+        <p:spPr>
+          <a:xfrm>
+            <a:off x="9702053" y="2312895"/>
+            <a:ext cx="167504" cy="0"/>
+          </a:xfrm>
+          <a:prstGeom prst="straightConnector1">
+            <a:avLst/>
+          </a:prstGeom>
+          <a:ln>
+            <a:tailEnd type="triangle"/>
+          </a:ln>
+        </p:spPr>
+        <p:style>
+          <a:lnRef idx="1">
+            <a:schemeClr val="accent1"/>
+          </a:lnRef>
+          <a:fillRef idx="0">
+            <a:schemeClr val="accent1"/>
+          </a:fillRef>
+          <a:effectRef idx="0">
+            <a:schemeClr val="accent1"/>
+          </a:effectRef>
+          <a:fontRef idx="minor">
+            <a:schemeClr val="tx1"/>
+          </a:fontRef>
+        </p:style>
+      </p:cxnSp>
+      <p:sp>
+        <p:nvSpPr>
+          <p:cNvPr id="5" name="Oval 4">
+            <a:extLst>
+              <a:ext uri="{FF2B5EF4-FFF2-40B4-BE49-F238E27FC236}">
+                <a16:creationId xmlns:a16="http://schemas.microsoft.com/office/drawing/2014/main" id="{D7B07B6F-5901-8B4F-AA9A-C252C1F1CFA0}"/>
+              </a:ext>
+            </a:extLst>
+          </p:cNvPr>
+          <p:cNvSpPr/>
+          <p:nvPr/>
+        </p:nvSpPr>
+        <p:spPr>
+          <a:xfrm>
+            <a:off x="9869557" y="2148272"/>
+            <a:ext cx="357808" cy="347870"/>
+          </a:xfrm>
+          <a:prstGeom prst="ellipse">
+            <a:avLst/>
+          </a:prstGeom>
+          <a:noFill/>
+        </p:spPr>
+        <p:style>
+          <a:lnRef idx="2">
+            <a:schemeClr val="accent1">
+              <a:shade val="50000"/>
+            </a:schemeClr>
+          </a:lnRef>
+          <a:fillRef idx="1">
+            <a:schemeClr val="accent1"/>
+          </a:fillRef>
+          <a:effectRef idx="0">
+            <a:schemeClr val="accent1"/>
+          </a:effectRef>
+          <a:fontRef idx="minor">
+            <a:schemeClr val="lt1"/>
+          </a:fontRef>
+        </p:style>
+        <p:txBody>
+          <a:bodyPr rtlCol="0" anchor="ctr"/>
+          <a:lstStyle/>
+          <a:p>
+            <a:pPr algn="ctr"/>
+            <a:endParaRPr lang="en-US"/>
+          </a:p>
+        </p:txBody>
+      </p:sp>
+      <p:cxnSp>
+        <p:nvCxnSpPr>
+          <p:cNvPr id="9" name="Straight Arrow Connector 8">
+            <a:extLst>
+              <a:ext uri="{FF2B5EF4-FFF2-40B4-BE49-F238E27FC236}">
+                <a16:creationId xmlns:a16="http://schemas.microsoft.com/office/drawing/2014/main" id="{082D59DE-79DA-B14D-A179-A22937DADBF2}"/>
+              </a:ext>
+            </a:extLst>
+          </p:cNvPr>
+          <p:cNvCxnSpPr/>
+          <p:nvPr/>
+        </p:nvCxnSpPr>
+        <p:spPr>
+          <a:xfrm flipV="1">
+            <a:off x="10048461" y="2514600"/>
+            <a:ext cx="0" cy="1149723"/>
+          </a:xfrm>
+          <a:prstGeom prst="straightConnector1">
+            <a:avLst/>
+          </a:prstGeom>
+          <a:ln>
+            <a:tailEnd type="triangle"/>
+          </a:ln>
+        </p:spPr>
+        <p:style>
+          <a:lnRef idx="1">
+            <a:schemeClr val="accent1"/>
+          </a:lnRef>
+          <a:fillRef idx="0">
+            <a:schemeClr val="accent1"/>
+          </a:fillRef>
+          <a:effectRef idx="0">
+            <a:schemeClr val="accent1"/>
+          </a:effectRef>
+          <a:fontRef idx="minor">
+            <a:schemeClr val="tx1"/>
+          </a:fontRef>
+        </p:style>
+      </p:cxnSp>
+      <p:cxnSp>
+        <p:nvCxnSpPr>
+          <p:cNvPr id="14" name="Straight Connector 13">
+            <a:extLst>
+              <a:ext uri="{FF2B5EF4-FFF2-40B4-BE49-F238E27FC236}">
+                <a16:creationId xmlns:a16="http://schemas.microsoft.com/office/drawing/2014/main" id="{55BCFC29-BEDB-B843-95D2-9D401841F896}"/>
+              </a:ext>
+            </a:extLst>
+          </p:cNvPr>
+          <p:cNvCxnSpPr>
+            <a:stCxn id="5" idx="1"/>
+            <a:endCxn id="5" idx="5"/>
+          </p:cNvCxnSpPr>
+          <p:nvPr/>
+        </p:nvCxnSpPr>
+        <p:spPr>
+          <a:xfrm>
+            <a:off x="9921957" y="2199216"/>
+            <a:ext cx="253008" cy="245982"/>
+          </a:xfrm>
+          <a:prstGeom prst="line">
+            <a:avLst/>
+          </a:prstGeom>
+        </p:spPr>
+        <p:style>
+          <a:lnRef idx="1">
+            <a:schemeClr val="accent1"/>
+          </a:lnRef>
+          <a:fillRef idx="0">
+            <a:schemeClr val="accent1"/>
+          </a:fillRef>
+          <a:effectRef idx="0">
+            <a:schemeClr val="accent1"/>
+          </a:effectRef>
+          <a:fontRef idx="minor">
+            <a:schemeClr val="tx1"/>
+          </a:fontRef>
+        </p:style>
+      </p:cxnSp>
+      <p:cxnSp>
+        <p:nvCxnSpPr>
+          <p:cNvPr id="16" name="Straight Connector 15">
+            <a:extLst>
+              <a:ext uri="{FF2B5EF4-FFF2-40B4-BE49-F238E27FC236}">
+                <a16:creationId xmlns:a16="http://schemas.microsoft.com/office/drawing/2014/main" id="{A07F619F-1451-934C-AD6C-B3E51871332E}"/>
+              </a:ext>
+            </a:extLst>
+          </p:cNvPr>
+          <p:cNvCxnSpPr>
+            <a:stCxn id="5" idx="7"/>
+            <a:endCxn id="5" idx="3"/>
+          </p:cNvCxnSpPr>
+          <p:nvPr/>
+        </p:nvCxnSpPr>
+        <p:spPr>
+          <a:xfrm flipH="1">
+            <a:off x="9921957" y="2199216"/>
+            <a:ext cx="253008" cy="245982"/>
+          </a:xfrm>
+          <a:prstGeom prst="line">
+            <a:avLst/>
+          </a:prstGeom>
+        </p:spPr>
+        <p:style>
+          <a:lnRef idx="1">
+            <a:schemeClr val="accent1"/>
+          </a:lnRef>
+          <a:fillRef idx="0">
+            <a:schemeClr val="accent1"/>
+          </a:fillRef>
+          <a:effectRef idx="0">
+            <a:schemeClr val="accent1"/>
+          </a:effectRef>
+          <a:fontRef idx="minor">
+            <a:schemeClr val="tx1"/>
+          </a:fontRef>
+        </p:style>
+      </p:cxnSp>
+      <p:sp>
+        <p:nvSpPr>
+          <p:cNvPr id="28" name="TextBox 27">
+            <a:extLst>
+              <a:ext uri="{FF2B5EF4-FFF2-40B4-BE49-F238E27FC236}">
+                <a16:creationId xmlns:a16="http://schemas.microsoft.com/office/drawing/2014/main" id="{83E835AA-849D-4E46-8BA6-BD108CC47079}"/>
+              </a:ext>
+            </a:extLst>
+          </p:cNvPr>
+          <p:cNvSpPr txBox="1"/>
+          <p:nvPr/>
+        </p:nvSpPr>
+        <p:spPr>
+          <a:xfrm>
+            <a:off x="7382435" y="1694645"/>
+            <a:ext cx="1013791" cy="369332"/>
+          </a:xfrm>
+          <a:prstGeom prst="rect">
+            <a:avLst/>
+          </a:prstGeom>
+          <a:noFill/>
+        </p:spPr>
+        <p:txBody>
+          <a:bodyPr wrap="square" rtlCol="0">
+            <a:spAutoFit/>
+          </a:bodyPr>
+          <a:lstStyle/>
+          <a:p>
+            <a:r>
+              <a:rPr lang="en-US" dirty="0"/>
+              <a:t>Training</a:t>
+            </a:r>
+          </a:p>
+        </p:txBody>
+      </p:sp>
+      <p:cxnSp>
+        <p:nvCxnSpPr>
+          <p:cNvPr id="7" name="Elbow Connector 6">
+            <a:extLst>
+              <a:ext uri="{FF2B5EF4-FFF2-40B4-BE49-F238E27FC236}">
+                <a16:creationId xmlns:a16="http://schemas.microsoft.com/office/drawing/2014/main" id="{C4A3A104-818C-E244-80C2-FAE53DAFE8EB}"/>
+              </a:ext>
+            </a:extLst>
+          </p:cNvPr>
+          <p:cNvCxnSpPr>
+            <a:stCxn id="5" idx="0"/>
+          </p:cNvCxnSpPr>
+          <p:nvPr/>
+        </p:nvCxnSpPr>
+        <p:spPr>
+          <a:xfrm rot="16200000" flipV="1">
+            <a:off x="9385463" y="1485273"/>
+            <a:ext cx="12700" cy="1325997"/>
+          </a:xfrm>
+          <a:prstGeom prst="bentConnector4">
+            <a:avLst>
+              <a:gd name="adj1" fmla="val 3925299"/>
+              <a:gd name="adj2" fmla="val 123213"/>
+            </a:avLst>
+          </a:prstGeom>
+          <a:ln>
+            <a:tailEnd type="triangle"/>
+          </a:ln>
+        </p:spPr>
+        <p:style>
+          <a:lnRef idx="1">
+            <a:schemeClr val="accent1"/>
+          </a:lnRef>
+          <a:fillRef idx="0">
+            <a:schemeClr val="accent1"/>
+          </a:fillRef>
+          <a:effectRef idx="0">
+            <a:schemeClr val="accent1"/>
+          </a:effectRef>
+          <a:fontRef idx="minor">
+            <a:schemeClr val="tx1"/>
+          </a:fontRef>
+        </p:style>
+      </p:cxnSp>
+      <p:sp>
+        <p:nvSpPr>
+          <p:cNvPr id="33" name="Title 1">
+            <a:extLst>
+              <a:ext uri="{FF2B5EF4-FFF2-40B4-BE49-F238E27FC236}">
+                <a16:creationId xmlns:a16="http://schemas.microsoft.com/office/drawing/2014/main" id="{E2000895-82A8-C246-B25C-970626BA9E01}"/>
               </a:ext>
             </a:extLst>
           </p:cNvPr>
@@ -9016,88 +12518,27 @@
             <p:ph type="title"/>
           </p:nvPr>
         </p:nvSpPr>
-        <p:spPr/>
+        <p:spPr>
+          <a:xfrm>
+            <a:off x="2904565" y="365125"/>
+            <a:ext cx="8449056" cy="1325563"/>
+          </a:xfrm>
+        </p:spPr>
         <p:txBody>
           <a:bodyPr/>
           <a:lstStyle/>
           <a:p>
             <a:r>
               <a:rPr lang="en-US" dirty="0"/>
-              <a:t>What A DDC Does </a:t>
-            </a:r>
-          </a:p>
-        </p:txBody>
-      </p:sp>
-      <p:sp>
-        <p:nvSpPr>
-          <p:cNvPr id="3" name="Content Placeholder 2">
-            <a:extLst>
-              <a:ext uri="{FF2B5EF4-FFF2-40B4-BE49-F238E27FC236}">
-                <a16:creationId xmlns:a16="http://schemas.microsoft.com/office/drawing/2014/main" id="{339CDF55-4FE9-0647-8A4A-4928EE684850}"/>
-              </a:ext>
-            </a:extLst>
-          </p:cNvPr>
-          <p:cNvSpPr>
-            <a:spLocks noGrp="1"/>
-          </p:cNvSpPr>
-          <p:nvPr>
-            <p:ph idx="1"/>
-          </p:nvPr>
-        </p:nvSpPr>
-        <p:spPr/>
-        <p:txBody>
-          <a:bodyPr>
-            <a:normAutofit/>
-          </a:bodyPr>
-          <a:lstStyle/>
-          <a:p>
-            <a:r>
-              <a:rPr lang="en-US" dirty="0"/>
-              <a:t>ADCs typically sample at a very high frequency</a:t>
-            </a:r>
-          </a:p>
-          <a:p>
-            <a:pPr lvl="1"/>
-            <a:r>
-              <a:rPr lang="en-US" dirty="0"/>
-              <a:t>Requires an unnecessarily fast DSP since the data we are concerned about is usually much lower frequency</a:t>
-            </a:r>
-          </a:p>
-          <a:p>
-            <a:r>
-              <a:rPr lang="en-US" dirty="0"/>
-              <a:t>DDC lowers the frequency the digitized signal</a:t>
-            </a:r>
-          </a:p>
-          <a:p>
-            <a:pPr lvl="1"/>
-            <a:r>
-              <a:rPr lang="en-US" dirty="0"/>
-              <a:t>Still preserves the original signal </a:t>
-            </a:r>
-          </a:p>
-          <a:p>
-            <a:pPr lvl="1"/>
-            <a:r>
-              <a:rPr lang="en-US" dirty="0"/>
-              <a:t>Reduces DSP speed requirements</a:t>
-            </a:r>
-          </a:p>
-          <a:p>
-            <a:r>
-              <a:rPr lang="en-US" dirty="0"/>
-              <a:t>Down conversion is used to demodulate AM signals</a:t>
-            </a:r>
-          </a:p>
-          <a:p>
-            <a:endParaRPr lang="en-US" dirty="0"/>
+              <a:t>Quick Review</a:t>
+            </a:r>
           </a:p>
         </p:txBody>
       </p:sp>
     </p:spTree>
     <p:extLst>
       <p:ext uri="{BB962C8B-B14F-4D97-AF65-F5344CB8AC3E}">
-        <p14:creationId xmlns:p14="http://schemas.microsoft.com/office/powerpoint/2010/main" val="960408316"/>
+        <p14:creationId xmlns:p14="http://schemas.microsoft.com/office/powerpoint/2010/main" val="2466529468"/>
       </p:ext>
     </p:extLst>
   </p:cSld>
@@ -9126,10 +12567,1287 @@
       </p:grpSpPr>
       <p:sp>
         <p:nvSpPr>
-          <p:cNvPr id="2" name="Title 1">
-            <a:extLst>
-              <a:ext uri="{FF2B5EF4-FFF2-40B4-BE49-F238E27FC236}">
-                <a16:creationId xmlns:a16="http://schemas.microsoft.com/office/drawing/2014/main" id="{B6C8D47A-7331-BC4A-9689-F321D5C53C4B}"/>
+          <p:cNvPr id="4" name="Rectangle 3">
+            <a:extLst>
+              <a:ext uri="{FF2B5EF4-FFF2-40B4-BE49-F238E27FC236}">
+                <a16:creationId xmlns:a16="http://schemas.microsoft.com/office/drawing/2014/main" id="{ACB24445-F9C5-BA45-AF58-26700F523785}"/>
+              </a:ext>
+            </a:extLst>
+          </p:cNvPr>
+          <p:cNvSpPr/>
+          <p:nvPr/>
+        </p:nvSpPr>
+        <p:spPr>
+          <a:xfrm>
+            <a:off x="3119718" y="3200400"/>
+            <a:ext cx="927847" cy="927847"/>
+          </a:xfrm>
+          <a:prstGeom prst="rect">
+            <a:avLst/>
+          </a:prstGeom>
+        </p:spPr>
+        <p:style>
+          <a:lnRef idx="2">
+            <a:schemeClr val="accent1">
+              <a:shade val="50000"/>
+            </a:schemeClr>
+          </a:lnRef>
+          <a:fillRef idx="1">
+            <a:schemeClr val="accent1"/>
+          </a:fillRef>
+          <a:effectRef idx="0">
+            <a:schemeClr val="accent1"/>
+          </a:effectRef>
+          <a:fontRef idx="minor">
+            <a:schemeClr val="lt1"/>
+          </a:fontRef>
+        </p:style>
+        <p:txBody>
+          <a:bodyPr rtlCol="0" anchor="ctr"/>
+          <a:lstStyle/>
+          <a:p>
+            <a:pPr algn="ctr"/>
+            <a:r>
+              <a:rPr lang="en-US" sz="1200" dirty="0"/>
+              <a:t>Power Amplifier</a:t>
+            </a:r>
+          </a:p>
+        </p:txBody>
+      </p:sp>
+      <p:cxnSp>
+        <p:nvCxnSpPr>
+          <p:cNvPr id="6" name="Straight Arrow Connector 5">
+            <a:extLst>
+              <a:ext uri="{FF2B5EF4-FFF2-40B4-BE49-F238E27FC236}">
+                <a16:creationId xmlns:a16="http://schemas.microsoft.com/office/drawing/2014/main" id="{5277AF9E-64B7-0643-BCDC-E6F896B8F842}"/>
+              </a:ext>
+            </a:extLst>
+          </p:cNvPr>
+          <p:cNvCxnSpPr>
+            <a:cxnSpLocks/>
+            <a:stCxn id="4" idx="3"/>
+            <a:endCxn id="8" idx="1"/>
+          </p:cNvCxnSpPr>
+          <p:nvPr/>
+        </p:nvCxnSpPr>
+        <p:spPr>
+          <a:xfrm>
+            <a:off x="4047565" y="3664324"/>
+            <a:ext cx="484094" cy="0"/>
+          </a:xfrm>
+          <a:prstGeom prst="straightConnector1">
+            <a:avLst/>
+          </a:prstGeom>
+          <a:ln w="28575">
+            <a:prstDash val="sysDot"/>
+            <a:tailEnd type="triangle"/>
+          </a:ln>
+        </p:spPr>
+        <p:style>
+          <a:lnRef idx="1">
+            <a:schemeClr val="accent1"/>
+          </a:lnRef>
+          <a:fillRef idx="0">
+            <a:schemeClr val="accent1"/>
+          </a:fillRef>
+          <a:effectRef idx="0">
+            <a:schemeClr val="accent1"/>
+          </a:effectRef>
+          <a:fontRef idx="minor">
+            <a:schemeClr val="tx1"/>
+          </a:fontRef>
+        </p:style>
+      </p:cxnSp>
+      <p:sp>
+        <p:nvSpPr>
+          <p:cNvPr id="8" name="Rectangle 7">
+            <a:extLst>
+              <a:ext uri="{FF2B5EF4-FFF2-40B4-BE49-F238E27FC236}">
+                <a16:creationId xmlns:a16="http://schemas.microsoft.com/office/drawing/2014/main" id="{68DEA56F-8BA4-A649-A59D-32DD87EAEBD7}"/>
+              </a:ext>
+            </a:extLst>
+          </p:cNvPr>
+          <p:cNvSpPr/>
+          <p:nvPr/>
+        </p:nvSpPr>
+        <p:spPr>
+          <a:xfrm>
+            <a:off x="4531659" y="3200400"/>
+            <a:ext cx="927847" cy="927847"/>
+          </a:xfrm>
+          <a:prstGeom prst="rect">
+            <a:avLst/>
+          </a:prstGeom>
+        </p:spPr>
+        <p:style>
+          <a:lnRef idx="2">
+            <a:schemeClr val="accent1">
+              <a:shade val="50000"/>
+            </a:schemeClr>
+          </a:lnRef>
+          <a:fillRef idx="1">
+            <a:schemeClr val="accent1"/>
+          </a:fillRef>
+          <a:effectRef idx="0">
+            <a:schemeClr val="accent1"/>
+          </a:effectRef>
+          <a:fontRef idx="minor">
+            <a:schemeClr val="lt1"/>
+          </a:fontRef>
+        </p:style>
+        <p:txBody>
+          <a:bodyPr rtlCol="0" anchor="ctr"/>
+          <a:lstStyle/>
+          <a:p>
+            <a:pPr algn="ctr"/>
+            <a:r>
+              <a:rPr lang="en-US" sz="1200" dirty="0" err="1"/>
+              <a:t>RFTuner</a:t>
+            </a:r>
+            <a:endParaRPr lang="en-US" sz="1200" dirty="0"/>
+          </a:p>
+        </p:txBody>
+      </p:sp>
+      <p:cxnSp>
+        <p:nvCxnSpPr>
+          <p:cNvPr id="10" name="Straight Arrow Connector 9">
+            <a:extLst>
+              <a:ext uri="{FF2B5EF4-FFF2-40B4-BE49-F238E27FC236}">
+                <a16:creationId xmlns:a16="http://schemas.microsoft.com/office/drawing/2014/main" id="{1919ABC3-F37E-5649-9B4C-0050B4FF5B51}"/>
+              </a:ext>
+            </a:extLst>
+          </p:cNvPr>
+          <p:cNvCxnSpPr>
+            <a:cxnSpLocks/>
+            <a:stCxn id="8" idx="3"/>
+            <a:endCxn id="18" idx="1"/>
+          </p:cNvCxnSpPr>
+          <p:nvPr/>
+        </p:nvCxnSpPr>
+        <p:spPr>
+          <a:xfrm>
+            <a:off x="5459506" y="3664324"/>
+            <a:ext cx="497541" cy="0"/>
+          </a:xfrm>
+          <a:prstGeom prst="straightConnector1">
+            <a:avLst/>
+          </a:prstGeom>
+          <a:ln w="28575">
+            <a:prstDash val="sysDot"/>
+            <a:tailEnd type="triangle"/>
+          </a:ln>
+        </p:spPr>
+        <p:style>
+          <a:lnRef idx="1">
+            <a:schemeClr val="accent1"/>
+          </a:lnRef>
+          <a:fillRef idx="0">
+            <a:schemeClr val="accent1"/>
+          </a:fillRef>
+          <a:effectRef idx="0">
+            <a:schemeClr val="accent1"/>
+          </a:effectRef>
+          <a:fontRef idx="minor">
+            <a:schemeClr val="tx1"/>
+          </a:fontRef>
+        </p:style>
+      </p:cxnSp>
+      <p:sp>
+        <p:nvSpPr>
+          <p:cNvPr id="18" name="Rectangle 17">
+            <a:extLst>
+              <a:ext uri="{FF2B5EF4-FFF2-40B4-BE49-F238E27FC236}">
+                <a16:creationId xmlns:a16="http://schemas.microsoft.com/office/drawing/2014/main" id="{9227538B-C07F-3F44-80B3-B42A32C8E8E5}"/>
+              </a:ext>
+            </a:extLst>
+          </p:cNvPr>
+          <p:cNvSpPr/>
+          <p:nvPr/>
+        </p:nvSpPr>
+        <p:spPr>
+          <a:xfrm>
+            <a:off x="5957047" y="3200400"/>
+            <a:ext cx="927847" cy="927847"/>
+          </a:xfrm>
+          <a:prstGeom prst="rect">
+            <a:avLst/>
+          </a:prstGeom>
+        </p:spPr>
+        <p:style>
+          <a:lnRef idx="2">
+            <a:schemeClr val="accent1">
+              <a:shade val="50000"/>
+            </a:schemeClr>
+          </a:lnRef>
+          <a:fillRef idx="1">
+            <a:schemeClr val="accent1"/>
+          </a:fillRef>
+          <a:effectRef idx="0">
+            <a:schemeClr val="accent1"/>
+          </a:effectRef>
+          <a:fontRef idx="minor">
+            <a:schemeClr val="lt1"/>
+          </a:fontRef>
+        </p:style>
+        <p:txBody>
+          <a:bodyPr rtlCol="0" anchor="ctr"/>
+          <a:lstStyle/>
+          <a:p>
+            <a:pPr algn="ctr"/>
+            <a:r>
+              <a:rPr lang="en-US" sz="1200" dirty="0"/>
+              <a:t>ADC</a:t>
+            </a:r>
+          </a:p>
+        </p:txBody>
+      </p:sp>
+      <p:sp>
+        <p:nvSpPr>
+          <p:cNvPr id="20" name="Rectangle 19">
+            <a:extLst>
+              <a:ext uri="{FF2B5EF4-FFF2-40B4-BE49-F238E27FC236}">
+                <a16:creationId xmlns:a16="http://schemas.microsoft.com/office/drawing/2014/main" id="{0649E6CC-FEDA-AE4A-9859-FCC5289915B7}"/>
+              </a:ext>
+            </a:extLst>
+          </p:cNvPr>
+          <p:cNvSpPr/>
+          <p:nvPr/>
+        </p:nvSpPr>
+        <p:spPr>
+          <a:xfrm>
+            <a:off x="2501154" y="2595283"/>
+            <a:ext cx="712694" cy="363071"/>
+          </a:xfrm>
+          <a:prstGeom prst="rect">
+            <a:avLst/>
+          </a:prstGeom>
+        </p:spPr>
+        <p:style>
+          <a:lnRef idx="2">
+            <a:schemeClr val="accent1">
+              <a:shade val="50000"/>
+            </a:schemeClr>
+          </a:lnRef>
+          <a:fillRef idx="1">
+            <a:schemeClr val="accent1"/>
+          </a:fillRef>
+          <a:effectRef idx="0">
+            <a:schemeClr val="accent1"/>
+          </a:effectRef>
+          <a:fontRef idx="minor">
+            <a:schemeClr val="lt1"/>
+          </a:fontRef>
+        </p:style>
+        <p:txBody>
+          <a:bodyPr rtlCol="0" anchor="ctr"/>
+          <a:lstStyle/>
+          <a:p>
+            <a:pPr algn="ctr"/>
+            <a:r>
+              <a:rPr lang="en-US" sz="1200" dirty="0"/>
+              <a:t>Antenna</a:t>
+            </a:r>
+          </a:p>
+        </p:txBody>
+      </p:sp>
+      <p:cxnSp>
+        <p:nvCxnSpPr>
+          <p:cNvPr id="22" name="Elbow Connector 21">
+            <a:extLst>
+              <a:ext uri="{FF2B5EF4-FFF2-40B4-BE49-F238E27FC236}">
+                <a16:creationId xmlns:a16="http://schemas.microsoft.com/office/drawing/2014/main" id="{3FD262AD-9476-9E4F-A5D0-0070D31DEDA0}"/>
+              </a:ext>
+            </a:extLst>
+          </p:cNvPr>
+          <p:cNvCxnSpPr>
+            <a:stCxn id="20" idx="2"/>
+            <a:endCxn id="4" idx="1"/>
+          </p:cNvCxnSpPr>
+          <p:nvPr/>
+        </p:nvCxnSpPr>
+        <p:spPr>
+          <a:xfrm rot="16200000" flipH="1">
+            <a:off x="2635624" y="3180230"/>
+            <a:ext cx="705970" cy="262217"/>
+          </a:xfrm>
+          <a:prstGeom prst="bentConnector2">
+            <a:avLst/>
+          </a:prstGeom>
+          <a:ln w="28575">
+            <a:prstDash val="sysDot"/>
+            <a:tailEnd type="triangle"/>
+          </a:ln>
+        </p:spPr>
+        <p:style>
+          <a:lnRef idx="1">
+            <a:schemeClr val="accent1"/>
+          </a:lnRef>
+          <a:fillRef idx="0">
+            <a:schemeClr val="accent1"/>
+          </a:fillRef>
+          <a:effectRef idx="0">
+            <a:schemeClr val="accent1"/>
+          </a:effectRef>
+          <a:fontRef idx="minor">
+            <a:schemeClr val="tx1"/>
+          </a:fontRef>
+        </p:style>
+      </p:cxnSp>
+      <p:cxnSp>
+        <p:nvCxnSpPr>
+          <p:cNvPr id="29" name="Straight Arrow Connector 28">
+            <a:extLst>
+              <a:ext uri="{FF2B5EF4-FFF2-40B4-BE49-F238E27FC236}">
+                <a16:creationId xmlns:a16="http://schemas.microsoft.com/office/drawing/2014/main" id="{18DA1C04-0266-DA4B-949F-539350E9F0D2}"/>
+              </a:ext>
+            </a:extLst>
+          </p:cNvPr>
+          <p:cNvCxnSpPr>
+            <a:cxnSpLocks/>
+            <a:endCxn id="30" idx="1"/>
+          </p:cNvCxnSpPr>
+          <p:nvPr/>
+        </p:nvCxnSpPr>
+        <p:spPr>
+          <a:xfrm>
+            <a:off x="6884894" y="3664324"/>
+            <a:ext cx="497541" cy="0"/>
+          </a:xfrm>
+          <a:prstGeom prst="straightConnector1">
+            <a:avLst/>
+          </a:prstGeom>
+          <a:ln w="28575">
+            <a:solidFill>
+              <a:schemeClr val="accent6"/>
+            </a:solidFill>
+            <a:prstDash val="solid"/>
+            <a:tailEnd type="triangle"/>
+          </a:ln>
+        </p:spPr>
+        <p:style>
+          <a:lnRef idx="1">
+            <a:schemeClr val="accent1"/>
+          </a:lnRef>
+          <a:fillRef idx="0">
+            <a:schemeClr val="accent1"/>
+          </a:fillRef>
+          <a:effectRef idx="0">
+            <a:schemeClr val="accent1"/>
+          </a:effectRef>
+          <a:fontRef idx="minor">
+            <a:schemeClr val="tx1"/>
+          </a:fontRef>
+        </p:style>
+      </p:cxnSp>
+      <p:sp>
+        <p:nvSpPr>
+          <p:cNvPr id="30" name="Rectangle 29">
+            <a:extLst>
+              <a:ext uri="{FF2B5EF4-FFF2-40B4-BE49-F238E27FC236}">
+                <a16:creationId xmlns:a16="http://schemas.microsoft.com/office/drawing/2014/main" id="{95A5DEF0-B77A-A943-91D6-D098C796BACB}"/>
+              </a:ext>
+            </a:extLst>
+          </p:cNvPr>
+          <p:cNvSpPr/>
+          <p:nvPr/>
+        </p:nvSpPr>
+        <p:spPr>
+          <a:xfrm>
+            <a:off x="7382435" y="3200400"/>
+            <a:ext cx="927847" cy="927847"/>
+          </a:xfrm>
+          <a:prstGeom prst="rect">
+            <a:avLst/>
+          </a:prstGeom>
+        </p:spPr>
+        <p:style>
+          <a:lnRef idx="2">
+            <a:schemeClr val="accent6">
+              <a:shade val="50000"/>
+            </a:schemeClr>
+          </a:lnRef>
+          <a:fillRef idx="1">
+            <a:schemeClr val="accent6"/>
+          </a:fillRef>
+          <a:effectRef idx="0">
+            <a:schemeClr val="accent6"/>
+          </a:effectRef>
+          <a:fontRef idx="minor">
+            <a:schemeClr val="lt1"/>
+          </a:fontRef>
+        </p:style>
+        <p:txBody>
+          <a:bodyPr rtlCol="0" anchor="ctr"/>
+          <a:lstStyle/>
+          <a:p>
+            <a:pPr algn="ctr"/>
+            <a:r>
+              <a:rPr lang="en-US" sz="1200" dirty="0"/>
+              <a:t>Digital Mixer</a:t>
+            </a:r>
+          </a:p>
+        </p:txBody>
+      </p:sp>
+      <p:sp>
+        <p:nvSpPr>
+          <p:cNvPr id="31" name="Rectangle 30">
+            <a:extLst>
+              <a:ext uri="{FF2B5EF4-FFF2-40B4-BE49-F238E27FC236}">
+                <a16:creationId xmlns:a16="http://schemas.microsoft.com/office/drawing/2014/main" id="{DF829BC7-6C51-B74E-9BB1-E6E80F3D908E}"/>
+              </a:ext>
+            </a:extLst>
+          </p:cNvPr>
+          <p:cNvSpPr/>
+          <p:nvPr/>
+        </p:nvSpPr>
+        <p:spPr>
+          <a:xfrm>
+            <a:off x="7382435" y="4592171"/>
+            <a:ext cx="927847" cy="927847"/>
+          </a:xfrm>
+          <a:prstGeom prst="rect">
+            <a:avLst/>
+          </a:prstGeom>
+        </p:spPr>
+        <p:style>
+          <a:lnRef idx="2">
+            <a:schemeClr val="accent6">
+              <a:shade val="50000"/>
+            </a:schemeClr>
+          </a:lnRef>
+          <a:fillRef idx="1">
+            <a:schemeClr val="accent6"/>
+          </a:fillRef>
+          <a:effectRef idx="0">
+            <a:schemeClr val="accent6"/>
+          </a:effectRef>
+          <a:fontRef idx="minor">
+            <a:schemeClr val="lt1"/>
+          </a:fontRef>
+        </p:style>
+        <p:txBody>
+          <a:bodyPr rtlCol="0" anchor="ctr"/>
+          <a:lstStyle/>
+          <a:p>
+            <a:pPr algn="ctr"/>
+            <a:r>
+              <a:rPr lang="en-US" sz="1200" dirty="0"/>
+              <a:t>Digital Local Oscillator</a:t>
+            </a:r>
+          </a:p>
+        </p:txBody>
+      </p:sp>
+      <p:cxnSp>
+        <p:nvCxnSpPr>
+          <p:cNvPr id="32" name="Straight Arrow Connector 31">
+            <a:extLst>
+              <a:ext uri="{FF2B5EF4-FFF2-40B4-BE49-F238E27FC236}">
+                <a16:creationId xmlns:a16="http://schemas.microsoft.com/office/drawing/2014/main" id="{54734E4D-F4B3-1044-A00E-29A146CFB108}"/>
+              </a:ext>
+            </a:extLst>
+          </p:cNvPr>
+          <p:cNvCxnSpPr>
+            <a:cxnSpLocks/>
+            <a:stCxn id="31" idx="0"/>
+            <a:endCxn id="30" idx="2"/>
+          </p:cNvCxnSpPr>
+          <p:nvPr/>
+        </p:nvCxnSpPr>
+        <p:spPr>
+          <a:xfrm flipV="1">
+            <a:off x="7846359" y="4128247"/>
+            <a:ext cx="0" cy="463924"/>
+          </a:xfrm>
+          <a:prstGeom prst="straightConnector1">
+            <a:avLst/>
+          </a:prstGeom>
+          <a:ln w="28575">
+            <a:solidFill>
+              <a:schemeClr val="accent6"/>
+            </a:solidFill>
+            <a:prstDash val="solid"/>
+            <a:tailEnd type="triangle"/>
+          </a:ln>
+        </p:spPr>
+        <p:style>
+          <a:lnRef idx="1">
+            <a:schemeClr val="accent1"/>
+          </a:lnRef>
+          <a:fillRef idx="0">
+            <a:schemeClr val="accent1"/>
+          </a:fillRef>
+          <a:effectRef idx="0">
+            <a:schemeClr val="accent1"/>
+          </a:effectRef>
+          <a:fontRef idx="minor">
+            <a:schemeClr val="tx1"/>
+          </a:fontRef>
+        </p:style>
+      </p:cxnSp>
+      <p:sp>
+        <p:nvSpPr>
+          <p:cNvPr id="37" name="Rectangle 36">
+            <a:extLst>
+              <a:ext uri="{FF2B5EF4-FFF2-40B4-BE49-F238E27FC236}">
+                <a16:creationId xmlns:a16="http://schemas.microsoft.com/office/drawing/2014/main" id="{8064004F-B6C5-F941-9128-35688FF62666}"/>
+              </a:ext>
+            </a:extLst>
+          </p:cNvPr>
+          <p:cNvSpPr/>
+          <p:nvPr/>
+        </p:nvSpPr>
+        <p:spPr>
+          <a:xfrm>
+            <a:off x="8774206" y="3200400"/>
+            <a:ext cx="927847" cy="927847"/>
+          </a:xfrm>
+          <a:prstGeom prst="rect">
+            <a:avLst/>
+          </a:prstGeom>
+        </p:spPr>
+        <p:style>
+          <a:lnRef idx="2">
+            <a:schemeClr val="accent3">
+              <a:shade val="50000"/>
+            </a:schemeClr>
+          </a:lnRef>
+          <a:fillRef idx="1">
+            <a:schemeClr val="accent3"/>
+          </a:fillRef>
+          <a:effectRef idx="0">
+            <a:schemeClr val="accent3"/>
+          </a:effectRef>
+          <a:fontRef idx="minor">
+            <a:schemeClr val="lt1"/>
+          </a:fontRef>
+        </p:style>
+        <p:txBody>
+          <a:bodyPr rtlCol="0" anchor="ctr"/>
+          <a:lstStyle/>
+          <a:p>
+            <a:pPr algn="ctr"/>
+            <a:r>
+              <a:rPr lang="en-US" sz="1200" dirty="0"/>
+              <a:t>Lowpass Filter</a:t>
+            </a:r>
+          </a:p>
+        </p:txBody>
+      </p:sp>
+      <p:cxnSp>
+        <p:nvCxnSpPr>
+          <p:cNvPr id="39" name="Straight Arrow Connector 38">
+            <a:extLst>
+              <a:ext uri="{FF2B5EF4-FFF2-40B4-BE49-F238E27FC236}">
+                <a16:creationId xmlns:a16="http://schemas.microsoft.com/office/drawing/2014/main" id="{58AC6F31-27CD-D04E-B3AE-F3998ACBC4E8}"/>
+              </a:ext>
+            </a:extLst>
+          </p:cNvPr>
+          <p:cNvCxnSpPr>
+            <a:cxnSpLocks/>
+            <a:stCxn id="30" idx="3"/>
+            <a:endCxn id="37" idx="1"/>
+          </p:cNvCxnSpPr>
+          <p:nvPr/>
+        </p:nvCxnSpPr>
+        <p:spPr>
+          <a:xfrm>
+            <a:off x="8310282" y="3664324"/>
+            <a:ext cx="463924" cy="0"/>
+          </a:xfrm>
+          <a:prstGeom prst="straightConnector1">
+            <a:avLst/>
+          </a:prstGeom>
+          <a:ln w="28575">
+            <a:solidFill>
+              <a:schemeClr val="accent3"/>
+            </a:solidFill>
+            <a:prstDash val="solid"/>
+            <a:tailEnd type="triangle"/>
+          </a:ln>
+        </p:spPr>
+        <p:style>
+          <a:lnRef idx="1">
+            <a:schemeClr val="accent1"/>
+          </a:lnRef>
+          <a:fillRef idx="0">
+            <a:schemeClr val="accent1"/>
+          </a:fillRef>
+          <a:effectRef idx="0">
+            <a:schemeClr val="accent1"/>
+          </a:effectRef>
+          <a:fontRef idx="minor">
+            <a:schemeClr val="tx1"/>
+          </a:fontRef>
+        </p:style>
+      </p:cxnSp>
+      <p:cxnSp>
+        <p:nvCxnSpPr>
+          <p:cNvPr id="42" name="Straight Arrow Connector 41">
+            <a:extLst>
+              <a:ext uri="{FF2B5EF4-FFF2-40B4-BE49-F238E27FC236}">
+                <a16:creationId xmlns:a16="http://schemas.microsoft.com/office/drawing/2014/main" id="{46BA453A-E6A0-7742-BC3B-5C3347A03D4B}"/>
+              </a:ext>
+            </a:extLst>
+          </p:cNvPr>
+          <p:cNvCxnSpPr>
+            <a:cxnSpLocks/>
+          </p:cNvCxnSpPr>
+          <p:nvPr/>
+        </p:nvCxnSpPr>
+        <p:spPr>
+          <a:xfrm>
+            <a:off x="9702053" y="3664323"/>
+            <a:ext cx="463924" cy="0"/>
+          </a:xfrm>
+          <a:prstGeom prst="straightConnector1">
+            <a:avLst/>
+          </a:prstGeom>
+          <a:ln w="28575">
+            <a:solidFill>
+              <a:schemeClr val="accent3"/>
+            </a:solidFill>
+            <a:prstDash val="solid"/>
+            <a:tailEnd type="triangle"/>
+          </a:ln>
+        </p:spPr>
+        <p:style>
+          <a:lnRef idx="1">
+            <a:schemeClr val="accent1"/>
+          </a:lnRef>
+          <a:fillRef idx="0">
+            <a:schemeClr val="accent1"/>
+          </a:fillRef>
+          <a:effectRef idx="0">
+            <a:schemeClr val="accent1"/>
+          </a:effectRef>
+          <a:fontRef idx="minor">
+            <a:schemeClr val="tx1"/>
+          </a:fontRef>
+        </p:style>
+      </p:cxnSp>
+      <p:sp>
+        <p:nvSpPr>
+          <p:cNvPr id="44" name="Rectangle 43">
+            <a:extLst>
+              <a:ext uri="{FF2B5EF4-FFF2-40B4-BE49-F238E27FC236}">
+                <a16:creationId xmlns:a16="http://schemas.microsoft.com/office/drawing/2014/main" id="{D9569035-59BE-3643-A5B3-959F6D32F5E2}"/>
+              </a:ext>
+            </a:extLst>
+          </p:cNvPr>
+          <p:cNvSpPr/>
+          <p:nvPr/>
+        </p:nvSpPr>
+        <p:spPr>
+          <a:xfrm>
+            <a:off x="10165976" y="3200400"/>
+            <a:ext cx="927847" cy="927847"/>
+          </a:xfrm>
+          <a:prstGeom prst="rect">
+            <a:avLst/>
+          </a:prstGeom>
+        </p:spPr>
+        <p:style>
+          <a:lnRef idx="2">
+            <a:schemeClr val="accent6">
+              <a:shade val="50000"/>
+            </a:schemeClr>
+          </a:lnRef>
+          <a:fillRef idx="1">
+            <a:schemeClr val="accent6"/>
+          </a:fillRef>
+          <a:effectRef idx="0">
+            <a:schemeClr val="accent6"/>
+          </a:effectRef>
+          <a:fontRef idx="minor">
+            <a:schemeClr val="lt1"/>
+          </a:fontRef>
+        </p:style>
+        <p:txBody>
+          <a:bodyPr rtlCol="0" anchor="ctr"/>
+          <a:lstStyle/>
+          <a:p>
+            <a:pPr algn="ctr"/>
+            <a:r>
+              <a:rPr lang="en-US" sz="1200" dirty="0"/>
+              <a:t>Signal Processing</a:t>
+            </a:r>
+          </a:p>
+        </p:txBody>
+      </p:sp>
+      <p:cxnSp>
+        <p:nvCxnSpPr>
+          <p:cNvPr id="45" name="Straight Arrow Connector 44">
+            <a:extLst>
+              <a:ext uri="{FF2B5EF4-FFF2-40B4-BE49-F238E27FC236}">
+                <a16:creationId xmlns:a16="http://schemas.microsoft.com/office/drawing/2014/main" id="{24B282DA-F975-4D4D-986A-E477B6F1AED5}"/>
+              </a:ext>
+            </a:extLst>
+          </p:cNvPr>
+          <p:cNvCxnSpPr>
+            <a:cxnSpLocks/>
+          </p:cNvCxnSpPr>
+          <p:nvPr/>
+        </p:nvCxnSpPr>
+        <p:spPr>
+          <a:xfrm>
+            <a:off x="11093823" y="3664323"/>
+            <a:ext cx="463924" cy="0"/>
+          </a:xfrm>
+          <a:prstGeom prst="straightConnector1">
+            <a:avLst/>
+          </a:prstGeom>
+          <a:ln w="28575">
+            <a:solidFill>
+              <a:schemeClr val="accent6"/>
+            </a:solidFill>
+            <a:prstDash val="solid"/>
+            <a:tailEnd type="triangle"/>
+          </a:ln>
+        </p:spPr>
+        <p:style>
+          <a:lnRef idx="1">
+            <a:schemeClr val="accent1"/>
+          </a:lnRef>
+          <a:fillRef idx="0">
+            <a:schemeClr val="accent1"/>
+          </a:fillRef>
+          <a:effectRef idx="0">
+            <a:schemeClr val="accent1"/>
+          </a:effectRef>
+          <a:fontRef idx="minor">
+            <a:schemeClr val="tx1"/>
+          </a:fontRef>
+        </p:style>
+      </p:cxnSp>
+      <p:sp>
+        <p:nvSpPr>
+          <p:cNvPr id="23" name="Rectangle 22">
+            <a:extLst>
+              <a:ext uri="{FF2B5EF4-FFF2-40B4-BE49-F238E27FC236}">
+                <a16:creationId xmlns:a16="http://schemas.microsoft.com/office/drawing/2014/main" id="{6FFA9B3F-0AB6-1A4C-9AE9-C1182B671529}"/>
+              </a:ext>
+            </a:extLst>
+          </p:cNvPr>
+          <p:cNvSpPr/>
+          <p:nvPr/>
+        </p:nvSpPr>
+        <p:spPr>
+          <a:xfrm>
+            <a:off x="8774206" y="1848971"/>
+            <a:ext cx="927847" cy="927847"/>
+          </a:xfrm>
+          <a:prstGeom prst="rect">
+            <a:avLst/>
+          </a:prstGeom>
+        </p:spPr>
+        <p:style>
+          <a:lnRef idx="2">
+            <a:schemeClr val="accent2">
+              <a:shade val="50000"/>
+            </a:schemeClr>
+          </a:lnRef>
+          <a:fillRef idx="1">
+            <a:schemeClr val="accent2"/>
+          </a:fillRef>
+          <a:effectRef idx="0">
+            <a:schemeClr val="accent2"/>
+          </a:effectRef>
+          <a:fontRef idx="minor">
+            <a:schemeClr val="lt1"/>
+          </a:fontRef>
+        </p:style>
+        <p:txBody>
+          <a:bodyPr rtlCol="0" anchor="ctr"/>
+          <a:lstStyle/>
+          <a:p>
+            <a:pPr algn="ctr"/>
+            <a:r>
+              <a:rPr lang="en-US" sz="1200" dirty="0"/>
+              <a:t>Observer</a:t>
+            </a:r>
+          </a:p>
+          <a:p>
+            <a:pPr algn="ctr"/>
+            <a:r>
+              <a:rPr lang="en-US" sz="1200" dirty="0"/>
+              <a:t>Neural Network</a:t>
+            </a:r>
+          </a:p>
+        </p:txBody>
+      </p:sp>
+      <p:cxnSp>
+        <p:nvCxnSpPr>
+          <p:cNvPr id="11" name="Elbow Connector 10">
+            <a:extLst>
+              <a:ext uri="{FF2B5EF4-FFF2-40B4-BE49-F238E27FC236}">
+                <a16:creationId xmlns:a16="http://schemas.microsoft.com/office/drawing/2014/main" id="{8769B913-326B-044C-BA97-E9582AB9D172}"/>
+              </a:ext>
+            </a:extLst>
+          </p:cNvPr>
+          <p:cNvCxnSpPr>
+            <a:cxnSpLocks/>
+            <a:stCxn id="30" idx="3"/>
+            <a:endCxn id="23" idx="1"/>
+          </p:cNvCxnSpPr>
+          <p:nvPr/>
+        </p:nvCxnSpPr>
+        <p:spPr>
+          <a:xfrm flipV="1">
+            <a:off x="8310282" y="2312895"/>
+            <a:ext cx="463924" cy="1351429"/>
+          </a:xfrm>
+          <a:prstGeom prst="bentConnector3">
+            <a:avLst>
+              <a:gd name="adj1" fmla="val 50000"/>
+            </a:avLst>
+          </a:prstGeom>
+          <a:ln w="28575">
+            <a:solidFill>
+              <a:schemeClr val="accent2"/>
+            </a:solidFill>
+            <a:tailEnd type="triangle"/>
+          </a:ln>
+        </p:spPr>
+        <p:style>
+          <a:lnRef idx="1">
+            <a:schemeClr val="accent1"/>
+          </a:lnRef>
+          <a:fillRef idx="0">
+            <a:schemeClr val="accent1"/>
+          </a:fillRef>
+          <a:effectRef idx="0">
+            <a:schemeClr val="accent1"/>
+          </a:effectRef>
+          <a:fontRef idx="minor">
+            <a:schemeClr val="tx1"/>
+          </a:fontRef>
+        </p:style>
+      </p:cxnSp>
+      <p:cxnSp>
+        <p:nvCxnSpPr>
+          <p:cNvPr id="21" name="Straight Arrow Connector 20">
+            <a:extLst>
+              <a:ext uri="{FF2B5EF4-FFF2-40B4-BE49-F238E27FC236}">
+                <a16:creationId xmlns:a16="http://schemas.microsoft.com/office/drawing/2014/main" id="{9B33D044-C401-2B4C-8D4B-B4CF3BAE9A0E}"/>
+              </a:ext>
+            </a:extLst>
+          </p:cNvPr>
+          <p:cNvCxnSpPr>
+            <a:cxnSpLocks/>
+            <a:stCxn id="24" idx="2"/>
+          </p:cNvCxnSpPr>
+          <p:nvPr/>
+        </p:nvCxnSpPr>
+        <p:spPr>
+          <a:xfrm flipV="1">
+            <a:off x="9238129" y="4128247"/>
+            <a:ext cx="1" cy="739587"/>
+          </a:xfrm>
+          <a:prstGeom prst="straightConnector1">
+            <a:avLst/>
+          </a:prstGeom>
+          <a:ln w="28575">
+            <a:solidFill>
+              <a:srgbClr val="C00000"/>
+            </a:solidFill>
+            <a:tailEnd type="triangle"/>
+          </a:ln>
+        </p:spPr>
+        <p:style>
+          <a:lnRef idx="1">
+            <a:schemeClr val="accent1"/>
+          </a:lnRef>
+          <a:fillRef idx="0">
+            <a:schemeClr val="accent1"/>
+          </a:fillRef>
+          <a:effectRef idx="0">
+            <a:schemeClr val="accent1"/>
+          </a:effectRef>
+          <a:fontRef idx="minor">
+            <a:schemeClr val="tx1"/>
+          </a:fontRef>
+        </p:style>
+      </p:cxnSp>
+      <p:sp>
+        <p:nvSpPr>
+          <p:cNvPr id="24" name="Rectangle 23">
+            <a:extLst>
+              <a:ext uri="{FF2B5EF4-FFF2-40B4-BE49-F238E27FC236}">
+                <a16:creationId xmlns:a16="http://schemas.microsoft.com/office/drawing/2014/main" id="{FD0DE35F-137A-B243-9E1B-3108B8404A39}"/>
+              </a:ext>
+            </a:extLst>
+          </p:cNvPr>
+          <p:cNvSpPr/>
+          <p:nvPr/>
+        </p:nvSpPr>
+        <p:spPr>
+          <a:xfrm>
+            <a:off x="8774205" y="4592170"/>
+            <a:ext cx="927847" cy="275664"/>
+          </a:xfrm>
+          <a:prstGeom prst="rect">
+            <a:avLst/>
+          </a:prstGeom>
+          <a:solidFill>
+            <a:srgbClr val="C00000"/>
+          </a:solidFill>
+          <a:ln>
+            <a:solidFill>
+              <a:srgbClr val="8F0301"/>
+            </a:solidFill>
+          </a:ln>
+        </p:spPr>
+        <p:style>
+          <a:lnRef idx="2">
+            <a:schemeClr val="accent1">
+              <a:shade val="50000"/>
+            </a:schemeClr>
+          </a:lnRef>
+          <a:fillRef idx="1">
+            <a:schemeClr val="accent1"/>
+          </a:fillRef>
+          <a:effectRef idx="0">
+            <a:schemeClr val="accent1"/>
+          </a:effectRef>
+          <a:fontRef idx="minor">
+            <a:schemeClr val="lt1"/>
+          </a:fontRef>
+        </p:style>
+        <p:txBody>
+          <a:bodyPr rtlCol="0" anchor="ctr"/>
+          <a:lstStyle/>
+          <a:p>
+            <a:pPr algn="ctr"/>
+            <a:r>
+              <a:rPr lang="en-US" sz="1200" dirty="0"/>
+              <a:t>Trojan</a:t>
+            </a:r>
+            <a:endParaRPr lang="en-US" dirty="0"/>
+          </a:p>
+        </p:txBody>
+      </p:sp>
+      <p:cxnSp>
+        <p:nvCxnSpPr>
+          <p:cNvPr id="25" name="Straight Arrow Connector 24">
+            <a:extLst>
+              <a:ext uri="{FF2B5EF4-FFF2-40B4-BE49-F238E27FC236}">
+                <a16:creationId xmlns:a16="http://schemas.microsoft.com/office/drawing/2014/main" id="{D5A9D2AB-48C9-CC4E-8AF9-1C365E6C1CB8}"/>
+              </a:ext>
+            </a:extLst>
+          </p:cNvPr>
+          <p:cNvCxnSpPr>
+            <a:cxnSpLocks/>
+          </p:cNvCxnSpPr>
+          <p:nvPr/>
+        </p:nvCxnSpPr>
+        <p:spPr>
+          <a:xfrm>
+            <a:off x="9702053" y="2312895"/>
+            <a:ext cx="167504" cy="0"/>
+          </a:xfrm>
+          <a:prstGeom prst="straightConnector1">
+            <a:avLst/>
+          </a:prstGeom>
+          <a:ln>
+            <a:tailEnd type="triangle"/>
+          </a:ln>
+        </p:spPr>
+        <p:style>
+          <a:lnRef idx="1">
+            <a:schemeClr val="accent1"/>
+          </a:lnRef>
+          <a:fillRef idx="0">
+            <a:schemeClr val="accent1"/>
+          </a:fillRef>
+          <a:effectRef idx="0">
+            <a:schemeClr val="accent1"/>
+          </a:effectRef>
+          <a:fontRef idx="minor">
+            <a:schemeClr val="tx1"/>
+          </a:fontRef>
+        </p:style>
+      </p:cxnSp>
+      <p:sp>
+        <p:nvSpPr>
+          <p:cNvPr id="26" name="Oval 25">
+            <a:extLst>
+              <a:ext uri="{FF2B5EF4-FFF2-40B4-BE49-F238E27FC236}">
+                <a16:creationId xmlns:a16="http://schemas.microsoft.com/office/drawing/2014/main" id="{CC02485F-8742-9241-A60D-080D92E94318}"/>
+              </a:ext>
+            </a:extLst>
+          </p:cNvPr>
+          <p:cNvSpPr/>
+          <p:nvPr/>
+        </p:nvSpPr>
+        <p:spPr>
+          <a:xfrm>
+            <a:off x="9869557" y="2148272"/>
+            <a:ext cx="357808" cy="347870"/>
+          </a:xfrm>
+          <a:prstGeom prst="ellipse">
+            <a:avLst/>
+          </a:prstGeom>
+          <a:noFill/>
+        </p:spPr>
+        <p:style>
+          <a:lnRef idx="2">
+            <a:schemeClr val="accent1">
+              <a:shade val="50000"/>
+            </a:schemeClr>
+          </a:lnRef>
+          <a:fillRef idx="1">
+            <a:schemeClr val="accent1"/>
+          </a:fillRef>
+          <a:effectRef idx="0">
+            <a:schemeClr val="accent1"/>
+          </a:effectRef>
+          <a:fontRef idx="minor">
+            <a:schemeClr val="lt1"/>
+          </a:fontRef>
+        </p:style>
+        <p:txBody>
+          <a:bodyPr rtlCol="0" anchor="ctr"/>
+          <a:lstStyle/>
+          <a:p>
+            <a:pPr algn="ctr"/>
+            <a:endParaRPr lang="en-US"/>
+          </a:p>
+        </p:txBody>
+      </p:sp>
+      <p:cxnSp>
+        <p:nvCxnSpPr>
+          <p:cNvPr id="27" name="Straight Arrow Connector 26">
+            <a:extLst>
+              <a:ext uri="{FF2B5EF4-FFF2-40B4-BE49-F238E27FC236}">
+                <a16:creationId xmlns:a16="http://schemas.microsoft.com/office/drawing/2014/main" id="{C5631ECA-5467-9B41-8877-C35C96AF2B73}"/>
+              </a:ext>
+            </a:extLst>
+          </p:cNvPr>
+          <p:cNvCxnSpPr/>
+          <p:nvPr/>
+        </p:nvCxnSpPr>
+        <p:spPr>
+          <a:xfrm flipV="1">
+            <a:off x="10048461" y="2514600"/>
+            <a:ext cx="0" cy="1149723"/>
+          </a:xfrm>
+          <a:prstGeom prst="straightConnector1">
+            <a:avLst/>
+          </a:prstGeom>
+          <a:ln>
+            <a:tailEnd type="triangle"/>
+          </a:ln>
+        </p:spPr>
+        <p:style>
+          <a:lnRef idx="1">
+            <a:schemeClr val="accent1"/>
+          </a:lnRef>
+          <a:fillRef idx="0">
+            <a:schemeClr val="accent1"/>
+          </a:fillRef>
+          <a:effectRef idx="0">
+            <a:schemeClr val="accent1"/>
+          </a:effectRef>
+          <a:fontRef idx="minor">
+            <a:schemeClr val="tx1"/>
+          </a:fontRef>
+        </p:style>
+      </p:cxnSp>
+      <p:cxnSp>
+        <p:nvCxnSpPr>
+          <p:cNvPr id="28" name="Straight Connector 27">
+            <a:extLst>
+              <a:ext uri="{FF2B5EF4-FFF2-40B4-BE49-F238E27FC236}">
+                <a16:creationId xmlns:a16="http://schemas.microsoft.com/office/drawing/2014/main" id="{01F44B75-DC0A-DB46-91D9-1BBEA52F80DD}"/>
+              </a:ext>
+            </a:extLst>
+          </p:cNvPr>
+          <p:cNvCxnSpPr>
+            <a:stCxn id="26" idx="1"/>
+            <a:endCxn id="26" idx="5"/>
+          </p:cNvCxnSpPr>
+          <p:nvPr/>
+        </p:nvCxnSpPr>
+        <p:spPr>
+          <a:xfrm>
+            <a:off x="9921957" y="2199216"/>
+            <a:ext cx="253008" cy="245982"/>
+          </a:xfrm>
+          <a:prstGeom prst="line">
+            <a:avLst/>
+          </a:prstGeom>
+        </p:spPr>
+        <p:style>
+          <a:lnRef idx="1">
+            <a:schemeClr val="accent1"/>
+          </a:lnRef>
+          <a:fillRef idx="0">
+            <a:schemeClr val="accent1"/>
+          </a:fillRef>
+          <a:effectRef idx="0">
+            <a:schemeClr val="accent1"/>
+          </a:effectRef>
+          <a:fontRef idx="minor">
+            <a:schemeClr val="tx1"/>
+          </a:fontRef>
+        </p:style>
+      </p:cxnSp>
+      <p:cxnSp>
+        <p:nvCxnSpPr>
+          <p:cNvPr id="33" name="Straight Connector 32">
+            <a:extLst>
+              <a:ext uri="{FF2B5EF4-FFF2-40B4-BE49-F238E27FC236}">
+                <a16:creationId xmlns:a16="http://schemas.microsoft.com/office/drawing/2014/main" id="{62B71BF6-BFAE-3843-9A8A-0D11A4906F87}"/>
+              </a:ext>
+            </a:extLst>
+          </p:cNvPr>
+          <p:cNvCxnSpPr>
+            <a:stCxn id="26" idx="7"/>
+            <a:endCxn id="26" idx="3"/>
+          </p:cNvCxnSpPr>
+          <p:nvPr/>
+        </p:nvCxnSpPr>
+        <p:spPr>
+          <a:xfrm flipH="1">
+            <a:off x="9921957" y="2199216"/>
+            <a:ext cx="253008" cy="245982"/>
+          </a:xfrm>
+          <a:prstGeom prst="line">
+            <a:avLst/>
+          </a:prstGeom>
+        </p:spPr>
+        <p:style>
+          <a:lnRef idx="1">
+            <a:schemeClr val="accent1"/>
+          </a:lnRef>
+          <a:fillRef idx="0">
+            <a:schemeClr val="accent1"/>
+          </a:fillRef>
+          <a:effectRef idx="0">
+            <a:schemeClr val="accent1"/>
+          </a:effectRef>
+          <a:fontRef idx="minor">
+            <a:schemeClr val="tx1"/>
+          </a:fontRef>
+        </p:style>
+      </p:cxnSp>
+      <p:cxnSp>
+        <p:nvCxnSpPr>
+          <p:cNvPr id="5" name="Straight Arrow Connector 4">
+            <a:extLst>
+              <a:ext uri="{FF2B5EF4-FFF2-40B4-BE49-F238E27FC236}">
+                <a16:creationId xmlns:a16="http://schemas.microsoft.com/office/drawing/2014/main" id="{E86739EF-64ED-AA45-90B4-BF4D237B566B}"/>
+              </a:ext>
+            </a:extLst>
+          </p:cNvPr>
+          <p:cNvCxnSpPr>
+            <a:stCxn id="26" idx="6"/>
+          </p:cNvCxnSpPr>
+          <p:nvPr/>
+        </p:nvCxnSpPr>
+        <p:spPr>
+          <a:xfrm flipV="1">
+            <a:off x="10227365" y="2312895"/>
+            <a:ext cx="268357" cy="9312"/>
+          </a:xfrm>
+          <a:prstGeom prst="straightConnector1">
+            <a:avLst/>
+          </a:prstGeom>
+          <a:ln>
+            <a:tailEnd type="triangle"/>
+          </a:ln>
+        </p:spPr>
+        <p:style>
+          <a:lnRef idx="1">
+            <a:schemeClr val="accent1"/>
+          </a:lnRef>
+          <a:fillRef idx="0">
+            <a:schemeClr val="accent1"/>
+          </a:fillRef>
+          <a:effectRef idx="0">
+            <a:schemeClr val="accent1"/>
+          </a:effectRef>
+          <a:fontRef idx="minor">
+            <a:schemeClr val="tx1"/>
+          </a:fontRef>
+        </p:style>
+      </p:cxnSp>
+      <p:sp>
+        <p:nvSpPr>
+          <p:cNvPr id="7" name="TextBox 6">
+            <a:extLst>
+              <a:ext uri="{FF2B5EF4-FFF2-40B4-BE49-F238E27FC236}">
+                <a16:creationId xmlns:a16="http://schemas.microsoft.com/office/drawing/2014/main" id="{E04DD790-9C3F-DD48-883D-784D1F113A76}"/>
+              </a:ext>
+            </a:extLst>
+          </p:cNvPr>
+          <p:cNvSpPr txBox="1"/>
+          <p:nvPr/>
+        </p:nvSpPr>
+        <p:spPr>
+          <a:xfrm>
+            <a:off x="10227365" y="1848971"/>
+            <a:ext cx="866458" cy="369332"/>
+          </a:xfrm>
+          <a:prstGeom prst="rect">
+            <a:avLst/>
+          </a:prstGeom>
+          <a:noFill/>
+        </p:spPr>
+        <p:txBody>
+          <a:bodyPr wrap="square" rtlCol="0">
+            <a:spAutoFit/>
+          </a:bodyPr>
+          <a:lstStyle/>
+          <a:p>
+            <a:r>
+              <a:rPr lang="en-US" dirty="0"/>
+              <a:t>Error</a:t>
+            </a:r>
+          </a:p>
+        </p:txBody>
+      </p:sp>
+      <p:sp>
+        <p:nvSpPr>
+          <p:cNvPr id="9" name="TextBox 8">
+            <a:extLst>
+              <a:ext uri="{FF2B5EF4-FFF2-40B4-BE49-F238E27FC236}">
+                <a16:creationId xmlns:a16="http://schemas.microsoft.com/office/drawing/2014/main" id="{36B40A6A-8C0E-F240-A67E-A70B12629DE0}"/>
+              </a:ext>
+            </a:extLst>
+          </p:cNvPr>
+          <p:cNvSpPr txBox="1"/>
+          <p:nvPr/>
+        </p:nvSpPr>
+        <p:spPr>
+          <a:xfrm>
+            <a:off x="8547652" y="1470991"/>
+            <a:ext cx="1948070" cy="369332"/>
+          </a:xfrm>
+          <a:prstGeom prst="rect">
+            <a:avLst/>
+          </a:prstGeom>
+          <a:noFill/>
+        </p:spPr>
+        <p:txBody>
+          <a:bodyPr wrap="square" rtlCol="0">
+            <a:spAutoFit/>
+          </a:bodyPr>
+          <a:lstStyle/>
+          <a:p>
+            <a:r>
+              <a:rPr lang="en-US" dirty="0"/>
+              <a:t>Trained Network</a:t>
+            </a:r>
+          </a:p>
+        </p:txBody>
+      </p:sp>
+      <p:sp>
+        <p:nvSpPr>
+          <p:cNvPr id="34" name="Title 1">
+            <a:extLst>
+              <a:ext uri="{FF2B5EF4-FFF2-40B4-BE49-F238E27FC236}">
+                <a16:creationId xmlns:a16="http://schemas.microsoft.com/office/drawing/2014/main" id="{EF96BE3E-9B3B-C943-B461-AAF076232256}"/>
               </a:ext>
             </a:extLst>
           </p:cNvPr>
@@ -9140,115 +13858,27 @@
             <p:ph type="title"/>
           </p:nvPr>
         </p:nvSpPr>
-        <p:spPr/>
+        <p:spPr>
+          <a:xfrm>
+            <a:off x="2904565" y="365125"/>
+            <a:ext cx="8449056" cy="1325563"/>
+          </a:xfrm>
+        </p:spPr>
         <p:txBody>
           <a:bodyPr/>
           <a:lstStyle/>
           <a:p>
             <a:r>
               <a:rPr lang="en-US" dirty="0"/>
-              <a:t>On Off Keying (OOK)</a:t>
-            </a:r>
-          </a:p>
-        </p:txBody>
-      </p:sp>
-      <p:sp>
-        <p:nvSpPr>
-          <p:cNvPr id="6" name="Content Placeholder 2">
-            <a:extLst>
-              <a:ext uri="{FF2B5EF4-FFF2-40B4-BE49-F238E27FC236}">
-                <a16:creationId xmlns:a16="http://schemas.microsoft.com/office/drawing/2014/main" id="{F9A0112C-C2E2-EB46-8E3C-A1139A0308BF}"/>
-              </a:ext>
-            </a:extLst>
-          </p:cNvPr>
-          <p:cNvSpPr>
-            <a:spLocks noGrp="1"/>
-          </p:cNvSpPr>
-          <p:nvPr>
-            <p:ph idx="1"/>
-          </p:nvPr>
-        </p:nvSpPr>
-        <p:spPr>
-          <a:xfrm>
-            <a:off x="2904563" y="1825625"/>
-            <a:ext cx="8449055" cy="4351338"/>
-          </a:xfrm>
-        </p:spPr>
-        <p:txBody>
-          <a:bodyPr/>
-          <a:lstStyle/>
-          <a:p>
-            <a:r>
-              <a:rPr lang="en-US" dirty="0"/>
-              <a:t>A type of Amplitude Modulation</a:t>
-            </a:r>
-          </a:p>
-          <a:p>
-            <a:r>
-              <a:rPr lang="en-US" dirty="0"/>
-              <a:t>Presence of the carrier wave denotes a ’1’</a:t>
-            </a:r>
-            <a:endParaRPr lang="en-US" baseline="-25000" dirty="0"/>
-          </a:p>
-          <a:p>
-            <a:r>
-              <a:rPr lang="en-US" dirty="0"/>
-              <a:t>Absence of the carrier wave denotes a ‘0’</a:t>
-            </a:r>
-          </a:p>
-        </p:txBody>
-      </p:sp>
-      <p:pic>
-        <p:nvPicPr>
-          <p:cNvPr id="5" name="Picture 2" descr="On-Off Keying receiver/demodulator | All About Circuits">
-            <a:extLst>
-              <a:ext uri="{FF2B5EF4-FFF2-40B4-BE49-F238E27FC236}">
-                <a16:creationId xmlns:a16="http://schemas.microsoft.com/office/drawing/2014/main" id="{4865621E-0422-AC45-A629-8681F9842E39}"/>
-              </a:ext>
-            </a:extLst>
-          </p:cNvPr>
-          <p:cNvPicPr>
-            <a:picLocks noChangeAspect="1" noChangeArrowheads="1"/>
-          </p:cNvPicPr>
-          <p:nvPr/>
-        </p:nvPicPr>
-        <p:blipFill>
-          <a:blip r:embed="rId2">
-            <a:extLst>
-              <a:ext uri="{28A0092B-C50C-407E-A947-70E740481C1C}">
-                <a14:useLocalDpi xmlns:a14="http://schemas.microsoft.com/office/drawing/2010/main" val="0"/>
-              </a:ext>
-            </a:extLst>
-          </a:blip>
-          <a:srcRect/>
-          <a:stretch>
-            <a:fillRect/>
-          </a:stretch>
-        </p:blipFill>
-        <p:spPr bwMode="auto">
-          <a:xfrm>
-            <a:off x="5291478" y="4001294"/>
-            <a:ext cx="3476624" cy="1738312"/>
-          </a:xfrm>
-          <a:prstGeom prst="rect">
-            <a:avLst/>
-          </a:prstGeom>
-          <a:noFill/>
-          <a:extLst>
-            <a:ext uri="{909E8E84-426E-40DD-AFC4-6F175D3DCCD1}">
-              <a14:hiddenFill xmlns:a14="http://schemas.microsoft.com/office/drawing/2010/main">
-                <a:solidFill>
-                  <a:srgbClr val="FFFFFF"/>
-                </a:solidFill>
-              </a14:hiddenFill>
-            </a:ext>
-          </a:extLst>
-        </p:spPr>
-      </p:pic>
+              <a:t>Quick Review</a:t>
+            </a:r>
+          </a:p>
+        </p:txBody>
+      </p:sp>
     </p:spTree>
     <p:extLst>
       <p:ext uri="{BB962C8B-B14F-4D97-AF65-F5344CB8AC3E}">
-        <p14:creationId xmlns:p14="http://schemas.microsoft.com/office/powerpoint/2010/main" val="4271375685"/>
+        <p14:creationId xmlns:p14="http://schemas.microsoft.com/office/powerpoint/2010/main" val="854695528"/>
       </p:ext>
     </p:extLst>
   </p:cSld>
@@ -9275,445 +13905,1002 @@
           <a:chExt cx="0" cy="0"/>
         </a:xfrm>
       </p:grpSpPr>
-      <p:grpSp>
-        <p:nvGrpSpPr>
-          <p:cNvPr id="22" name="Group 21">
-            <a:extLst>
-              <a:ext uri="{FF2B5EF4-FFF2-40B4-BE49-F238E27FC236}">
-                <a16:creationId xmlns:a16="http://schemas.microsoft.com/office/drawing/2014/main" id="{8144A70E-158A-524F-AE22-6BF08B62DAA3}"/>
-              </a:ext>
-            </a:extLst>
-          </p:cNvPr>
-          <p:cNvGrpSpPr/>
+      <p:sp>
+        <p:nvSpPr>
+          <p:cNvPr id="4" name="Rectangle 3">
+            <a:extLst>
+              <a:ext uri="{FF2B5EF4-FFF2-40B4-BE49-F238E27FC236}">
+                <a16:creationId xmlns:a16="http://schemas.microsoft.com/office/drawing/2014/main" id="{ACB24445-F9C5-BA45-AF58-26700F523785}"/>
+              </a:ext>
+            </a:extLst>
+          </p:cNvPr>
+          <p:cNvSpPr/>
           <p:nvPr/>
-        </p:nvGrpSpPr>
-        <p:grpSpPr>
+        </p:nvSpPr>
+        <p:spPr>
           <a:xfrm>
-            <a:off x="2731008" y="2155269"/>
-            <a:ext cx="8729472" cy="4196953"/>
-            <a:chOff x="3285644" y="3427236"/>
-            <a:chExt cx="7098192" cy="3412667"/>
-          </a:xfrm>
-        </p:grpSpPr>
-        <p:pic>
-          <p:nvPicPr>
-            <p:cNvPr id="4" name="Picture 3" descr="Chart&#10;&#10;Description automatically generated">
-              <a:extLst>
-                <a:ext uri="{FF2B5EF4-FFF2-40B4-BE49-F238E27FC236}">
-                  <a16:creationId xmlns:a16="http://schemas.microsoft.com/office/drawing/2014/main" id="{64F5A7A9-EE67-0C45-98D4-8075B270173E}"/>
-                </a:ext>
-              </a:extLst>
-            </p:cNvPr>
-            <p:cNvPicPr>
-              <a:picLocks noChangeAspect="1"/>
-            </p:cNvPicPr>
-            <p:nvPr/>
-          </p:nvPicPr>
-          <p:blipFill>
-            <a:blip r:embed="rId2"/>
-            <a:stretch>
-              <a:fillRect/>
-            </a:stretch>
-          </p:blipFill>
-          <p:spPr>
-            <a:xfrm>
-              <a:off x="3285644" y="3427236"/>
-              <a:ext cx="1767840" cy="1325880"/>
-            </a:xfrm>
-            <a:prstGeom prst="rect">
-              <a:avLst/>
-            </a:prstGeom>
-          </p:spPr>
-        </p:pic>
-        <p:pic>
-          <p:nvPicPr>
-            <p:cNvPr id="5" name="Picture 4" descr="Chart, histogram&#10;&#10;Description automatically generated">
-              <a:extLst>
-                <a:ext uri="{FF2B5EF4-FFF2-40B4-BE49-F238E27FC236}">
-                  <a16:creationId xmlns:a16="http://schemas.microsoft.com/office/drawing/2014/main" id="{B7A49348-983D-0B42-8740-6C08C8479BE9}"/>
-                </a:ext>
-              </a:extLst>
-            </p:cNvPr>
-            <p:cNvPicPr>
-              <a:picLocks noChangeAspect="1"/>
-            </p:cNvPicPr>
-            <p:nvPr/>
-          </p:nvPicPr>
-          <p:blipFill>
-            <a:blip r:embed="rId3"/>
-            <a:stretch>
-              <a:fillRect/>
-            </a:stretch>
-          </p:blipFill>
-          <p:spPr>
-            <a:xfrm>
-              <a:off x="8615996" y="3427236"/>
-              <a:ext cx="1767840" cy="1325880"/>
-            </a:xfrm>
-            <a:prstGeom prst="rect">
-              <a:avLst/>
-            </a:prstGeom>
-          </p:spPr>
-        </p:pic>
-        <p:pic>
-          <p:nvPicPr>
-            <p:cNvPr id="6" name="Picture 5" descr="Chart, histogram&#10;&#10;Description automatically generated">
-              <a:extLst>
-                <a:ext uri="{FF2B5EF4-FFF2-40B4-BE49-F238E27FC236}">
-                  <a16:creationId xmlns:a16="http://schemas.microsoft.com/office/drawing/2014/main" id="{96B33482-14AA-234B-95CD-EEB13E6A5B41}"/>
-                </a:ext>
-              </a:extLst>
-            </p:cNvPr>
-            <p:cNvPicPr>
-              <a:picLocks noChangeAspect="1"/>
-            </p:cNvPicPr>
-            <p:nvPr/>
-          </p:nvPicPr>
-          <p:blipFill>
-            <a:blip r:embed="rId4"/>
-            <a:stretch>
-              <a:fillRect/>
-            </a:stretch>
-          </p:blipFill>
-          <p:spPr>
-            <a:xfrm>
-              <a:off x="5808616" y="3428999"/>
-              <a:ext cx="1767840" cy="1325880"/>
-            </a:xfrm>
-            <a:prstGeom prst="rect">
-              <a:avLst/>
-            </a:prstGeom>
-          </p:spPr>
-        </p:pic>
-        <p:grpSp>
-          <p:nvGrpSpPr>
-            <p:cNvPr id="9" name="Group 8">
-              <a:extLst>
-                <a:ext uri="{FF2B5EF4-FFF2-40B4-BE49-F238E27FC236}">
-                  <a16:creationId xmlns:a16="http://schemas.microsoft.com/office/drawing/2014/main" id="{493CC175-7C08-D740-9ACB-C874E2DE28EC}"/>
-                </a:ext>
-              </a:extLst>
-            </p:cNvPr>
-            <p:cNvGrpSpPr/>
-            <p:nvPr/>
-          </p:nvGrpSpPr>
-          <p:grpSpPr>
-            <a:xfrm>
-              <a:off x="4823448" y="4753116"/>
-              <a:ext cx="4463987" cy="1926357"/>
-              <a:chOff x="4823448" y="4753116"/>
-              <a:chExt cx="4463987" cy="1926357"/>
-            </a:xfrm>
-          </p:grpSpPr>
-          <p:pic>
-            <p:nvPicPr>
-              <p:cNvPr id="10" name="Picture 9" descr="Diagram&#10;&#10;Description automatically generated">
-                <a:extLst>
-                  <a:ext uri="{FF2B5EF4-FFF2-40B4-BE49-F238E27FC236}">
-                    <a16:creationId xmlns:a16="http://schemas.microsoft.com/office/drawing/2014/main" id="{B08E84FC-E1BD-D646-8309-A88AA6357784}"/>
-                  </a:ext>
-                </a:extLst>
-              </p:cNvPr>
-              <p:cNvPicPr>
-                <a:picLocks noChangeAspect="1"/>
-              </p:cNvPicPr>
-              <p:nvPr/>
-            </p:nvPicPr>
-            <p:blipFill>
-              <a:blip r:embed="rId5"/>
-              <a:stretch>
-                <a:fillRect/>
-              </a:stretch>
-            </p:blipFill>
-            <p:spPr>
-              <a:xfrm>
-                <a:off x="4823448" y="5048793"/>
-                <a:ext cx="4463987" cy="1630680"/>
-              </a:xfrm>
-              <a:prstGeom prst="rect">
-                <a:avLst/>
-              </a:prstGeom>
-            </p:spPr>
-          </p:pic>
-          <p:sp>
-            <p:nvSpPr>
-              <p:cNvPr id="11" name="TextBox 10">
-                <a:extLst>
-                  <a:ext uri="{FF2B5EF4-FFF2-40B4-BE49-F238E27FC236}">
-                    <a16:creationId xmlns:a16="http://schemas.microsoft.com/office/drawing/2014/main" id="{654B108B-BE1E-284E-AB62-D12D846021D0}"/>
-                  </a:ext>
-                </a:extLst>
-              </p:cNvPr>
-              <p:cNvSpPr txBox="1"/>
-              <p:nvPr/>
-            </p:nvSpPr>
-            <p:spPr>
-              <a:xfrm>
-                <a:off x="5808617" y="4753116"/>
-                <a:ext cx="723596" cy="369332"/>
-              </a:xfrm>
-              <a:prstGeom prst="rect">
-                <a:avLst/>
-              </a:prstGeom>
-              <a:noFill/>
-            </p:spPr>
-            <p:txBody>
-              <a:bodyPr wrap="none" rtlCol="0">
-                <a:spAutoFit/>
-              </a:bodyPr>
-              <a:lstStyle/>
-              <a:p>
-                <a:r>
-                  <a:rPr lang="en-US" dirty="0"/>
-                  <a:t>Mixer</a:t>
-                </a:r>
-              </a:p>
-            </p:txBody>
-          </p:sp>
-          <p:sp>
-            <p:nvSpPr>
-              <p:cNvPr id="12" name="TextBox 11">
-                <a:extLst>
-                  <a:ext uri="{FF2B5EF4-FFF2-40B4-BE49-F238E27FC236}">
-                    <a16:creationId xmlns:a16="http://schemas.microsoft.com/office/drawing/2014/main" id="{01E34906-3C62-D641-BA85-6C4627388CD5}"/>
-                  </a:ext>
-                </a:extLst>
-              </p:cNvPr>
-              <p:cNvSpPr txBox="1"/>
-              <p:nvPr/>
-            </p:nvSpPr>
-            <p:spPr>
-              <a:xfrm>
-                <a:off x="6816621" y="4753116"/>
-                <a:ext cx="1514967" cy="369332"/>
-              </a:xfrm>
-              <a:prstGeom prst="rect">
-                <a:avLst/>
-              </a:prstGeom>
-              <a:noFill/>
-            </p:spPr>
-            <p:txBody>
-              <a:bodyPr wrap="none" rtlCol="0">
-                <a:spAutoFit/>
-              </a:bodyPr>
-              <a:lstStyle/>
-              <a:p>
-                <a:r>
-                  <a:rPr lang="en-US" dirty="0"/>
-                  <a:t>Lowpass Filter</a:t>
-                </a:r>
-              </a:p>
-            </p:txBody>
-          </p:sp>
-        </p:grpSp>
-        <p:pic>
-          <p:nvPicPr>
-            <p:cNvPr id="13" name="Picture 12" descr="Chart&#10;&#10;Description automatically generated">
-              <a:extLst>
-                <a:ext uri="{FF2B5EF4-FFF2-40B4-BE49-F238E27FC236}">
-                  <a16:creationId xmlns:a16="http://schemas.microsoft.com/office/drawing/2014/main" id="{A67CAA2E-A3D4-0C48-8222-DA2C1BF56950}"/>
-                </a:ext>
-              </a:extLst>
-            </p:cNvPr>
-            <p:cNvPicPr>
-              <a:picLocks noChangeAspect="1"/>
-            </p:cNvPicPr>
-            <p:nvPr/>
-          </p:nvPicPr>
-          <p:blipFill>
-            <a:blip r:embed="rId6"/>
-            <a:stretch>
-              <a:fillRect/>
-            </a:stretch>
-          </p:blipFill>
-          <p:spPr>
-            <a:xfrm>
-              <a:off x="3285644" y="5514023"/>
-              <a:ext cx="1767840" cy="1325880"/>
-            </a:xfrm>
-            <a:prstGeom prst="rect">
-              <a:avLst/>
-            </a:prstGeom>
-          </p:spPr>
-        </p:pic>
-        <p:cxnSp>
-          <p:nvCxnSpPr>
-            <p:cNvPr id="14" name="Straight Arrow Connector 13">
-              <a:extLst>
-                <a:ext uri="{FF2B5EF4-FFF2-40B4-BE49-F238E27FC236}">
-                  <a16:creationId xmlns:a16="http://schemas.microsoft.com/office/drawing/2014/main" id="{C0D9FFBA-6FA9-2A48-816B-CD783CAF5B8E}"/>
-                </a:ext>
-              </a:extLst>
-            </p:cNvPr>
-            <p:cNvCxnSpPr>
-              <a:cxnSpLocks/>
-              <a:stCxn id="4" idx="2"/>
-            </p:cNvCxnSpPr>
-            <p:nvPr/>
-          </p:nvCxnSpPr>
-          <p:spPr>
-            <a:xfrm>
-              <a:off x="4169564" y="4753116"/>
-              <a:ext cx="1412630" cy="698450"/>
-            </a:xfrm>
-            <a:prstGeom prst="straightConnector1">
-              <a:avLst/>
-            </a:prstGeom>
-            <a:ln>
-              <a:tailEnd type="triangle"/>
-            </a:ln>
-          </p:spPr>
-          <p:style>
-            <a:lnRef idx="1">
-              <a:schemeClr val="accent1"/>
-            </a:lnRef>
-            <a:fillRef idx="0">
-              <a:schemeClr val="accent1"/>
-            </a:fillRef>
-            <a:effectRef idx="0">
-              <a:schemeClr val="accent1"/>
-            </a:effectRef>
-            <a:fontRef idx="minor">
+            <a:off x="3119718" y="3200400"/>
+            <a:ext cx="927847" cy="927847"/>
+          </a:xfrm>
+          <a:prstGeom prst="rect">
+            <a:avLst/>
+          </a:prstGeom>
+        </p:spPr>
+        <p:style>
+          <a:lnRef idx="2">
+            <a:schemeClr val="accent1">
+              <a:shade val="50000"/>
+            </a:schemeClr>
+          </a:lnRef>
+          <a:fillRef idx="1">
+            <a:schemeClr val="accent1"/>
+          </a:fillRef>
+          <a:effectRef idx="0">
+            <a:schemeClr val="accent1"/>
+          </a:effectRef>
+          <a:fontRef idx="minor">
+            <a:schemeClr val="lt1"/>
+          </a:fontRef>
+        </p:style>
+        <p:txBody>
+          <a:bodyPr rtlCol="0" anchor="ctr"/>
+          <a:lstStyle/>
+          <a:p>
+            <a:pPr algn="ctr"/>
+            <a:r>
+              <a:rPr lang="en-US" sz="1200" dirty="0"/>
+              <a:t>Power Amplifier</a:t>
+            </a:r>
+          </a:p>
+        </p:txBody>
+      </p:sp>
+      <p:cxnSp>
+        <p:nvCxnSpPr>
+          <p:cNvPr id="6" name="Straight Arrow Connector 5">
+            <a:extLst>
+              <a:ext uri="{FF2B5EF4-FFF2-40B4-BE49-F238E27FC236}">
+                <a16:creationId xmlns:a16="http://schemas.microsoft.com/office/drawing/2014/main" id="{5277AF9E-64B7-0643-BCDC-E6F896B8F842}"/>
+              </a:ext>
+            </a:extLst>
+          </p:cNvPr>
+          <p:cNvCxnSpPr>
+            <a:cxnSpLocks/>
+            <a:stCxn id="4" idx="3"/>
+            <a:endCxn id="8" idx="1"/>
+          </p:cNvCxnSpPr>
+          <p:nvPr/>
+        </p:nvCxnSpPr>
+        <p:spPr>
+          <a:xfrm>
+            <a:off x="4047565" y="3664324"/>
+            <a:ext cx="484094" cy="0"/>
+          </a:xfrm>
+          <a:prstGeom prst="straightConnector1">
+            <a:avLst/>
+          </a:prstGeom>
+          <a:ln w="28575">
+            <a:prstDash val="sysDot"/>
+            <a:tailEnd type="triangle"/>
+          </a:ln>
+        </p:spPr>
+        <p:style>
+          <a:lnRef idx="1">
+            <a:schemeClr val="accent1"/>
+          </a:lnRef>
+          <a:fillRef idx="0">
+            <a:schemeClr val="accent1"/>
+          </a:fillRef>
+          <a:effectRef idx="0">
+            <a:schemeClr val="accent1"/>
+          </a:effectRef>
+          <a:fontRef idx="minor">
+            <a:schemeClr val="tx1"/>
+          </a:fontRef>
+        </p:style>
+      </p:cxnSp>
+      <p:sp>
+        <p:nvSpPr>
+          <p:cNvPr id="8" name="Rectangle 7">
+            <a:extLst>
+              <a:ext uri="{FF2B5EF4-FFF2-40B4-BE49-F238E27FC236}">
+                <a16:creationId xmlns:a16="http://schemas.microsoft.com/office/drawing/2014/main" id="{68DEA56F-8BA4-A649-A59D-32DD87EAEBD7}"/>
+              </a:ext>
+            </a:extLst>
+          </p:cNvPr>
+          <p:cNvSpPr/>
+          <p:nvPr/>
+        </p:nvSpPr>
+        <p:spPr>
+          <a:xfrm>
+            <a:off x="4531659" y="3200400"/>
+            <a:ext cx="927847" cy="927847"/>
+          </a:xfrm>
+          <a:prstGeom prst="rect">
+            <a:avLst/>
+          </a:prstGeom>
+        </p:spPr>
+        <p:style>
+          <a:lnRef idx="2">
+            <a:schemeClr val="accent1">
+              <a:shade val="50000"/>
+            </a:schemeClr>
+          </a:lnRef>
+          <a:fillRef idx="1">
+            <a:schemeClr val="accent1"/>
+          </a:fillRef>
+          <a:effectRef idx="0">
+            <a:schemeClr val="accent1"/>
+          </a:effectRef>
+          <a:fontRef idx="minor">
+            <a:schemeClr val="lt1"/>
+          </a:fontRef>
+        </p:style>
+        <p:txBody>
+          <a:bodyPr rtlCol="0" anchor="ctr"/>
+          <a:lstStyle/>
+          <a:p>
+            <a:pPr algn="ctr"/>
+            <a:r>
+              <a:rPr lang="en-US" sz="1200" dirty="0" err="1"/>
+              <a:t>RFTuner</a:t>
+            </a:r>
+            <a:endParaRPr lang="en-US" sz="1200" dirty="0"/>
+          </a:p>
+        </p:txBody>
+      </p:sp>
+      <p:cxnSp>
+        <p:nvCxnSpPr>
+          <p:cNvPr id="10" name="Straight Arrow Connector 9">
+            <a:extLst>
+              <a:ext uri="{FF2B5EF4-FFF2-40B4-BE49-F238E27FC236}">
+                <a16:creationId xmlns:a16="http://schemas.microsoft.com/office/drawing/2014/main" id="{1919ABC3-F37E-5649-9B4C-0050B4FF5B51}"/>
+              </a:ext>
+            </a:extLst>
+          </p:cNvPr>
+          <p:cNvCxnSpPr>
+            <a:cxnSpLocks/>
+            <a:stCxn id="8" idx="3"/>
+            <a:endCxn id="18" idx="1"/>
+          </p:cNvCxnSpPr>
+          <p:nvPr/>
+        </p:nvCxnSpPr>
+        <p:spPr>
+          <a:xfrm>
+            <a:off x="5459506" y="3664324"/>
+            <a:ext cx="497541" cy="0"/>
+          </a:xfrm>
+          <a:prstGeom prst="straightConnector1">
+            <a:avLst/>
+          </a:prstGeom>
+          <a:ln w="28575">
+            <a:prstDash val="sysDot"/>
+            <a:tailEnd type="triangle"/>
+          </a:ln>
+        </p:spPr>
+        <p:style>
+          <a:lnRef idx="1">
+            <a:schemeClr val="accent1"/>
+          </a:lnRef>
+          <a:fillRef idx="0">
+            <a:schemeClr val="accent1"/>
+          </a:fillRef>
+          <a:effectRef idx="0">
+            <a:schemeClr val="accent1"/>
+          </a:effectRef>
+          <a:fontRef idx="minor">
+            <a:schemeClr val="tx1"/>
+          </a:fontRef>
+        </p:style>
+      </p:cxnSp>
+      <p:sp>
+        <p:nvSpPr>
+          <p:cNvPr id="18" name="Rectangle 17">
+            <a:extLst>
+              <a:ext uri="{FF2B5EF4-FFF2-40B4-BE49-F238E27FC236}">
+                <a16:creationId xmlns:a16="http://schemas.microsoft.com/office/drawing/2014/main" id="{9227538B-C07F-3F44-80B3-B42A32C8E8E5}"/>
+              </a:ext>
+            </a:extLst>
+          </p:cNvPr>
+          <p:cNvSpPr/>
+          <p:nvPr/>
+        </p:nvSpPr>
+        <p:spPr>
+          <a:xfrm>
+            <a:off x="5957047" y="3200400"/>
+            <a:ext cx="927847" cy="927847"/>
+          </a:xfrm>
+          <a:prstGeom prst="rect">
+            <a:avLst/>
+          </a:prstGeom>
+        </p:spPr>
+        <p:style>
+          <a:lnRef idx="2">
+            <a:schemeClr val="accent1">
+              <a:shade val="50000"/>
+            </a:schemeClr>
+          </a:lnRef>
+          <a:fillRef idx="1">
+            <a:schemeClr val="accent1"/>
+          </a:fillRef>
+          <a:effectRef idx="0">
+            <a:schemeClr val="accent1"/>
+          </a:effectRef>
+          <a:fontRef idx="minor">
+            <a:schemeClr val="lt1"/>
+          </a:fontRef>
+        </p:style>
+        <p:txBody>
+          <a:bodyPr rtlCol="0" anchor="ctr"/>
+          <a:lstStyle/>
+          <a:p>
+            <a:pPr algn="ctr"/>
+            <a:r>
+              <a:rPr lang="en-US" sz="1200" dirty="0"/>
+              <a:t>ADC</a:t>
+            </a:r>
+          </a:p>
+        </p:txBody>
+      </p:sp>
+      <p:sp>
+        <p:nvSpPr>
+          <p:cNvPr id="20" name="Rectangle 19">
+            <a:extLst>
+              <a:ext uri="{FF2B5EF4-FFF2-40B4-BE49-F238E27FC236}">
+                <a16:creationId xmlns:a16="http://schemas.microsoft.com/office/drawing/2014/main" id="{0649E6CC-FEDA-AE4A-9859-FCC5289915B7}"/>
+              </a:ext>
+            </a:extLst>
+          </p:cNvPr>
+          <p:cNvSpPr/>
+          <p:nvPr/>
+        </p:nvSpPr>
+        <p:spPr>
+          <a:xfrm>
+            <a:off x="2501154" y="2595283"/>
+            <a:ext cx="712694" cy="363071"/>
+          </a:xfrm>
+          <a:prstGeom prst="rect">
+            <a:avLst/>
+          </a:prstGeom>
+        </p:spPr>
+        <p:style>
+          <a:lnRef idx="2">
+            <a:schemeClr val="accent1">
+              <a:shade val="50000"/>
+            </a:schemeClr>
+          </a:lnRef>
+          <a:fillRef idx="1">
+            <a:schemeClr val="accent1"/>
+          </a:fillRef>
+          <a:effectRef idx="0">
+            <a:schemeClr val="accent1"/>
+          </a:effectRef>
+          <a:fontRef idx="minor">
+            <a:schemeClr val="lt1"/>
+          </a:fontRef>
+        </p:style>
+        <p:txBody>
+          <a:bodyPr rtlCol="0" anchor="ctr"/>
+          <a:lstStyle/>
+          <a:p>
+            <a:pPr algn="ctr"/>
+            <a:r>
+              <a:rPr lang="en-US" sz="1200" dirty="0"/>
+              <a:t>Antenna</a:t>
+            </a:r>
+          </a:p>
+        </p:txBody>
+      </p:sp>
+      <p:cxnSp>
+        <p:nvCxnSpPr>
+          <p:cNvPr id="22" name="Elbow Connector 21">
+            <a:extLst>
+              <a:ext uri="{FF2B5EF4-FFF2-40B4-BE49-F238E27FC236}">
+                <a16:creationId xmlns:a16="http://schemas.microsoft.com/office/drawing/2014/main" id="{3FD262AD-9476-9E4F-A5D0-0070D31DEDA0}"/>
+              </a:ext>
+            </a:extLst>
+          </p:cNvPr>
+          <p:cNvCxnSpPr>
+            <a:stCxn id="20" idx="2"/>
+            <a:endCxn id="4" idx="1"/>
+          </p:cNvCxnSpPr>
+          <p:nvPr/>
+        </p:nvCxnSpPr>
+        <p:spPr>
+          <a:xfrm rot="16200000" flipH="1">
+            <a:off x="2635624" y="3180230"/>
+            <a:ext cx="705970" cy="262217"/>
+          </a:xfrm>
+          <a:prstGeom prst="bentConnector2">
+            <a:avLst/>
+          </a:prstGeom>
+          <a:ln w="28575">
+            <a:prstDash val="sysDot"/>
+            <a:tailEnd type="triangle"/>
+          </a:ln>
+        </p:spPr>
+        <p:style>
+          <a:lnRef idx="1">
+            <a:schemeClr val="accent1"/>
+          </a:lnRef>
+          <a:fillRef idx="0">
+            <a:schemeClr val="accent1"/>
+          </a:fillRef>
+          <a:effectRef idx="0">
+            <a:schemeClr val="accent1"/>
+          </a:effectRef>
+          <a:fontRef idx="minor">
+            <a:schemeClr val="tx1"/>
+          </a:fontRef>
+        </p:style>
+      </p:cxnSp>
+      <p:cxnSp>
+        <p:nvCxnSpPr>
+          <p:cNvPr id="29" name="Straight Arrow Connector 28">
+            <a:extLst>
+              <a:ext uri="{FF2B5EF4-FFF2-40B4-BE49-F238E27FC236}">
+                <a16:creationId xmlns:a16="http://schemas.microsoft.com/office/drawing/2014/main" id="{18DA1C04-0266-DA4B-949F-539350E9F0D2}"/>
+              </a:ext>
+            </a:extLst>
+          </p:cNvPr>
+          <p:cNvCxnSpPr>
+            <a:cxnSpLocks/>
+            <a:endCxn id="30" idx="1"/>
+          </p:cNvCxnSpPr>
+          <p:nvPr/>
+        </p:nvCxnSpPr>
+        <p:spPr>
+          <a:xfrm>
+            <a:off x="6884894" y="3664324"/>
+            <a:ext cx="497541" cy="0"/>
+          </a:xfrm>
+          <a:prstGeom prst="straightConnector1">
+            <a:avLst/>
+          </a:prstGeom>
+          <a:ln w="28575">
+            <a:solidFill>
+              <a:schemeClr val="accent6"/>
+            </a:solidFill>
+            <a:prstDash val="solid"/>
+            <a:tailEnd type="triangle"/>
+          </a:ln>
+        </p:spPr>
+        <p:style>
+          <a:lnRef idx="1">
+            <a:schemeClr val="accent1"/>
+          </a:lnRef>
+          <a:fillRef idx="0">
+            <a:schemeClr val="accent1"/>
+          </a:fillRef>
+          <a:effectRef idx="0">
+            <a:schemeClr val="accent1"/>
+          </a:effectRef>
+          <a:fontRef idx="minor">
+            <a:schemeClr val="tx1"/>
+          </a:fontRef>
+        </p:style>
+      </p:cxnSp>
+      <p:sp>
+        <p:nvSpPr>
+          <p:cNvPr id="30" name="Rectangle 29">
+            <a:extLst>
+              <a:ext uri="{FF2B5EF4-FFF2-40B4-BE49-F238E27FC236}">
+                <a16:creationId xmlns:a16="http://schemas.microsoft.com/office/drawing/2014/main" id="{95A5DEF0-B77A-A943-91D6-D098C796BACB}"/>
+              </a:ext>
+            </a:extLst>
+          </p:cNvPr>
+          <p:cNvSpPr/>
+          <p:nvPr/>
+        </p:nvSpPr>
+        <p:spPr>
+          <a:xfrm>
+            <a:off x="7382435" y="3200400"/>
+            <a:ext cx="927847" cy="927847"/>
+          </a:xfrm>
+          <a:prstGeom prst="rect">
+            <a:avLst/>
+          </a:prstGeom>
+        </p:spPr>
+        <p:style>
+          <a:lnRef idx="2">
+            <a:schemeClr val="accent6">
+              <a:shade val="50000"/>
+            </a:schemeClr>
+          </a:lnRef>
+          <a:fillRef idx="1">
+            <a:schemeClr val="accent6"/>
+          </a:fillRef>
+          <a:effectRef idx="0">
+            <a:schemeClr val="accent6"/>
+          </a:effectRef>
+          <a:fontRef idx="minor">
+            <a:schemeClr val="lt1"/>
+          </a:fontRef>
+        </p:style>
+        <p:txBody>
+          <a:bodyPr rtlCol="0" anchor="ctr"/>
+          <a:lstStyle/>
+          <a:p>
+            <a:pPr algn="ctr"/>
+            <a:r>
+              <a:rPr lang="en-US" sz="1200" dirty="0"/>
+              <a:t>Digital Mixer</a:t>
+            </a:r>
+          </a:p>
+        </p:txBody>
+      </p:sp>
+      <p:sp>
+        <p:nvSpPr>
+          <p:cNvPr id="31" name="Rectangle 30">
+            <a:extLst>
+              <a:ext uri="{FF2B5EF4-FFF2-40B4-BE49-F238E27FC236}">
+                <a16:creationId xmlns:a16="http://schemas.microsoft.com/office/drawing/2014/main" id="{DF829BC7-6C51-B74E-9BB1-E6E80F3D908E}"/>
+              </a:ext>
+            </a:extLst>
+          </p:cNvPr>
+          <p:cNvSpPr/>
+          <p:nvPr/>
+        </p:nvSpPr>
+        <p:spPr>
+          <a:xfrm>
+            <a:off x="7382435" y="4592171"/>
+            <a:ext cx="927847" cy="927847"/>
+          </a:xfrm>
+          <a:prstGeom prst="rect">
+            <a:avLst/>
+          </a:prstGeom>
+        </p:spPr>
+        <p:style>
+          <a:lnRef idx="2">
+            <a:schemeClr val="accent6">
+              <a:shade val="50000"/>
+            </a:schemeClr>
+          </a:lnRef>
+          <a:fillRef idx="1">
+            <a:schemeClr val="accent6"/>
+          </a:fillRef>
+          <a:effectRef idx="0">
+            <a:schemeClr val="accent6"/>
+          </a:effectRef>
+          <a:fontRef idx="minor">
+            <a:schemeClr val="lt1"/>
+          </a:fontRef>
+        </p:style>
+        <p:txBody>
+          <a:bodyPr rtlCol="0" anchor="ctr"/>
+          <a:lstStyle/>
+          <a:p>
+            <a:pPr algn="ctr"/>
+            <a:r>
+              <a:rPr lang="en-US" sz="1200" dirty="0"/>
+              <a:t>Digital Local Oscillator</a:t>
+            </a:r>
+          </a:p>
+        </p:txBody>
+      </p:sp>
+      <p:cxnSp>
+        <p:nvCxnSpPr>
+          <p:cNvPr id="32" name="Straight Arrow Connector 31">
+            <a:extLst>
+              <a:ext uri="{FF2B5EF4-FFF2-40B4-BE49-F238E27FC236}">
+                <a16:creationId xmlns:a16="http://schemas.microsoft.com/office/drawing/2014/main" id="{54734E4D-F4B3-1044-A00E-29A146CFB108}"/>
+              </a:ext>
+            </a:extLst>
+          </p:cNvPr>
+          <p:cNvCxnSpPr>
+            <a:cxnSpLocks/>
+            <a:stCxn id="31" idx="0"/>
+            <a:endCxn id="30" idx="2"/>
+          </p:cNvCxnSpPr>
+          <p:nvPr/>
+        </p:nvCxnSpPr>
+        <p:spPr>
+          <a:xfrm flipV="1">
+            <a:off x="7846359" y="4128247"/>
+            <a:ext cx="0" cy="463924"/>
+          </a:xfrm>
+          <a:prstGeom prst="straightConnector1">
+            <a:avLst/>
+          </a:prstGeom>
+          <a:ln w="28575">
+            <a:solidFill>
+              <a:schemeClr val="accent6"/>
+            </a:solidFill>
+            <a:prstDash val="solid"/>
+            <a:tailEnd type="triangle"/>
+          </a:ln>
+        </p:spPr>
+        <p:style>
+          <a:lnRef idx="1">
+            <a:schemeClr val="accent1"/>
+          </a:lnRef>
+          <a:fillRef idx="0">
+            <a:schemeClr val="accent1"/>
+          </a:fillRef>
+          <a:effectRef idx="0">
+            <a:schemeClr val="accent1"/>
+          </a:effectRef>
+          <a:fontRef idx="minor">
+            <a:schemeClr val="tx1"/>
+          </a:fontRef>
+        </p:style>
+      </p:cxnSp>
+      <p:sp>
+        <p:nvSpPr>
+          <p:cNvPr id="37" name="Rectangle 36">
+            <a:extLst>
+              <a:ext uri="{FF2B5EF4-FFF2-40B4-BE49-F238E27FC236}">
+                <a16:creationId xmlns:a16="http://schemas.microsoft.com/office/drawing/2014/main" id="{8064004F-B6C5-F941-9128-35688FF62666}"/>
+              </a:ext>
+            </a:extLst>
+          </p:cNvPr>
+          <p:cNvSpPr/>
+          <p:nvPr/>
+        </p:nvSpPr>
+        <p:spPr>
+          <a:xfrm>
+            <a:off x="8774206" y="3200400"/>
+            <a:ext cx="927847" cy="927847"/>
+          </a:xfrm>
+          <a:prstGeom prst="rect">
+            <a:avLst/>
+          </a:prstGeom>
+        </p:spPr>
+        <p:style>
+          <a:lnRef idx="2">
+            <a:schemeClr val="accent3">
+              <a:shade val="50000"/>
+            </a:schemeClr>
+          </a:lnRef>
+          <a:fillRef idx="1">
+            <a:schemeClr val="accent3"/>
+          </a:fillRef>
+          <a:effectRef idx="0">
+            <a:schemeClr val="accent3"/>
+          </a:effectRef>
+          <a:fontRef idx="minor">
+            <a:schemeClr val="lt1"/>
+          </a:fontRef>
+        </p:style>
+        <p:txBody>
+          <a:bodyPr rtlCol="0" anchor="ctr"/>
+          <a:lstStyle/>
+          <a:p>
+            <a:pPr algn="ctr"/>
+            <a:r>
+              <a:rPr lang="en-US" sz="1200" dirty="0"/>
+              <a:t>Lowpass Filter</a:t>
+            </a:r>
+          </a:p>
+        </p:txBody>
+      </p:sp>
+      <p:cxnSp>
+        <p:nvCxnSpPr>
+          <p:cNvPr id="39" name="Straight Arrow Connector 38">
+            <a:extLst>
+              <a:ext uri="{FF2B5EF4-FFF2-40B4-BE49-F238E27FC236}">
+                <a16:creationId xmlns:a16="http://schemas.microsoft.com/office/drawing/2014/main" id="{58AC6F31-27CD-D04E-B3AE-F3998ACBC4E8}"/>
+              </a:ext>
+            </a:extLst>
+          </p:cNvPr>
+          <p:cNvCxnSpPr>
+            <a:cxnSpLocks/>
+            <a:stCxn id="30" idx="3"/>
+            <a:endCxn id="37" idx="1"/>
+          </p:cNvCxnSpPr>
+          <p:nvPr/>
+        </p:nvCxnSpPr>
+        <p:spPr>
+          <a:xfrm>
+            <a:off x="8310282" y="3664324"/>
+            <a:ext cx="463924" cy="0"/>
+          </a:xfrm>
+          <a:prstGeom prst="straightConnector1">
+            <a:avLst/>
+          </a:prstGeom>
+          <a:ln w="28575">
+            <a:solidFill>
+              <a:schemeClr val="accent3"/>
+            </a:solidFill>
+            <a:prstDash val="solid"/>
+            <a:tailEnd type="triangle"/>
+          </a:ln>
+        </p:spPr>
+        <p:style>
+          <a:lnRef idx="1">
+            <a:schemeClr val="accent1"/>
+          </a:lnRef>
+          <a:fillRef idx="0">
+            <a:schemeClr val="accent1"/>
+          </a:fillRef>
+          <a:effectRef idx="0">
+            <a:schemeClr val="accent1"/>
+          </a:effectRef>
+          <a:fontRef idx="minor">
+            <a:schemeClr val="tx1"/>
+          </a:fontRef>
+        </p:style>
+      </p:cxnSp>
+      <p:cxnSp>
+        <p:nvCxnSpPr>
+          <p:cNvPr id="42" name="Straight Arrow Connector 41">
+            <a:extLst>
+              <a:ext uri="{FF2B5EF4-FFF2-40B4-BE49-F238E27FC236}">
+                <a16:creationId xmlns:a16="http://schemas.microsoft.com/office/drawing/2014/main" id="{46BA453A-E6A0-7742-BC3B-5C3347A03D4B}"/>
+              </a:ext>
+            </a:extLst>
+          </p:cNvPr>
+          <p:cNvCxnSpPr>
+            <a:cxnSpLocks/>
+          </p:cNvCxnSpPr>
+          <p:nvPr/>
+        </p:nvCxnSpPr>
+        <p:spPr>
+          <a:xfrm>
+            <a:off x="9702053" y="3664323"/>
+            <a:ext cx="463924" cy="0"/>
+          </a:xfrm>
+          <a:prstGeom prst="straightConnector1">
+            <a:avLst/>
+          </a:prstGeom>
+          <a:ln w="28575">
+            <a:solidFill>
+              <a:schemeClr val="accent3"/>
+            </a:solidFill>
+            <a:prstDash val="solid"/>
+            <a:tailEnd type="triangle"/>
+          </a:ln>
+        </p:spPr>
+        <p:style>
+          <a:lnRef idx="1">
+            <a:schemeClr val="accent1"/>
+          </a:lnRef>
+          <a:fillRef idx="0">
+            <a:schemeClr val="accent1"/>
+          </a:fillRef>
+          <a:effectRef idx="0">
+            <a:schemeClr val="accent1"/>
+          </a:effectRef>
+          <a:fontRef idx="minor">
+            <a:schemeClr val="tx1"/>
+          </a:fontRef>
+        </p:style>
+      </p:cxnSp>
+      <p:sp>
+        <p:nvSpPr>
+          <p:cNvPr id="44" name="Rectangle 43">
+            <a:extLst>
+              <a:ext uri="{FF2B5EF4-FFF2-40B4-BE49-F238E27FC236}">
+                <a16:creationId xmlns:a16="http://schemas.microsoft.com/office/drawing/2014/main" id="{D9569035-59BE-3643-A5B3-959F6D32F5E2}"/>
+              </a:ext>
+            </a:extLst>
+          </p:cNvPr>
+          <p:cNvSpPr/>
+          <p:nvPr/>
+        </p:nvSpPr>
+        <p:spPr>
+          <a:xfrm>
+            <a:off x="10165976" y="3200400"/>
+            <a:ext cx="927847" cy="927847"/>
+          </a:xfrm>
+          <a:prstGeom prst="rect">
+            <a:avLst/>
+          </a:prstGeom>
+        </p:spPr>
+        <p:style>
+          <a:lnRef idx="2">
+            <a:schemeClr val="accent6">
+              <a:shade val="50000"/>
+            </a:schemeClr>
+          </a:lnRef>
+          <a:fillRef idx="1">
+            <a:schemeClr val="accent6"/>
+          </a:fillRef>
+          <a:effectRef idx="0">
+            <a:schemeClr val="accent6"/>
+          </a:effectRef>
+          <a:fontRef idx="minor">
+            <a:schemeClr val="lt1"/>
+          </a:fontRef>
+        </p:style>
+        <p:txBody>
+          <a:bodyPr rtlCol="0" anchor="ctr"/>
+          <a:lstStyle/>
+          <a:p>
+            <a:pPr algn="ctr"/>
+            <a:r>
+              <a:rPr lang="en-US" sz="1200" dirty="0"/>
+              <a:t>Signal Processing</a:t>
+            </a:r>
+          </a:p>
+        </p:txBody>
+      </p:sp>
+      <p:cxnSp>
+        <p:nvCxnSpPr>
+          <p:cNvPr id="45" name="Straight Arrow Connector 44">
+            <a:extLst>
+              <a:ext uri="{FF2B5EF4-FFF2-40B4-BE49-F238E27FC236}">
+                <a16:creationId xmlns:a16="http://schemas.microsoft.com/office/drawing/2014/main" id="{24B282DA-F975-4D4D-986A-E477B6F1AED5}"/>
+              </a:ext>
+            </a:extLst>
+          </p:cNvPr>
+          <p:cNvCxnSpPr>
+            <a:cxnSpLocks/>
+          </p:cNvCxnSpPr>
+          <p:nvPr/>
+        </p:nvCxnSpPr>
+        <p:spPr>
+          <a:xfrm>
+            <a:off x="11093823" y="3664323"/>
+            <a:ext cx="463924" cy="0"/>
+          </a:xfrm>
+          <a:prstGeom prst="straightConnector1">
+            <a:avLst/>
+          </a:prstGeom>
+          <a:ln w="28575">
+            <a:solidFill>
+              <a:schemeClr val="accent6"/>
+            </a:solidFill>
+            <a:prstDash val="solid"/>
+            <a:tailEnd type="triangle"/>
+          </a:ln>
+        </p:spPr>
+        <p:style>
+          <a:lnRef idx="1">
+            <a:schemeClr val="accent1"/>
+          </a:lnRef>
+          <a:fillRef idx="0">
+            <a:schemeClr val="accent1"/>
+          </a:fillRef>
+          <a:effectRef idx="0">
+            <a:schemeClr val="accent1"/>
+          </a:effectRef>
+          <a:fontRef idx="minor">
+            <a:schemeClr val="tx1"/>
+          </a:fontRef>
+        </p:style>
+      </p:cxnSp>
+      <p:sp>
+        <p:nvSpPr>
+          <p:cNvPr id="23" name="Rectangle 22">
+            <a:extLst>
+              <a:ext uri="{FF2B5EF4-FFF2-40B4-BE49-F238E27FC236}">
+                <a16:creationId xmlns:a16="http://schemas.microsoft.com/office/drawing/2014/main" id="{6FFA9B3F-0AB6-1A4C-9AE9-C1182B671529}"/>
+              </a:ext>
+            </a:extLst>
+          </p:cNvPr>
+          <p:cNvSpPr/>
+          <p:nvPr/>
+        </p:nvSpPr>
+        <p:spPr>
+          <a:xfrm>
+            <a:off x="8774206" y="1848971"/>
+            <a:ext cx="927847" cy="927847"/>
+          </a:xfrm>
+          <a:prstGeom prst="rect">
+            <a:avLst/>
+          </a:prstGeom>
+        </p:spPr>
+        <p:style>
+          <a:lnRef idx="2">
+            <a:schemeClr val="accent2">
+              <a:shade val="50000"/>
+            </a:schemeClr>
+          </a:lnRef>
+          <a:fillRef idx="1">
+            <a:schemeClr val="accent2"/>
+          </a:fillRef>
+          <a:effectRef idx="0">
+            <a:schemeClr val="accent2"/>
+          </a:effectRef>
+          <a:fontRef idx="minor">
+            <a:schemeClr val="lt1"/>
+          </a:fontRef>
+        </p:style>
+        <p:txBody>
+          <a:bodyPr rtlCol="0" anchor="ctr"/>
+          <a:lstStyle/>
+          <a:p>
+            <a:pPr algn="ctr"/>
+            <a:r>
+              <a:rPr lang="en-US" sz="1200" dirty="0"/>
+              <a:t>Observer</a:t>
+            </a:r>
+          </a:p>
+          <a:p>
+            <a:pPr algn="ctr"/>
+            <a:r>
+              <a:rPr lang="en-US" sz="1200" dirty="0"/>
+              <a:t>Neural Network</a:t>
+            </a:r>
+          </a:p>
+        </p:txBody>
+      </p:sp>
+      <p:cxnSp>
+        <p:nvCxnSpPr>
+          <p:cNvPr id="11" name="Elbow Connector 10">
+            <a:extLst>
+              <a:ext uri="{FF2B5EF4-FFF2-40B4-BE49-F238E27FC236}">
+                <a16:creationId xmlns:a16="http://schemas.microsoft.com/office/drawing/2014/main" id="{8769B913-326B-044C-BA97-E9582AB9D172}"/>
+              </a:ext>
+            </a:extLst>
+          </p:cNvPr>
+          <p:cNvCxnSpPr>
+            <a:cxnSpLocks/>
+            <a:stCxn id="30" idx="3"/>
+            <a:endCxn id="23" idx="1"/>
+          </p:cNvCxnSpPr>
+          <p:nvPr/>
+        </p:nvCxnSpPr>
+        <p:spPr>
+          <a:xfrm flipV="1">
+            <a:off x="8310282" y="2312895"/>
+            <a:ext cx="463924" cy="1351429"/>
+          </a:xfrm>
+          <a:prstGeom prst="bentConnector3">
+            <a:avLst>
+              <a:gd name="adj1" fmla="val 50000"/>
+            </a:avLst>
+          </a:prstGeom>
+          <a:ln w="28575">
+            <a:solidFill>
+              <a:schemeClr val="accent2"/>
+            </a:solidFill>
+            <a:tailEnd type="triangle"/>
+          </a:ln>
+        </p:spPr>
+        <p:style>
+          <a:lnRef idx="1">
+            <a:schemeClr val="accent1"/>
+          </a:lnRef>
+          <a:fillRef idx="0">
+            <a:schemeClr val="accent1"/>
+          </a:fillRef>
+          <a:effectRef idx="0">
+            <a:schemeClr val="accent1"/>
+          </a:effectRef>
+          <a:fontRef idx="minor">
+            <a:schemeClr val="tx1"/>
+          </a:fontRef>
+        </p:style>
+      </p:cxnSp>
+      <p:cxnSp>
+        <p:nvCxnSpPr>
+          <p:cNvPr id="12" name="Elbow Connector 11">
+            <a:extLst>
+              <a:ext uri="{FF2B5EF4-FFF2-40B4-BE49-F238E27FC236}">
+                <a16:creationId xmlns:a16="http://schemas.microsoft.com/office/drawing/2014/main" id="{0ABD55DA-BC95-8D43-A2A4-A344F083A9BC}"/>
+              </a:ext>
+            </a:extLst>
+          </p:cNvPr>
+          <p:cNvCxnSpPr>
+            <a:stCxn id="23" idx="3"/>
+            <a:endCxn id="44" idx="1"/>
+          </p:cNvCxnSpPr>
+          <p:nvPr/>
+        </p:nvCxnSpPr>
+        <p:spPr>
+          <a:xfrm>
+            <a:off x="9702053" y="2312895"/>
+            <a:ext cx="463923" cy="1351429"/>
+          </a:xfrm>
+          <a:prstGeom prst="bentConnector3">
+            <a:avLst/>
+          </a:prstGeom>
+          <a:ln w="28575">
+            <a:solidFill>
+              <a:schemeClr val="accent2"/>
+            </a:solidFill>
+            <a:tailEnd type="triangle"/>
+          </a:ln>
+        </p:spPr>
+        <p:style>
+          <a:lnRef idx="1">
+            <a:schemeClr val="accent1"/>
+          </a:lnRef>
+          <a:fillRef idx="0">
+            <a:schemeClr val="accent1"/>
+          </a:fillRef>
+          <a:effectRef idx="0">
+            <a:schemeClr val="accent1"/>
+          </a:effectRef>
+          <a:fontRef idx="minor">
+            <a:schemeClr val="tx1"/>
+          </a:fontRef>
+        </p:style>
+      </p:cxnSp>
+      <p:sp>
+        <p:nvSpPr>
+          <p:cNvPr id="25" name="Rectangle 24">
+            <a:extLst>
+              <a:ext uri="{FF2B5EF4-FFF2-40B4-BE49-F238E27FC236}">
+                <a16:creationId xmlns:a16="http://schemas.microsoft.com/office/drawing/2014/main" id="{7D208F85-73DB-464B-AFCC-DDBC8ABFA058}"/>
+              </a:ext>
+            </a:extLst>
+          </p:cNvPr>
+          <p:cNvSpPr/>
+          <p:nvPr/>
+        </p:nvSpPr>
+        <p:spPr>
+          <a:xfrm>
+            <a:off x="7126357" y="1391478"/>
+            <a:ext cx="4651513" cy="4283765"/>
+          </a:xfrm>
+          <a:prstGeom prst="rect">
+            <a:avLst/>
+          </a:prstGeom>
+          <a:noFill/>
+          <a:ln w="28575">
+            <a:solidFill>
               <a:schemeClr val="tx1"/>
-            </a:fontRef>
-          </p:style>
-        </p:cxnSp>
-        <p:cxnSp>
-          <p:nvCxnSpPr>
-            <p:cNvPr id="15" name="Straight Arrow Connector 14">
-              <a:extLst>
-                <a:ext uri="{FF2B5EF4-FFF2-40B4-BE49-F238E27FC236}">
-                  <a16:creationId xmlns:a16="http://schemas.microsoft.com/office/drawing/2014/main" id="{09D23323-F8F1-A44B-8E35-6DF67D15DF0E}"/>
-                </a:ext>
-              </a:extLst>
-            </p:cNvPr>
-            <p:cNvCxnSpPr>
-              <a:cxnSpLocks/>
-              <a:stCxn id="6" idx="2"/>
-            </p:cNvCxnSpPr>
-            <p:nvPr/>
-          </p:nvCxnSpPr>
-          <p:spPr>
-            <a:xfrm flipH="1">
-              <a:off x="6609806" y="4754879"/>
-              <a:ext cx="82730" cy="696687"/>
-            </a:xfrm>
-            <a:prstGeom prst="straightConnector1">
-              <a:avLst/>
-            </a:prstGeom>
-            <a:ln>
-              <a:solidFill>
-                <a:srgbClr val="C00000"/>
-              </a:solidFill>
-              <a:tailEnd type="triangle"/>
-            </a:ln>
-          </p:spPr>
-          <p:style>
-            <a:lnRef idx="1">
-              <a:schemeClr val="accent1"/>
-            </a:lnRef>
-            <a:fillRef idx="0">
-              <a:schemeClr val="accent1"/>
-            </a:fillRef>
-            <a:effectRef idx="0">
-              <a:schemeClr val="accent1"/>
-            </a:effectRef>
-            <a:fontRef idx="minor">
-              <a:schemeClr val="tx1"/>
-            </a:fontRef>
-          </p:style>
-        </p:cxnSp>
-        <p:cxnSp>
-          <p:nvCxnSpPr>
-            <p:cNvPr id="16" name="Straight Arrow Connector 15">
-              <a:extLst>
-                <a:ext uri="{FF2B5EF4-FFF2-40B4-BE49-F238E27FC236}">
-                  <a16:creationId xmlns:a16="http://schemas.microsoft.com/office/drawing/2014/main" id="{9E7F9C6B-82C3-5944-BE03-1F6ED0568B30}"/>
-                </a:ext>
-              </a:extLst>
-            </p:cNvPr>
-            <p:cNvCxnSpPr>
-              <a:cxnSpLocks/>
-              <a:stCxn id="5" idx="2"/>
-            </p:cNvCxnSpPr>
-            <p:nvPr/>
-          </p:nvCxnSpPr>
-          <p:spPr>
-            <a:xfrm flipH="1">
-              <a:off x="8331588" y="4753116"/>
-              <a:ext cx="1168328" cy="698450"/>
-            </a:xfrm>
-            <a:prstGeom prst="straightConnector1">
-              <a:avLst/>
-            </a:prstGeom>
-            <a:ln>
-              <a:tailEnd type="triangle"/>
-            </a:ln>
-          </p:spPr>
-          <p:style>
-            <a:lnRef idx="1">
-              <a:schemeClr val="accent6"/>
-            </a:lnRef>
-            <a:fillRef idx="0">
-              <a:schemeClr val="accent6"/>
-            </a:fillRef>
-            <a:effectRef idx="0">
-              <a:schemeClr val="accent6"/>
-            </a:effectRef>
-            <a:fontRef idx="minor">
-              <a:schemeClr val="tx1"/>
-            </a:fontRef>
-          </p:style>
-        </p:cxnSp>
-        <p:cxnSp>
-          <p:nvCxnSpPr>
-            <p:cNvPr id="17" name="Straight Arrow Connector 16">
-              <a:extLst>
-                <a:ext uri="{FF2B5EF4-FFF2-40B4-BE49-F238E27FC236}">
-                  <a16:creationId xmlns:a16="http://schemas.microsoft.com/office/drawing/2014/main" id="{DAFB6501-B535-B441-9FFF-5D1253C27E28}"/>
-                </a:ext>
-              </a:extLst>
-            </p:cNvPr>
-            <p:cNvCxnSpPr>
-              <a:cxnSpLocks/>
-              <a:stCxn id="13" idx="3"/>
-            </p:cNvCxnSpPr>
-            <p:nvPr/>
-          </p:nvCxnSpPr>
-          <p:spPr>
-            <a:xfrm flipV="1">
-              <a:off x="5053484" y="6069875"/>
-              <a:ext cx="1112185" cy="107088"/>
-            </a:xfrm>
-            <a:prstGeom prst="straightConnector1">
-              <a:avLst/>
-            </a:prstGeom>
-            <a:ln>
-              <a:tailEnd type="triangle"/>
-            </a:ln>
-          </p:spPr>
-          <p:style>
-            <a:lnRef idx="1">
-              <a:schemeClr val="accent1"/>
-            </a:lnRef>
-            <a:fillRef idx="0">
-              <a:schemeClr val="accent1"/>
-            </a:fillRef>
-            <a:effectRef idx="0">
-              <a:schemeClr val="accent1"/>
-            </a:effectRef>
-            <a:fontRef idx="minor">
-              <a:schemeClr val="tx1"/>
-            </a:fontRef>
-          </p:style>
-        </p:cxnSp>
-      </p:grpSp>
-      <p:sp>
-        <p:nvSpPr>
-          <p:cNvPr id="23" name="Title 1">
-            <a:extLst>
-              <a:ext uri="{FF2B5EF4-FFF2-40B4-BE49-F238E27FC236}">
-                <a16:creationId xmlns:a16="http://schemas.microsoft.com/office/drawing/2014/main" id="{7D5B2EB8-02B6-8548-BB76-9380400F9109}"/>
+            </a:solidFill>
+          </a:ln>
+        </p:spPr>
+        <p:style>
+          <a:lnRef idx="2">
+            <a:schemeClr val="accent1">
+              <a:shade val="50000"/>
+            </a:schemeClr>
+          </a:lnRef>
+          <a:fillRef idx="1">
+            <a:schemeClr val="accent1"/>
+          </a:fillRef>
+          <a:effectRef idx="0">
+            <a:schemeClr val="accent1"/>
+          </a:effectRef>
+          <a:fontRef idx="minor">
+            <a:schemeClr val="lt1"/>
+          </a:fontRef>
+        </p:style>
+        <p:txBody>
+          <a:bodyPr rtlCol="0" anchor="ctr"/>
+          <a:lstStyle/>
+          <a:p>
+            <a:pPr algn="ctr"/>
+            <a:endParaRPr lang="en-US"/>
+          </a:p>
+        </p:txBody>
+      </p:sp>
+      <p:sp>
+        <p:nvSpPr>
+          <p:cNvPr id="26" name="TextBox 25">
+            <a:extLst>
+              <a:ext uri="{FF2B5EF4-FFF2-40B4-BE49-F238E27FC236}">
+                <a16:creationId xmlns:a16="http://schemas.microsoft.com/office/drawing/2014/main" id="{2CD71FC5-8D45-014A-B155-82B856135372}"/>
+              </a:ext>
+            </a:extLst>
+          </p:cNvPr>
+          <p:cNvSpPr txBox="1"/>
+          <p:nvPr/>
+        </p:nvSpPr>
+        <p:spPr>
+          <a:xfrm>
+            <a:off x="9392478" y="5335352"/>
+            <a:ext cx="2385392" cy="369332"/>
+          </a:xfrm>
+          <a:prstGeom prst="rect">
+            <a:avLst/>
+          </a:prstGeom>
+          <a:noFill/>
+        </p:spPr>
+        <p:txBody>
+          <a:bodyPr wrap="square" rtlCol="0">
+            <a:spAutoFit/>
+          </a:bodyPr>
+          <a:lstStyle/>
+          <a:p>
+            <a:r>
+              <a:rPr lang="en-US" dirty="0"/>
+              <a:t>Implemented on FPGA</a:t>
+            </a:r>
+          </a:p>
+        </p:txBody>
+      </p:sp>
+      <p:sp>
+        <p:nvSpPr>
+          <p:cNvPr id="24" name="Title 1">
+            <a:extLst>
+              <a:ext uri="{FF2B5EF4-FFF2-40B4-BE49-F238E27FC236}">
+                <a16:creationId xmlns:a16="http://schemas.microsoft.com/office/drawing/2014/main" id="{4BA3E9F3-DB7A-F544-A9C0-84A60664DAE8}"/>
               </a:ext>
             </a:extLst>
           </p:cNvPr>
@@ -9736,7 +14923,7 @@
           <a:p>
             <a:r>
               <a:rPr lang="en-US" dirty="0"/>
-              <a:t>Down Conversion Example Using OOK Data</a:t>
+              <a:t>Quick Review</a:t>
             </a:r>
           </a:p>
         </p:txBody>
@@ -9744,7 +14931,7 @@
     </p:spTree>
     <p:extLst>
       <p:ext uri="{BB962C8B-B14F-4D97-AF65-F5344CB8AC3E}">
-        <p14:creationId xmlns:p14="http://schemas.microsoft.com/office/powerpoint/2010/main" val="3287907879"/>
+        <p14:creationId xmlns:p14="http://schemas.microsoft.com/office/powerpoint/2010/main" val="3258996839"/>
       </p:ext>
     </p:extLst>
   </p:cSld>
@@ -9773,10 +14960,862 @@
       </p:grpSpPr>
       <p:sp>
         <p:nvSpPr>
-          <p:cNvPr id="2" name="Title 1">
-            <a:extLst>
-              <a:ext uri="{FF2B5EF4-FFF2-40B4-BE49-F238E27FC236}">
-                <a16:creationId xmlns:a16="http://schemas.microsoft.com/office/drawing/2014/main" id="{82CF92D0-9CFF-744E-98EA-F374B4DAAA87}"/>
+          <p:cNvPr id="4" name="Rectangle 3">
+            <a:extLst>
+              <a:ext uri="{FF2B5EF4-FFF2-40B4-BE49-F238E27FC236}">
+                <a16:creationId xmlns:a16="http://schemas.microsoft.com/office/drawing/2014/main" id="{ACB24445-F9C5-BA45-AF58-26700F523785}"/>
+              </a:ext>
+            </a:extLst>
+          </p:cNvPr>
+          <p:cNvSpPr/>
+          <p:nvPr/>
+        </p:nvSpPr>
+        <p:spPr>
+          <a:xfrm>
+            <a:off x="3119718" y="3200400"/>
+            <a:ext cx="927847" cy="927847"/>
+          </a:xfrm>
+          <a:prstGeom prst="rect">
+            <a:avLst/>
+          </a:prstGeom>
+        </p:spPr>
+        <p:style>
+          <a:lnRef idx="2">
+            <a:schemeClr val="accent1">
+              <a:shade val="50000"/>
+            </a:schemeClr>
+          </a:lnRef>
+          <a:fillRef idx="1">
+            <a:schemeClr val="accent1"/>
+          </a:fillRef>
+          <a:effectRef idx="0">
+            <a:schemeClr val="accent1"/>
+          </a:effectRef>
+          <a:fontRef idx="minor">
+            <a:schemeClr val="lt1"/>
+          </a:fontRef>
+        </p:style>
+        <p:txBody>
+          <a:bodyPr rtlCol="0" anchor="ctr"/>
+          <a:lstStyle/>
+          <a:p>
+            <a:pPr algn="ctr"/>
+            <a:r>
+              <a:rPr lang="en-US" sz="1200" dirty="0"/>
+              <a:t>Power Amplifier</a:t>
+            </a:r>
+          </a:p>
+        </p:txBody>
+      </p:sp>
+      <p:cxnSp>
+        <p:nvCxnSpPr>
+          <p:cNvPr id="6" name="Straight Arrow Connector 5">
+            <a:extLst>
+              <a:ext uri="{FF2B5EF4-FFF2-40B4-BE49-F238E27FC236}">
+                <a16:creationId xmlns:a16="http://schemas.microsoft.com/office/drawing/2014/main" id="{5277AF9E-64B7-0643-BCDC-E6F896B8F842}"/>
+              </a:ext>
+            </a:extLst>
+          </p:cNvPr>
+          <p:cNvCxnSpPr>
+            <a:cxnSpLocks/>
+            <a:stCxn id="4" idx="3"/>
+            <a:endCxn id="8" idx="1"/>
+          </p:cNvCxnSpPr>
+          <p:nvPr/>
+        </p:nvCxnSpPr>
+        <p:spPr>
+          <a:xfrm>
+            <a:off x="4047565" y="3664324"/>
+            <a:ext cx="484094" cy="0"/>
+          </a:xfrm>
+          <a:prstGeom prst="straightConnector1">
+            <a:avLst/>
+          </a:prstGeom>
+          <a:ln w="28575">
+            <a:prstDash val="sysDot"/>
+            <a:tailEnd type="triangle"/>
+          </a:ln>
+        </p:spPr>
+        <p:style>
+          <a:lnRef idx="1">
+            <a:schemeClr val="accent1"/>
+          </a:lnRef>
+          <a:fillRef idx="0">
+            <a:schemeClr val="accent1"/>
+          </a:fillRef>
+          <a:effectRef idx="0">
+            <a:schemeClr val="accent1"/>
+          </a:effectRef>
+          <a:fontRef idx="minor">
+            <a:schemeClr val="tx1"/>
+          </a:fontRef>
+        </p:style>
+      </p:cxnSp>
+      <p:sp>
+        <p:nvSpPr>
+          <p:cNvPr id="8" name="Rectangle 7">
+            <a:extLst>
+              <a:ext uri="{FF2B5EF4-FFF2-40B4-BE49-F238E27FC236}">
+                <a16:creationId xmlns:a16="http://schemas.microsoft.com/office/drawing/2014/main" id="{68DEA56F-8BA4-A649-A59D-32DD87EAEBD7}"/>
+              </a:ext>
+            </a:extLst>
+          </p:cNvPr>
+          <p:cNvSpPr/>
+          <p:nvPr/>
+        </p:nvSpPr>
+        <p:spPr>
+          <a:xfrm>
+            <a:off x="4531659" y="3200400"/>
+            <a:ext cx="927847" cy="927847"/>
+          </a:xfrm>
+          <a:prstGeom prst="rect">
+            <a:avLst/>
+          </a:prstGeom>
+        </p:spPr>
+        <p:style>
+          <a:lnRef idx="2">
+            <a:schemeClr val="accent1">
+              <a:shade val="50000"/>
+            </a:schemeClr>
+          </a:lnRef>
+          <a:fillRef idx="1">
+            <a:schemeClr val="accent1"/>
+          </a:fillRef>
+          <a:effectRef idx="0">
+            <a:schemeClr val="accent1"/>
+          </a:effectRef>
+          <a:fontRef idx="minor">
+            <a:schemeClr val="lt1"/>
+          </a:fontRef>
+        </p:style>
+        <p:txBody>
+          <a:bodyPr rtlCol="0" anchor="ctr"/>
+          <a:lstStyle/>
+          <a:p>
+            <a:pPr algn="ctr"/>
+            <a:r>
+              <a:rPr lang="en-US" sz="1200" dirty="0" err="1"/>
+              <a:t>RFTuner</a:t>
+            </a:r>
+            <a:endParaRPr lang="en-US" sz="1200" dirty="0"/>
+          </a:p>
+        </p:txBody>
+      </p:sp>
+      <p:cxnSp>
+        <p:nvCxnSpPr>
+          <p:cNvPr id="10" name="Straight Arrow Connector 9">
+            <a:extLst>
+              <a:ext uri="{FF2B5EF4-FFF2-40B4-BE49-F238E27FC236}">
+                <a16:creationId xmlns:a16="http://schemas.microsoft.com/office/drawing/2014/main" id="{1919ABC3-F37E-5649-9B4C-0050B4FF5B51}"/>
+              </a:ext>
+            </a:extLst>
+          </p:cNvPr>
+          <p:cNvCxnSpPr>
+            <a:cxnSpLocks/>
+            <a:stCxn id="8" idx="3"/>
+            <a:endCxn id="18" idx="1"/>
+          </p:cNvCxnSpPr>
+          <p:nvPr/>
+        </p:nvCxnSpPr>
+        <p:spPr>
+          <a:xfrm>
+            <a:off x="5459506" y="3664324"/>
+            <a:ext cx="497541" cy="0"/>
+          </a:xfrm>
+          <a:prstGeom prst="straightConnector1">
+            <a:avLst/>
+          </a:prstGeom>
+          <a:ln w="28575">
+            <a:prstDash val="sysDot"/>
+            <a:tailEnd type="triangle"/>
+          </a:ln>
+        </p:spPr>
+        <p:style>
+          <a:lnRef idx="1">
+            <a:schemeClr val="accent1"/>
+          </a:lnRef>
+          <a:fillRef idx="0">
+            <a:schemeClr val="accent1"/>
+          </a:fillRef>
+          <a:effectRef idx="0">
+            <a:schemeClr val="accent1"/>
+          </a:effectRef>
+          <a:fontRef idx="minor">
+            <a:schemeClr val="tx1"/>
+          </a:fontRef>
+        </p:style>
+      </p:cxnSp>
+      <p:sp>
+        <p:nvSpPr>
+          <p:cNvPr id="18" name="Rectangle 17">
+            <a:extLst>
+              <a:ext uri="{FF2B5EF4-FFF2-40B4-BE49-F238E27FC236}">
+                <a16:creationId xmlns:a16="http://schemas.microsoft.com/office/drawing/2014/main" id="{9227538B-C07F-3F44-80B3-B42A32C8E8E5}"/>
+              </a:ext>
+            </a:extLst>
+          </p:cNvPr>
+          <p:cNvSpPr/>
+          <p:nvPr/>
+        </p:nvSpPr>
+        <p:spPr>
+          <a:xfrm>
+            <a:off x="5957047" y="3200400"/>
+            <a:ext cx="927847" cy="927847"/>
+          </a:xfrm>
+          <a:prstGeom prst="rect">
+            <a:avLst/>
+          </a:prstGeom>
+        </p:spPr>
+        <p:style>
+          <a:lnRef idx="2">
+            <a:schemeClr val="accent1">
+              <a:shade val="50000"/>
+            </a:schemeClr>
+          </a:lnRef>
+          <a:fillRef idx="1">
+            <a:schemeClr val="accent1"/>
+          </a:fillRef>
+          <a:effectRef idx="0">
+            <a:schemeClr val="accent1"/>
+          </a:effectRef>
+          <a:fontRef idx="minor">
+            <a:schemeClr val="lt1"/>
+          </a:fontRef>
+        </p:style>
+        <p:txBody>
+          <a:bodyPr rtlCol="0" anchor="ctr"/>
+          <a:lstStyle/>
+          <a:p>
+            <a:pPr algn="ctr"/>
+            <a:r>
+              <a:rPr lang="en-US" sz="1200" dirty="0"/>
+              <a:t>ADC</a:t>
+            </a:r>
+          </a:p>
+        </p:txBody>
+      </p:sp>
+      <p:sp>
+        <p:nvSpPr>
+          <p:cNvPr id="20" name="Rectangle 19">
+            <a:extLst>
+              <a:ext uri="{FF2B5EF4-FFF2-40B4-BE49-F238E27FC236}">
+                <a16:creationId xmlns:a16="http://schemas.microsoft.com/office/drawing/2014/main" id="{0649E6CC-FEDA-AE4A-9859-FCC5289915B7}"/>
+              </a:ext>
+            </a:extLst>
+          </p:cNvPr>
+          <p:cNvSpPr/>
+          <p:nvPr/>
+        </p:nvSpPr>
+        <p:spPr>
+          <a:xfrm>
+            <a:off x="2501154" y="2595283"/>
+            <a:ext cx="712694" cy="363071"/>
+          </a:xfrm>
+          <a:prstGeom prst="rect">
+            <a:avLst/>
+          </a:prstGeom>
+        </p:spPr>
+        <p:style>
+          <a:lnRef idx="2">
+            <a:schemeClr val="accent1">
+              <a:shade val="50000"/>
+            </a:schemeClr>
+          </a:lnRef>
+          <a:fillRef idx="1">
+            <a:schemeClr val="accent1"/>
+          </a:fillRef>
+          <a:effectRef idx="0">
+            <a:schemeClr val="accent1"/>
+          </a:effectRef>
+          <a:fontRef idx="minor">
+            <a:schemeClr val="lt1"/>
+          </a:fontRef>
+        </p:style>
+        <p:txBody>
+          <a:bodyPr rtlCol="0" anchor="ctr"/>
+          <a:lstStyle/>
+          <a:p>
+            <a:pPr algn="ctr"/>
+            <a:r>
+              <a:rPr lang="en-US" sz="1200" dirty="0"/>
+              <a:t>Antenna</a:t>
+            </a:r>
+          </a:p>
+        </p:txBody>
+      </p:sp>
+      <p:cxnSp>
+        <p:nvCxnSpPr>
+          <p:cNvPr id="22" name="Elbow Connector 21">
+            <a:extLst>
+              <a:ext uri="{FF2B5EF4-FFF2-40B4-BE49-F238E27FC236}">
+                <a16:creationId xmlns:a16="http://schemas.microsoft.com/office/drawing/2014/main" id="{3FD262AD-9476-9E4F-A5D0-0070D31DEDA0}"/>
+              </a:ext>
+            </a:extLst>
+          </p:cNvPr>
+          <p:cNvCxnSpPr>
+            <a:stCxn id="20" idx="2"/>
+            <a:endCxn id="4" idx="1"/>
+          </p:cNvCxnSpPr>
+          <p:nvPr/>
+        </p:nvCxnSpPr>
+        <p:spPr>
+          <a:xfrm rot="16200000" flipH="1">
+            <a:off x="2635624" y="3180230"/>
+            <a:ext cx="705970" cy="262217"/>
+          </a:xfrm>
+          <a:prstGeom prst="bentConnector2">
+            <a:avLst/>
+          </a:prstGeom>
+          <a:ln w="28575">
+            <a:prstDash val="sysDot"/>
+            <a:tailEnd type="triangle"/>
+          </a:ln>
+        </p:spPr>
+        <p:style>
+          <a:lnRef idx="1">
+            <a:schemeClr val="accent1"/>
+          </a:lnRef>
+          <a:fillRef idx="0">
+            <a:schemeClr val="accent1"/>
+          </a:fillRef>
+          <a:effectRef idx="0">
+            <a:schemeClr val="accent1"/>
+          </a:effectRef>
+          <a:fontRef idx="minor">
+            <a:schemeClr val="tx1"/>
+          </a:fontRef>
+        </p:style>
+      </p:cxnSp>
+      <p:cxnSp>
+        <p:nvCxnSpPr>
+          <p:cNvPr id="29" name="Straight Arrow Connector 28">
+            <a:extLst>
+              <a:ext uri="{FF2B5EF4-FFF2-40B4-BE49-F238E27FC236}">
+                <a16:creationId xmlns:a16="http://schemas.microsoft.com/office/drawing/2014/main" id="{18DA1C04-0266-DA4B-949F-539350E9F0D2}"/>
+              </a:ext>
+            </a:extLst>
+          </p:cNvPr>
+          <p:cNvCxnSpPr>
+            <a:cxnSpLocks/>
+            <a:endCxn id="30" idx="1"/>
+          </p:cNvCxnSpPr>
+          <p:nvPr/>
+        </p:nvCxnSpPr>
+        <p:spPr>
+          <a:xfrm>
+            <a:off x="6884894" y="3664324"/>
+            <a:ext cx="497541" cy="0"/>
+          </a:xfrm>
+          <a:prstGeom prst="straightConnector1">
+            <a:avLst/>
+          </a:prstGeom>
+          <a:ln w="28575">
+            <a:solidFill>
+              <a:schemeClr val="accent6"/>
+            </a:solidFill>
+            <a:prstDash val="solid"/>
+            <a:tailEnd type="triangle"/>
+          </a:ln>
+        </p:spPr>
+        <p:style>
+          <a:lnRef idx="1">
+            <a:schemeClr val="accent1"/>
+          </a:lnRef>
+          <a:fillRef idx="0">
+            <a:schemeClr val="accent1"/>
+          </a:fillRef>
+          <a:effectRef idx="0">
+            <a:schemeClr val="accent1"/>
+          </a:effectRef>
+          <a:fontRef idx="minor">
+            <a:schemeClr val="tx1"/>
+          </a:fontRef>
+        </p:style>
+      </p:cxnSp>
+      <p:sp>
+        <p:nvSpPr>
+          <p:cNvPr id="30" name="Rectangle 29">
+            <a:extLst>
+              <a:ext uri="{FF2B5EF4-FFF2-40B4-BE49-F238E27FC236}">
+                <a16:creationId xmlns:a16="http://schemas.microsoft.com/office/drawing/2014/main" id="{95A5DEF0-B77A-A943-91D6-D098C796BACB}"/>
+              </a:ext>
+            </a:extLst>
+          </p:cNvPr>
+          <p:cNvSpPr/>
+          <p:nvPr/>
+        </p:nvSpPr>
+        <p:spPr>
+          <a:xfrm>
+            <a:off x="7382435" y="3200400"/>
+            <a:ext cx="927847" cy="927847"/>
+          </a:xfrm>
+          <a:prstGeom prst="rect">
+            <a:avLst/>
+          </a:prstGeom>
+        </p:spPr>
+        <p:style>
+          <a:lnRef idx="2">
+            <a:schemeClr val="accent6">
+              <a:shade val="50000"/>
+            </a:schemeClr>
+          </a:lnRef>
+          <a:fillRef idx="1">
+            <a:schemeClr val="accent6"/>
+          </a:fillRef>
+          <a:effectRef idx="0">
+            <a:schemeClr val="accent6"/>
+          </a:effectRef>
+          <a:fontRef idx="minor">
+            <a:schemeClr val="lt1"/>
+          </a:fontRef>
+        </p:style>
+        <p:txBody>
+          <a:bodyPr rtlCol="0" anchor="ctr"/>
+          <a:lstStyle/>
+          <a:p>
+            <a:pPr algn="ctr"/>
+            <a:r>
+              <a:rPr lang="en-US" sz="1200" dirty="0"/>
+              <a:t>Digital Mixer</a:t>
+            </a:r>
+          </a:p>
+        </p:txBody>
+      </p:sp>
+      <p:sp>
+        <p:nvSpPr>
+          <p:cNvPr id="31" name="Rectangle 30">
+            <a:extLst>
+              <a:ext uri="{FF2B5EF4-FFF2-40B4-BE49-F238E27FC236}">
+                <a16:creationId xmlns:a16="http://schemas.microsoft.com/office/drawing/2014/main" id="{DF829BC7-6C51-B74E-9BB1-E6E80F3D908E}"/>
+              </a:ext>
+            </a:extLst>
+          </p:cNvPr>
+          <p:cNvSpPr/>
+          <p:nvPr/>
+        </p:nvSpPr>
+        <p:spPr>
+          <a:xfrm>
+            <a:off x="7382435" y="4592171"/>
+            <a:ext cx="927847" cy="927847"/>
+          </a:xfrm>
+          <a:prstGeom prst="rect">
+            <a:avLst/>
+          </a:prstGeom>
+        </p:spPr>
+        <p:style>
+          <a:lnRef idx="2">
+            <a:schemeClr val="accent6">
+              <a:shade val="50000"/>
+            </a:schemeClr>
+          </a:lnRef>
+          <a:fillRef idx="1">
+            <a:schemeClr val="accent6"/>
+          </a:fillRef>
+          <a:effectRef idx="0">
+            <a:schemeClr val="accent6"/>
+          </a:effectRef>
+          <a:fontRef idx="minor">
+            <a:schemeClr val="lt1"/>
+          </a:fontRef>
+        </p:style>
+        <p:txBody>
+          <a:bodyPr rtlCol="0" anchor="ctr"/>
+          <a:lstStyle/>
+          <a:p>
+            <a:pPr algn="ctr"/>
+            <a:r>
+              <a:rPr lang="en-US" sz="1200" dirty="0"/>
+              <a:t>Digital Local Oscillator</a:t>
+            </a:r>
+          </a:p>
+        </p:txBody>
+      </p:sp>
+      <p:cxnSp>
+        <p:nvCxnSpPr>
+          <p:cNvPr id="32" name="Straight Arrow Connector 31">
+            <a:extLst>
+              <a:ext uri="{FF2B5EF4-FFF2-40B4-BE49-F238E27FC236}">
+                <a16:creationId xmlns:a16="http://schemas.microsoft.com/office/drawing/2014/main" id="{54734E4D-F4B3-1044-A00E-29A146CFB108}"/>
+              </a:ext>
+            </a:extLst>
+          </p:cNvPr>
+          <p:cNvCxnSpPr>
+            <a:cxnSpLocks/>
+            <a:stCxn id="31" idx="0"/>
+            <a:endCxn id="30" idx="2"/>
+          </p:cNvCxnSpPr>
+          <p:nvPr/>
+        </p:nvCxnSpPr>
+        <p:spPr>
+          <a:xfrm flipV="1">
+            <a:off x="7846359" y="4128247"/>
+            <a:ext cx="0" cy="463924"/>
+          </a:xfrm>
+          <a:prstGeom prst="straightConnector1">
+            <a:avLst/>
+          </a:prstGeom>
+          <a:ln w="28575">
+            <a:solidFill>
+              <a:schemeClr val="accent6"/>
+            </a:solidFill>
+            <a:prstDash val="solid"/>
+            <a:tailEnd type="triangle"/>
+          </a:ln>
+        </p:spPr>
+        <p:style>
+          <a:lnRef idx="1">
+            <a:schemeClr val="accent1"/>
+          </a:lnRef>
+          <a:fillRef idx="0">
+            <a:schemeClr val="accent1"/>
+          </a:fillRef>
+          <a:effectRef idx="0">
+            <a:schemeClr val="accent1"/>
+          </a:effectRef>
+          <a:fontRef idx="minor">
+            <a:schemeClr val="tx1"/>
+          </a:fontRef>
+        </p:style>
+      </p:cxnSp>
+      <p:sp>
+        <p:nvSpPr>
+          <p:cNvPr id="44" name="Rectangle 43">
+            <a:extLst>
+              <a:ext uri="{FF2B5EF4-FFF2-40B4-BE49-F238E27FC236}">
+                <a16:creationId xmlns:a16="http://schemas.microsoft.com/office/drawing/2014/main" id="{D9569035-59BE-3643-A5B3-959F6D32F5E2}"/>
+              </a:ext>
+            </a:extLst>
+          </p:cNvPr>
+          <p:cNvSpPr/>
+          <p:nvPr/>
+        </p:nvSpPr>
+        <p:spPr>
+          <a:xfrm>
+            <a:off x="10165976" y="3200400"/>
+            <a:ext cx="927847" cy="927847"/>
+          </a:xfrm>
+          <a:prstGeom prst="rect">
+            <a:avLst/>
+          </a:prstGeom>
+        </p:spPr>
+        <p:style>
+          <a:lnRef idx="2">
+            <a:schemeClr val="accent6">
+              <a:shade val="50000"/>
+            </a:schemeClr>
+          </a:lnRef>
+          <a:fillRef idx="1">
+            <a:schemeClr val="accent6"/>
+          </a:fillRef>
+          <a:effectRef idx="0">
+            <a:schemeClr val="accent6"/>
+          </a:effectRef>
+          <a:fontRef idx="minor">
+            <a:schemeClr val="lt1"/>
+          </a:fontRef>
+        </p:style>
+        <p:txBody>
+          <a:bodyPr rtlCol="0" anchor="ctr"/>
+          <a:lstStyle/>
+          <a:p>
+            <a:pPr algn="ctr"/>
+            <a:r>
+              <a:rPr lang="en-US" sz="1200" dirty="0"/>
+              <a:t>Signal Processing</a:t>
+            </a:r>
+          </a:p>
+        </p:txBody>
+      </p:sp>
+      <p:cxnSp>
+        <p:nvCxnSpPr>
+          <p:cNvPr id="45" name="Straight Arrow Connector 44">
+            <a:extLst>
+              <a:ext uri="{FF2B5EF4-FFF2-40B4-BE49-F238E27FC236}">
+                <a16:creationId xmlns:a16="http://schemas.microsoft.com/office/drawing/2014/main" id="{24B282DA-F975-4D4D-986A-E477B6F1AED5}"/>
+              </a:ext>
+            </a:extLst>
+          </p:cNvPr>
+          <p:cNvCxnSpPr>
+            <a:cxnSpLocks/>
+          </p:cNvCxnSpPr>
+          <p:nvPr/>
+        </p:nvCxnSpPr>
+        <p:spPr>
+          <a:xfrm>
+            <a:off x="11093823" y="3664323"/>
+            <a:ext cx="463924" cy="0"/>
+          </a:xfrm>
+          <a:prstGeom prst="straightConnector1">
+            <a:avLst/>
+          </a:prstGeom>
+          <a:ln w="28575">
+            <a:solidFill>
+              <a:schemeClr val="accent6"/>
+            </a:solidFill>
+            <a:prstDash val="solid"/>
+            <a:tailEnd type="triangle"/>
+          </a:ln>
+        </p:spPr>
+        <p:style>
+          <a:lnRef idx="1">
+            <a:schemeClr val="accent1"/>
+          </a:lnRef>
+          <a:fillRef idx="0">
+            <a:schemeClr val="accent1"/>
+          </a:fillRef>
+          <a:effectRef idx="0">
+            <a:schemeClr val="accent1"/>
+          </a:effectRef>
+          <a:fontRef idx="minor">
+            <a:schemeClr val="tx1"/>
+          </a:fontRef>
+        </p:style>
+      </p:cxnSp>
+      <p:sp>
+        <p:nvSpPr>
+          <p:cNvPr id="23" name="Rectangle 22">
+            <a:extLst>
+              <a:ext uri="{FF2B5EF4-FFF2-40B4-BE49-F238E27FC236}">
+                <a16:creationId xmlns:a16="http://schemas.microsoft.com/office/drawing/2014/main" id="{6FFA9B3F-0AB6-1A4C-9AE9-C1182B671529}"/>
+              </a:ext>
+            </a:extLst>
+          </p:cNvPr>
+          <p:cNvSpPr/>
+          <p:nvPr/>
+        </p:nvSpPr>
+        <p:spPr>
+          <a:xfrm>
+            <a:off x="8774205" y="3200399"/>
+            <a:ext cx="927847" cy="927847"/>
+          </a:xfrm>
+          <a:prstGeom prst="rect">
+            <a:avLst/>
+          </a:prstGeom>
+        </p:spPr>
+        <p:style>
+          <a:lnRef idx="2">
+            <a:schemeClr val="accent2">
+              <a:shade val="50000"/>
+            </a:schemeClr>
+          </a:lnRef>
+          <a:fillRef idx="1">
+            <a:schemeClr val="accent2"/>
+          </a:fillRef>
+          <a:effectRef idx="0">
+            <a:schemeClr val="accent2"/>
+          </a:effectRef>
+          <a:fontRef idx="minor">
+            <a:schemeClr val="lt1"/>
+          </a:fontRef>
+        </p:style>
+        <p:txBody>
+          <a:bodyPr rtlCol="0" anchor="ctr"/>
+          <a:lstStyle/>
+          <a:p>
+            <a:pPr algn="ctr"/>
+            <a:r>
+              <a:rPr lang="en-US" sz="1200" dirty="0"/>
+              <a:t>Observer</a:t>
+            </a:r>
+          </a:p>
+          <a:p>
+            <a:pPr algn="ctr"/>
+            <a:r>
+              <a:rPr lang="en-US" sz="1200" dirty="0"/>
+              <a:t>Neural Network</a:t>
+            </a:r>
+          </a:p>
+        </p:txBody>
+      </p:sp>
+      <p:cxnSp>
+        <p:nvCxnSpPr>
+          <p:cNvPr id="11" name="Elbow Connector 10">
+            <a:extLst>
+              <a:ext uri="{FF2B5EF4-FFF2-40B4-BE49-F238E27FC236}">
+                <a16:creationId xmlns:a16="http://schemas.microsoft.com/office/drawing/2014/main" id="{8769B913-326B-044C-BA97-E9582AB9D172}"/>
+              </a:ext>
+            </a:extLst>
+          </p:cNvPr>
+          <p:cNvCxnSpPr>
+            <a:cxnSpLocks/>
+            <a:stCxn id="30" idx="3"/>
+            <a:endCxn id="23" idx="1"/>
+          </p:cNvCxnSpPr>
+          <p:nvPr/>
+        </p:nvCxnSpPr>
+        <p:spPr>
+          <a:xfrm flipV="1">
+            <a:off x="8310282" y="3664323"/>
+            <a:ext cx="463923" cy="1"/>
+          </a:xfrm>
+          <a:prstGeom prst="bentConnector3">
+            <a:avLst>
+              <a:gd name="adj1" fmla="val 50000"/>
+            </a:avLst>
+          </a:prstGeom>
+          <a:ln w="28575">
+            <a:solidFill>
+              <a:schemeClr val="accent2"/>
+            </a:solidFill>
+            <a:tailEnd type="triangle"/>
+          </a:ln>
+        </p:spPr>
+        <p:style>
+          <a:lnRef idx="1">
+            <a:schemeClr val="accent1"/>
+          </a:lnRef>
+          <a:fillRef idx="0">
+            <a:schemeClr val="accent1"/>
+          </a:fillRef>
+          <a:effectRef idx="0">
+            <a:schemeClr val="accent1"/>
+          </a:effectRef>
+          <a:fontRef idx="minor">
+            <a:schemeClr val="tx1"/>
+          </a:fontRef>
+        </p:style>
+      </p:cxnSp>
+      <p:cxnSp>
+        <p:nvCxnSpPr>
+          <p:cNvPr id="15" name="Elbow Connector 14">
+            <a:extLst>
+              <a:ext uri="{FF2B5EF4-FFF2-40B4-BE49-F238E27FC236}">
+                <a16:creationId xmlns:a16="http://schemas.microsoft.com/office/drawing/2014/main" id="{58EF268A-3C8D-9C47-ABA8-7BC8813D052C}"/>
+              </a:ext>
+            </a:extLst>
+          </p:cNvPr>
+          <p:cNvCxnSpPr>
+            <a:cxnSpLocks/>
+            <a:stCxn id="23" idx="3"/>
+            <a:endCxn id="44" idx="1"/>
+          </p:cNvCxnSpPr>
+          <p:nvPr/>
+        </p:nvCxnSpPr>
+        <p:spPr>
+          <a:xfrm>
+            <a:off x="9702052" y="3664323"/>
+            <a:ext cx="463924" cy="1"/>
+          </a:xfrm>
+          <a:prstGeom prst="bentConnector3">
+            <a:avLst>
+              <a:gd name="adj1" fmla="val 50000"/>
+            </a:avLst>
+          </a:prstGeom>
+          <a:ln w="28575">
+            <a:solidFill>
+              <a:schemeClr val="accent2"/>
+            </a:solidFill>
+            <a:tailEnd type="triangle"/>
+          </a:ln>
+        </p:spPr>
+        <p:style>
+          <a:lnRef idx="1">
+            <a:schemeClr val="accent1"/>
+          </a:lnRef>
+          <a:fillRef idx="0">
+            <a:schemeClr val="accent1"/>
+          </a:fillRef>
+          <a:effectRef idx="0">
+            <a:schemeClr val="accent1"/>
+          </a:effectRef>
+          <a:fontRef idx="minor">
+            <a:schemeClr val="tx1"/>
+          </a:fontRef>
+        </p:style>
+      </p:cxnSp>
+      <p:sp>
+        <p:nvSpPr>
+          <p:cNvPr id="19" name="Rectangle 18">
+            <a:extLst>
+              <a:ext uri="{FF2B5EF4-FFF2-40B4-BE49-F238E27FC236}">
+                <a16:creationId xmlns:a16="http://schemas.microsoft.com/office/drawing/2014/main" id="{2F226004-E91C-5249-9ED8-BEF622FBC125}"/>
+              </a:ext>
+            </a:extLst>
+          </p:cNvPr>
+          <p:cNvSpPr/>
+          <p:nvPr/>
+        </p:nvSpPr>
+        <p:spPr>
+          <a:xfrm>
+            <a:off x="7126357" y="2595283"/>
+            <a:ext cx="4651513" cy="3079960"/>
+          </a:xfrm>
+          <a:prstGeom prst="rect">
+            <a:avLst/>
+          </a:prstGeom>
+          <a:noFill/>
+          <a:ln w="28575">
+            <a:solidFill>
+              <a:schemeClr val="tx1"/>
+            </a:solidFill>
+          </a:ln>
+        </p:spPr>
+        <p:style>
+          <a:lnRef idx="2">
+            <a:schemeClr val="accent1">
+              <a:shade val="50000"/>
+            </a:schemeClr>
+          </a:lnRef>
+          <a:fillRef idx="1">
+            <a:schemeClr val="accent1"/>
+          </a:fillRef>
+          <a:effectRef idx="0">
+            <a:schemeClr val="accent1"/>
+          </a:effectRef>
+          <a:fontRef idx="minor">
+            <a:schemeClr val="lt1"/>
+          </a:fontRef>
+        </p:style>
+        <p:txBody>
+          <a:bodyPr rtlCol="0" anchor="ctr"/>
+          <a:lstStyle/>
+          <a:p>
+            <a:pPr algn="ctr"/>
+            <a:endParaRPr lang="en-US"/>
+          </a:p>
+        </p:txBody>
+      </p:sp>
+      <p:sp>
+        <p:nvSpPr>
+          <p:cNvPr id="21" name="TextBox 20">
+            <a:extLst>
+              <a:ext uri="{FF2B5EF4-FFF2-40B4-BE49-F238E27FC236}">
+                <a16:creationId xmlns:a16="http://schemas.microsoft.com/office/drawing/2014/main" id="{54924DFE-56E3-C14D-9BD8-BCB5E184A784}"/>
+              </a:ext>
+            </a:extLst>
+          </p:cNvPr>
+          <p:cNvSpPr txBox="1"/>
+          <p:nvPr/>
+        </p:nvSpPr>
+        <p:spPr>
+          <a:xfrm>
+            <a:off x="9483684" y="5319223"/>
+            <a:ext cx="2385392" cy="369332"/>
+          </a:xfrm>
+          <a:prstGeom prst="rect">
+            <a:avLst/>
+          </a:prstGeom>
+          <a:noFill/>
+        </p:spPr>
+        <p:txBody>
+          <a:bodyPr wrap="square" rtlCol="0">
+            <a:spAutoFit/>
+          </a:bodyPr>
+          <a:lstStyle/>
+          <a:p>
+            <a:r>
+              <a:rPr lang="en-US" dirty="0"/>
+              <a:t>Implemented on FPGA</a:t>
+            </a:r>
+          </a:p>
+        </p:txBody>
+      </p:sp>
+      <p:sp>
+        <p:nvSpPr>
+          <p:cNvPr id="24" name="Title 1">
+            <a:extLst>
+              <a:ext uri="{FF2B5EF4-FFF2-40B4-BE49-F238E27FC236}">
+                <a16:creationId xmlns:a16="http://schemas.microsoft.com/office/drawing/2014/main" id="{9FC5B24A-9C96-A343-A6ED-C692B8A1DEAD}"/>
               </a:ext>
             </a:extLst>
           </p:cNvPr>
@@ -9787,118 +15826,27 @@
             <p:ph type="title"/>
           </p:nvPr>
         </p:nvSpPr>
-        <p:spPr/>
+        <p:spPr>
+          <a:xfrm>
+            <a:off x="2904565" y="365125"/>
+            <a:ext cx="8449056" cy="1325563"/>
+          </a:xfrm>
+        </p:spPr>
         <p:txBody>
           <a:bodyPr/>
           <a:lstStyle/>
           <a:p>
             <a:r>
               <a:rPr lang="en-US" dirty="0"/>
-              <a:t>Generating Data</a:t>
-            </a:r>
-          </a:p>
-        </p:txBody>
-      </p:sp>
-      <p:sp>
-        <p:nvSpPr>
-          <p:cNvPr id="10" name="Content Placeholder 2">
-            <a:extLst>
-              <a:ext uri="{FF2B5EF4-FFF2-40B4-BE49-F238E27FC236}">
-                <a16:creationId xmlns:a16="http://schemas.microsoft.com/office/drawing/2014/main" id="{DC5F3F73-9ABE-2146-8DC0-D43131234583}"/>
-              </a:ext>
-            </a:extLst>
-          </p:cNvPr>
-          <p:cNvSpPr>
-            <a:spLocks noGrp="1"/>
-          </p:cNvSpPr>
-          <p:nvPr>
-            <p:ph idx="1"/>
-          </p:nvPr>
-        </p:nvSpPr>
-        <p:spPr>
-          <a:xfrm>
-            <a:off x="2904565" y="1825625"/>
-            <a:ext cx="8449056" cy="4351338"/>
-          </a:xfrm>
-        </p:spPr>
-        <p:txBody>
-          <a:bodyPr>
-            <a:normAutofit/>
-          </a:bodyPr>
-          <a:lstStyle/>
-          <a:p>
-            <a:r>
-              <a:rPr lang="en-US" dirty="0"/>
-              <a:t>Generate a binary signal modulated using OOK</a:t>
-            </a:r>
-          </a:p>
-          <a:p>
-            <a:pPr lvl="1"/>
-            <a:r>
-              <a:rPr lang="en-US" dirty="0"/>
-              <a:t>Carrier frequency = 500kHz</a:t>
-            </a:r>
-          </a:p>
-          <a:p>
-            <a:r>
-              <a:rPr lang="en-US" dirty="0"/>
-              <a:t>Model a DDC using SciPy (Python)</a:t>
-            </a:r>
-          </a:p>
-          <a:p>
-            <a:pPr lvl="1"/>
-            <a:r>
-              <a:rPr lang="en-US" dirty="0"/>
-              <a:t>Mixer multiplies modulated signal with oscillator signal</a:t>
-            </a:r>
-          </a:p>
-          <a:p>
-            <a:pPr lvl="1"/>
-            <a:r>
-              <a:rPr lang="en-US" dirty="0"/>
-              <a:t>Low pass FIR filter removes high frequency component</a:t>
-            </a:r>
-          </a:p>
-          <a:p>
-            <a:pPr lvl="1"/>
-            <a:endParaRPr lang="en-US" dirty="0"/>
-          </a:p>
-        </p:txBody>
-      </p:sp>
-      <p:pic>
-        <p:nvPicPr>
-          <p:cNvPr id="15" name="Picture 14" descr="Text&#10;&#10;Description automatically generated">
-            <a:extLst>
-              <a:ext uri="{FF2B5EF4-FFF2-40B4-BE49-F238E27FC236}">
-                <a16:creationId xmlns:a16="http://schemas.microsoft.com/office/drawing/2014/main" id="{879A683E-005E-2F44-A731-FD0614E37E77}"/>
-              </a:ext>
-            </a:extLst>
-          </p:cNvPr>
-          <p:cNvPicPr>
-            <a:picLocks noChangeAspect="1"/>
-          </p:cNvPicPr>
-          <p:nvPr/>
-        </p:nvPicPr>
-        <p:blipFill>
-          <a:blip r:embed="rId2"/>
-          <a:stretch>
-            <a:fillRect/>
-          </a:stretch>
-        </p:blipFill>
-        <p:spPr>
-          <a:xfrm>
-            <a:off x="3984498" y="4851400"/>
-            <a:ext cx="5905500" cy="1460500"/>
-          </a:xfrm>
-          <a:prstGeom prst="rect">
-            <a:avLst/>
-          </a:prstGeom>
-        </p:spPr>
-      </p:pic>
+              <a:t>Quick Review</a:t>
+            </a:r>
+          </a:p>
+        </p:txBody>
+      </p:sp>
     </p:spTree>
     <p:extLst>
       <p:ext uri="{BB962C8B-B14F-4D97-AF65-F5344CB8AC3E}">
-        <p14:creationId xmlns:p14="http://schemas.microsoft.com/office/powerpoint/2010/main" val="702592305"/>
+        <p14:creationId xmlns:p14="http://schemas.microsoft.com/office/powerpoint/2010/main" val="2917096470"/>
       </p:ext>
     </p:extLst>
   </p:cSld>
@@ -9930,7 +15878,7 @@
           <p:cNvPr id="2" name="Title 1">
             <a:extLst>
               <a:ext uri="{FF2B5EF4-FFF2-40B4-BE49-F238E27FC236}">
-                <a16:creationId xmlns:a16="http://schemas.microsoft.com/office/drawing/2014/main" id="{FA808CD3-2E05-CF45-A5CA-2B83585A8896}"/>
+                <a16:creationId xmlns:a16="http://schemas.microsoft.com/office/drawing/2014/main" id="{9807E21C-CCDF-1148-95CB-4509C6DF6E97}"/>
               </a:ext>
             </a:extLst>
           </p:cNvPr>
@@ -9948,17 +15896,45 @@
           <a:p>
             <a:r>
               <a:rPr lang="en-US" dirty="0"/>
-              <a:t>Lowpass FIR Filter</a:t>
+              <a:t>SDR Digital Front End</a:t>
+            </a:r>
+          </a:p>
+        </p:txBody>
+      </p:sp>
+      <p:sp>
+        <p:nvSpPr>
+          <p:cNvPr id="7" name="Content Placeholder 6">
+            <a:extLst>
+              <a:ext uri="{FF2B5EF4-FFF2-40B4-BE49-F238E27FC236}">
+                <a16:creationId xmlns:a16="http://schemas.microsoft.com/office/drawing/2014/main" id="{61EC942B-D3A5-8745-B6FA-21ED515038C2}"/>
+              </a:ext>
+            </a:extLst>
+          </p:cNvPr>
+          <p:cNvSpPr>
+            <a:spLocks noGrp="1"/>
+          </p:cNvSpPr>
+          <p:nvPr>
+            <p:ph idx="1"/>
+          </p:nvPr>
+        </p:nvSpPr>
+        <p:spPr/>
+        <p:txBody>
+          <a:bodyPr/>
+          <a:lstStyle/>
+          <a:p>
+            <a:r>
+              <a:rPr lang="en-US" dirty="0"/>
+              <a:t>Digital Down Converter (DDC)</a:t>
             </a:r>
           </a:p>
         </p:txBody>
       </p:sp>
       <p:pic>
         <p:nvPicPr>
-          <p:cNvPr id="5" name="Picture 4" descr="Chart&#10;&#10;Description automatically generated">
-            <a:extLst>
-              <a:ext uri="{FF2B5EF4-FFF2-40B4-BE49-F238E27FC236}">
-                <a16:creationId xmlns:a16="http://schemas.microsoft.com/office/drawing/2014/main" id="{1E5D1BCC-D6A5-6B4C-B737-F174142C8C46}"/>
+          <p:cNvPr id="10" name="Content Placeholder 8" descr="Diagram&#10;&#10;Description automatically generated">
+            <a:extLst>
+              <a:ext uri="{FF2B5EF4-FFF2-40B4-BE49-F238E27FC236}">
+                <a16:creationId xmlns:a16="http://schemas.microsoft.com/office/drawing/2014/main" id="{C02B0154-8232-E948-A073-4D27F16B180C}"/>
               </a:ext>
             </a:extLst>
           </p:cNvPr>
@@ -9975,228 +15951,70 @@
         </p:blipFill>
         <p:spPr>
           <a:xfrm>
-            <a:off x="4208093" y="1690688"/>
-            <a:ext cx="5842000" cy="4381500"/>
+            <a:off x="4721876" y="2467013"/>
+            <a:ext cx="4814433" cy="4025862"/>
           </a:xfrm>
           <a:prstGeom prst="rect">
             <a:avLst/>
           </a:prstGeom>
         </p:spPr>
       </p:pic>
-      <p:cxnSp>
-        <p:nvCxnSpPr>
-          <p:cNvPr id="9" name="Straight Arrow Connector 8">
-            <a:extLst>
-              <a:ext uri="{FF2B5EF4-FFF2-40B4-BE49-F238E27FC236}">
-                <a16:creationId xmlns:a16="http://schemas.microsoft.com/office/drawing/2014/main" id="{CDF648F2-837A-6E49-B692-BC162249A151}"/>
-              </a:ext>
-            </a:extLst>
-          </p:cNvPr>
-          <p:cNvCxnSpPr>
-            <a:cxnSpLocks/>
-          </p:cNvCxnSpPr>
+      <p:sp>
+        <p:nvSpPr>
+          <p:cNvPr id="11" name="Rectangle 10">
+            <a:extLst>
+              <a:ext uri="{FF2B5EF4-FFF2-40B4-BE49-F238E27FC236}">
+                <a16:creationId xmlns:a16="http://schemas.microsoft.com/office/drawing/2014/main" id="{4E2B7B92-A881-2C40-88D8-2261EE11FB1F}"/>
+              </a:ext>
+            </a:extLst>
+          </p:cNvPr>
+          <p:cNvSpPr/>
           <p:nvPr/>
-        </p:nvCxnSpPr>
-        <p:spPr>
-          <a:xfrm flipV="1">
-            <a:off x="5522976" y="4462272"/>
-            <a:ext cx="0" cy="402336"/>
-          </a:xfrm>
-          <a:prstGeom prst="straightConnector1">
-            <a:avLst/>
-          </a:prstGeom>
-          <a:ln w="19050">
-            <a:solidFill>
-              <a:srgbClr val="8F0301"/>
-            </a:solidFill>
-            <a:tailEnd type="triangle"/>
-          </a:ln>
-        </p:spPr>
-        <p:style>
-          <a:lnRef idx="1">
-            <a:schemeClr val="accent1"/>
-          </a:lnRef>
-          <a:fillRef idx="0">
-            <a:schemeClr val="accent1"/>
-          </a:fillRef>
-          <a:effectRef idx="0">
-            <a:schemeClr val="accent1"/>
-          </a:effectRef>
-          <a:fontRef idx="minor">
-            <a:schemeClr val="tx1"/>
-          </a:fontRef>
-        </p:style>
-      </p:cxnSp>
-      <p:sp>
-        <p:nvSpPr>
-          <p:cNvPr id="11" name="TextBox 10">
-            <a:extLst>
-              <a:ext uri="{FF2B5EF4-FFF2-40B4-BE49-F238E27FC236}">
-                <a16:creationId xmlns:a16="http://schemas.microsoft.com/office/drawing/2014/main" id="{7A122357-F487-0E45-8115-3F91B99A1669}"/>
-              </a:ext>
-            </a:extLst>
-          </p:cNvPr>
-          <p:cNvSpPr txBox="1"/>
-          <p:nvPr/>
         </p:nvSpPr>
         <p:spPr>
           <a:xfrm>
-            <a:off x="5140339" y="4864608"/>
-            <a:ext cx="835036" cy="646331"/>
+            <a:off x="4981303" y="3779520"/>
+            <a:ext cx="2612571" cy="2397443"/>
           </a:xfrm>
           <a:prstGeom prst="rect">
             <a:avLst/>
           </a:prstGeom>
           <a:noFill/>
-        </p:spPr>
-        <p:txBody>
-          <a:bodyPr wrap="none" rtlCol="0">
-            <a:spAutoFit/>
-          </a:bodyPr>
-          <a:lstStyle/>
-          <a:p>
-            <a:pPr algn="ctr"/>
-            <a:r>
-              <a:rPr lang="en-US" sz="1200" dirty="0">
-                <a:solidFill>
-                  <a:srgbClr val="8F0301"/>
-                </a:solidFill>
-              </a:rPr>
-              <a:t>Carrier </a:t>
-            </a:r>
-          </a:p>
-          <a:p>
-            <a:pPr algn="ctr"/>
-            <a:r>
-              <a:rPr lang="en-US" sz="1200" dirty="0">
-                <a:solidFill>
-                  <a:srgbClr val="8F0301"/>
-                </a:solidFill>
-              </a:rPr>
-              <a:t>Frequency</a:t>
-            </a:r>
-          </a:p>
-          <a:p>
-            <a:pPr algn="ctr"/>
-            <a:r>
-              <a:rPr lang="en-US" sz="1200" dirty="0">
-                <a:solidFill>
-                  <a:srgbClr val="8F0301"/>
-                </a:solidFill>
-              </a:rPr>
-              <a:t>(500kHz)</a:t>
-            </a:r>
-          </a:p>
-        </p:txBody>
-      </p:sp>
-      <p:cxnSp>
-        <p:nvCxnSpPr>
-          <p:cNvPr id="13" name="Straight Arrow Connector 12">
-            <a:extLst>
-              <a:ext uri="{FF2B5EF4-FFF2-40B4-BE49-F238E27FC236}">
-                <a16:creationId xmlns:a16="http://schemas.microsoft.com/office/drawing/2014/main" id="{A79BFB19-AB06-634E-B00E-8A1AEB3B2F95}"/>
-              </a:ext>
-            </a:extLst>
-          </p:cNvPr>
-          <p:cNvCxnSpPr/>
-          <p:nvPr/>
-        </p:nvCxnSpPr>
-        <p:spPr>
-          <a:xfrm flipH="1">
-            <a:off x="5364480" y="2767584"/>
-            <a:ext cx="329184" cy="0"/>
-          </a:xfrm>
-          <a:prstGeom prst="straightConnector1">
-            <a:avLst/>
-          </a:prstGeom>
-          <a:ln w="19050">
+          <a:ln w="28575">
             <a:solidFill>
-              <a:srgbClr val="8F0301"/>
+              <a:srgbClr val="C00000"/>
             </a:solidFill>
-            <a:tailEnd type="triangle"/>
           </a:ln>
         </p:spPr>
         <p:style>
-          <a:lnRef idx="1">
-            <a:schemeClr val="accent1"/>
+          <a:lnRef idx="2">
+            <a:schemeClr val="accent1">
+              <a:shade val="50000"/>
+            </a:schemeClr>
           </a:lnRef>
-          <a:fillRef idx="0">
+          <a:fillRef idx="1">
             <a:schemeClr val="accent1"/>
           </a:fillRef>
           <a:effectRef idx="0">
             <a:schemeClr val="accent1"/>
           </a:effectRef>
           <a:fontRef idx="minor">
-            <a:schemeClr val="tx1"/>
+            <a:schemeClr val="lt1"/>
           </a:fontRef>
         </p:style>
-      </p:cxnSp>
-      <p:sp>
-        <p:nvSpPr>
-          <p:cNvPr id="14" name="TextBox 13">
-            <a:extLst>
-              <a:ext uri="{FF2B5EF4-FFF2-40B4-BE49-F238E27FC236}">
-                <a16:creationId xmlns:a16="http://schemas.microsoft.com/office/drawing/2014/main" id="{038B872B-E133-E748-AA75-BF6DF8AE0C3A}"/>
-              </a:ext>
-            </a:extLst>
-          </p:cNvPr>
-          <p:cNvSpPr txBox="1"/>
-          <p:nvPr/>
-        </p:nvSpPr>
-        <p:spPr>
-          <a:xfrm>
-            <a:off x="5737747" y="2511552"/>
-            <a:ext cx="835036" cy="646331"/>
-          </a:xfrm>
-          <a:prstGeom prst="rect">
-            <a:avLst/>
-          </a:prstGeom>
-          <a:noFill/>
-        </p:spPr>
-        <p:txBody>
-          <a:bodyPr wrap="none" rtlCol="0">
-            <a:spAutoFit/>
-          </a:bodyPr>
+        <p:txBody>
+          <a:bodyPr rtlCol="0" anchor="ctr"/>
           <a:lstStyle/>
           <a:p>
             <a:pPr algn="ctr"/>
-            <a:r>
-              <a:rPr lang="en-US" sz="1200" dirty="0">
-                <a:solidFill>
-                  <a:srgbClr val="8F0301"/>
-                </a:solidFill>
-              </a:rPr>
-              <a:t>Cutoff </a:t>
-            </a:r>
-          </a:p>
-          <a:p>
-            <a:pPr algn="ctr"/>
-            <a:r>
-              <a:rPr lang="en-US" sz="1200" dirty="0">
-                <a:solidFill>
-                  <a:srgbClr val="8F0301"/>
-                </a:solidFill>
-              </a:rPr>
-              <a:t>Frequency</a:t>
-            </a:r>
-          </a:p>
-          <a:p>
-            <a:pPr algn="ctr"/>
-            <a:r>
-              <a:rPr lang="en-US" sz="1200" dirty="0">
-                <a:solidFill>
-                  <a:srgbClr val="8F0301"/>
-                </a:solidFill>
-              </a:rPr>
-              <a:t>(100kHz)</a:t>
-            </a:r>
+            <a:endParaRPr lang="en-US"/>
           </a:p>
         </p:txBody>
       </p:sp>
     </p:spTree>
     <p:extLst>
       <p:ext uri="{BB962C8B-B14F-4D97-AF65-F5344CB8AC3E}">
-        <p14:creationId xmlns:p14="http://schemas.microsoft.com/office/powerpoint/2010/main" val="2015567199"/>
+        <p14:creationId xmlns:p14="http://schemas.microsoft.com/office/powerpoint/2010/main" val="507743297"/>
       </p:ext>
     </p:extLst>
   </p:cSld>
